--- a/BDM/MapReduce_Basics.pptx
+++ b/BDM/MapReduce_Basics.pptx
@@ -240,7 +240,7 @@
           <a:p>
             <a:fld id="{DF0B669B-B66F-400C-B090-F76AD6B13D3B}" type="datetimeFigureOut">
               <a:rPr lang="zh-TW" altLang="en-US" smtClean="0"/>
-              <a:t>2023/9/20</a:t>
+              <a:t>2023/9/27</a:t>
             </a:fld>
             <a:endParaRPr lang="zh-TW" altLang="en-US"/>
           </a:p>
@@ -943,7 +943,7 @@
           <a:p>
             <a:fld id="{2F4D524B-7B34-4234-8034-DF4A15522CAE}" type="datetimeFigureOut">
               <a:rPr lang="zh-TW" altLang="en-US" smtClean="0"/>
-              <a:t>2023/9/20</a:t>
+              <a:t>2023/9/27</a:t>
             </a:fld>
             <a:endParaRPr lang="zh-TW" altLang="en-US"/>
           </a:p>
@@ -1113,7 +1113,7 @@
           <a:p>
             <a:fld id="{2F4D524B-7B34-4234-8034-DF4A15522CAE}" type="datetimeFigureOut">
               <a:rPr lang="zh-TW" altLang="en-US" smtClean="0"/>
-              <a:t>2023/9/20</a:t>
+              <a:t>2023/9/27</a:t>
             </a:fld>
             <a:endParaRPr lang="zh-TW" altLang="en-US"/>
           </a:p>
@@ -1293,7 +1293,7 @@
           <a:p>
             <a:fld id="{2F4D524B-7B34-4234-8034-DF4A15522CAE}" type="datetimeFigureOut">
               <a:rPr lang="zh-TW" altLang="en-US" smtClean="0"/>
-              <a:t>2023/9/20</a:t>
+              <a:t>2023/9/27</a:t>
             </a:fld>
             <a:endParaRPr lang="zh-TW" altLang="en-US"/>
           </a:p>
@@ -1463,7 +1463,7 @@
           <a:p>
             <a:fld id="{2F4D524B-7B34-4234-8034-DF4A15522CAE}" type="datetimeFigureOut">
               <a:rPr lang="zh-TW" altLang="en-US" smtClean="0"/>
-              <a:t>2023/9/20</a:t>
+              <a:t>2023/9/27</a:t>
             </a:fld>
             <a:endParaRPr lang="zh-TW" altLang="en-US"/>
           </a:p>
@@ -1709,7 +1709,7 @@
           <a:p>
             <a:fld id="{2F4D524B-7B34-4234-8034-DF4A15522CAE}" type="datetimeFigureOut">
               <a:rPr lang="zh-TW" altLang="en-US" smtClean="0"/>
-              <a:t>2023/9/20</a:t>
+              <a:t>2023/9/27</a:t>
             </a:fld>
             <a:endParaRPr lang="zh-TW" altLang="en-US"/>
           </a:p>
@@ -1997,7 +1997,7 @@
           <a:p>
             <a:fld id="{2F4D524B-7B34-4234-8034-DF4A15522CAE}" type="datetimeFigureOut">
               <a:rPr lang="zh-TW" altLang="en-US" smtClean="0"/>
-              <a:t>2023/9/20</a:t>
+              <a:t>2023/9/27</a:t>
             </a:fld>
             <a:endParaRPr lang="zh-TW" altLang="en-US"/>
           </a:p>
@@ -2419,7 +2419,7 @@
           <a:p>
             <a:fld id="{2F4D524B-7B34-4234-8034-DF4A15522CAE}" type="datetimeFigureOut">
               <a:rPr lang="zh-TW" altLang="en-US" smtClean="0"/>
-              <a:t>2023/9/20</a:t>
+              <a:t>2023/9/27</a:t>
             </a:fld>
             <a:endParaRPr lang="zh-TW" altLang="en-US"/>
           </a:p>
@@ -2537,7 +2537,7 @@
           <a:p>
             <a:fld id="{2F4D524B-7B34-4234-8034-DF4A15522CAE}" type="datetimeFigureOut">
               <a:rPr lang="zh-TW" altLang="en-US" smtClean="0"/>
-              <a:t>2023/9/20</a:t>
+              <a:t>2023/9/27</a:t>
             </a:fld>
             <a:endParaRPr lang="zh-TW" altLang="en-US"/>
           </a:p>
@@ -2632,7 +2632,7 @@
           <a:p>
             <a:fld id="{2F4D524B-7B34-4234-8034-DF4A15522CAE}" type="datetimeFigureOut">
               <a:rPr lang="zh-TW" altLang="en-US" smtClean="0"/>
-              <a:t>2023/9/20</a:t>
+              <a:t>2023/9/27</a:t>
             </a:fld>
             <a:endParaRPr lang="zh-TW" altLang="en-US"/>
           </a:p>
@@ -2909,7 +2909,7 @@
           <a:p>
             <a:fld id="{2F4D524B-7B34-4234-8034-DF4A15522CAE}" type="datetimeFigureOut">
               <a:rPr lang="zh-TW" altLang="en-US" smtClean="0"/>
-              <a:t>2023/9/20</a:t>
+              <a:t>2023/9/27</a:t>
             </a:fld>
             <a:endParaRPr lang="zh-TW" altLang="en-US"/>
           </a:p>
@@ -3162,7 +3162,7 @@
           <a:p>
             <a:fld id="{2F4D524B-7B34-4234-8034-DF4A15522CAE}" type="datetimeFigureOut">
               <a:rPr lang="zh-TW" altLang="en-US" smtClean="0"/>
-              <a:t>2023/9/20</a:t>
+              <a:t>2023/9/27</a:t>
             </a:fld>
             <a:endParaRPr lang="zh-TW" altLang="en-US"/>
           </a:p>
@@ -3375,7 +3375,7 @@
           <a:p>
             <a:fld id="{2F4D524B-7B34-4234-8034-DF4A15522CAE}" type="datetimeFigureOut">
               <a:rPr lang="zh-TW" altLang="en-US" smtClean="0"/>
-              <a:t>2023/9/20</a:t>
+              <a:t>2023/9/27</a:t>
             </a:fld>
             <a:endParaRPr lang="zh-TW" altLang="en-US"/>
           </a:p>
@@ -3803,12 +3803,16 @@
           </a:p>
           <a:p>
             <a:r>
+              <a:rPr lang="en-US" altLang="zh-TW" dirty="0" smtClean="0"/>
+              <a:t>Sep. </a:t>
+            </a:r>
+            <a:r>
               <a:rPr lang="en-US" altLang="zh-TW" smtClean="0"/>
-              <a:t>Sep. </a:t>
+              <a:t>27, </a:t>
             </a:r>
             <a:r>
               <a:rPr lang="en-US" altLang="zh-TW" dirty="0" smtClean="0"/>
-              <a:t>13, 2023</a:t>
+              <a:t>2023</a:t>
             </a:r>
             <a:endParaRPr lang="zh-TW" altLang="en-US" dirty="0"/>
           </a:p>
@@ -13296,7 +13300,6 @@
                 <a:solidFill>
                   <a:srgbClr val="FF0000"/>
                 </a:solidFill>
-                <a:latin typeface="Gill Sans"/>
                 <a:cs typeface="Gill Sans"/>
               </a:rPr>
               <a:t>Usage is usually clear from context!</a:t>
@@ -13305,7 +13308,6 @@
               <a:solidFill>
                 <a:srgbClr val="FF0000"/>
               </a:solidFill>
-              <a:latin typeface="Gill Sans"/>
               <a:cs typeface="Gill Sans"/>
             </a:endParaRPr>
           </a:p>
@@ -31583,13 +31585,8 @@
           <a:p>
             <a:r>
               <a:rPr lang="en-US" dirty="0" smtClean="0"/>
-              <a:t>Here’s how </a:t>
-            </a:r>
-            <a:r>
-              <a:rPr lang="en-US" dirty="0" smtClean="0"/>
-              <a:t>it works:</a:t>
-            </a:r>
-            <a:endParaRPr lang="en-US" dirty="0" smtClean="0"/>
+              <a:t>Here’s how it works:</a:t>
+            </a:r>
           </a:p>
           <a:p>
             <a:pPr lvl="1"/>
@@ -44986,7 +44983,6 @@
                 <a:solidFill>
                   <a:srgbClr val="FF0000"/>
                 </a:solidFill>
-                <a:latin typeface="Gill Sans"/>
                 <a:cs typeface="Gill Sans"/>
               </a:rPr>
               <a:t>What’s “everything else”?</a:t>
@@ -44995,7 +44991,6 @@
               <a:solidFill>
                 <a:srgbClr val="FF0000"/>
               </a:solidFill>
-              <a:latin typeface="Gill Sans"/>
               <a:cs typeface="Gill Sans"/>
             </a:endParaRPr>
           </a:p>

--- a/BDM/MapReduce_Basics.pptx
+++ b/BDM/MapReduce_Basics.pptx
@@ -240,7 +240,7 @@
           <a:p>
             <a:fld id="{DF0B669B-B66F-400C-B090-F76AD6B13D3B}" type="datetimeFigureOut">
               <a:rPr lang="zh-TW" altLang="en-US" smtClean="0"/>
-              <a:t>2023/9/27</a:t>
+              <a:t>2024/9/20</a:t>
             </a:fld>
             <a:endParaRPr lang="zh-TW" altLang="en-US"/>
           </a:p>
@@ -304,38 +304,37 @@
           <a:p>
             <a:pPr lvl="0"/>
             <a:r>
-              <a:rPr lang="zh-TW" altLang="en-US" smtClean="0"/>
+              <a:rPr lang="zh-TW" altLang="en-US"/>
               <a:t>按一下以編輯母片文字樣式</a:t>
             </a:r>
           </a:p>
           <a:p>
             <a:pPr lvl="1"/>
             <a:r>
-              <a:rPr lang="zh-TW" altLang="en-US" smtClean="0"/>
+              <a:rPr lang="zh-TW" altLang="en-US"/>
               <a:t>第二層</a:t>
             </a:r>
           </a:p>
           <a:p>
             <a:pPr lvl="2"/>
             <a:r>
-              <a:rPr lang="zh-TW" altLang="en-US" smtClean="0"/>
+              <a:rPr lang="zh-TW" altLang="en-US"/>
               <a:t>第三層</a:t>
             </a:r>
           </a:p>
           <a:p>
             <a:pPr lvl="3"/>
             <a:r>
-              <a:rPr lang="zh-TW" altLang="en-US" smtClean="0"/>
+              <a:rPr lang="zh-TW" altLang="en-US"/>
               <a:t>第四層</a:t>
             </a:r>
           </a:p>
           <a:p>
             <a:pPr lvl="4"/>
             <a:r>
-              <a:rPr lang="zh-TW" altLang="en-US" smtClean="0"/>
+              <a:rPr lang="zh-TW" altLang="en-US"/>
               <a:t>第五層</a:t>
             </a:r>
-            <a:endParaRPr lang="zh-TW" altLang="en-US"/>
           </a:p>
         </p:txBody>
       </p:sp>
@@ -556,7 +555,7 @@
               <a:pPr defTabSz="963613"/>
               <a:t>8</a:t>
             </a:fld>
-            <a:endParaRPr lang="en-GB" smtClean="0"/>
+            <a:endParaRPr lang="en-GB"/>
           </a:p>
         </p:txBody>
       </p:sp>
@@ -618,7 +617,7 @@
           <a:bodyPr wrap="none" anchor="ctr"/>
           <a:lstStyle/>
           <a:p>
-            <a:endParaRPr lang="en-US" smtClean="0"/>
+            <a:endParaRPr lang="en-US"/>
           </a:p>
         </p:txBody>
       </p:sp>
@@ -683,7 +682,7 @@
               <a:pPr defTabSz="963613"/>
               <a:t>12</a:t>
             </a:fld>
-            <a:endParaRPr lang="en-GB" smtClean="0"/>
+            <a:endParaRPr lang="en-GB"/>
           </a:p>
         </p:txBody>
       </p:sp>
@@ -745,7 +744,7 @@
           <a:bodyPr wrap="none" anchor="ctr"/>
           <a:lstStyle/>
           <a:p>
-            <a:endParaRPr lang="en-US" smtClean="0"/>
+            <a:endParaRPr lang="en-US"/>
           </a:p>
         </p:txBody>
       </p:sp>
@@ -800,10 +799,9 @@
           <a:lstStyle/>
           <a:p>
             <a:r>
-              <a:rPr lang="zh-TW" altLang="en-US" smtClean="0"/>
+              <a:rPr lang="zh-TW" altLang="en-US"/>
               <a:t>按一下以編輯母片標題樣式</a:t>
             </a:r>
-            <a:endParaRPr lang="zh-TW" altLang="en-US"/>
           </a:p>
         </p:txBody>
       </p:sp>
@@ -919,10 +917,9 @@
           </a:lstStyle>
           <a:p>
             <a:r>
-              <a:rPr lang="zh-TW" altLang="en-US" smtClean="0"/>
+              <a:rPr lang="zh-TW" altLang="en-US"/>
               <a:t>按一下以編輯母片副標題樣式</a:t>
             </a:r>
-            <a:endParaRPr lang="zh-TW" altLang="en-US"/>
           </a:p>
         </p:txBody>
       </p:sp>
@@ -943,7 +940,7 @@
           <a:p>
             <a:fld id="{2F4D524B-7B34-4234-8034-DF4A15522CAE}" type="datetimeFigureOut">
               <a:rPr lang="zh-TW" altLang="en-US" smtClean="0"/>
-              <a:t>2023/9/27</a:t>
+              <a:t>2024/9/20</a:t>
             </a:fld>
             <a:endParaRPr lang="zh-TW" altLang="en-US"/>
           </a:p>
@@ -1037,10 +1034,9 @@
           <a:lstStyle/>
           <a:p>
             <a:r>
-              <a:rPr lang="zh-TW" altLang="en-US" smtClean="0"/>
+              <a:rPr lang="zh-TW" altLang="en-US"/>
               <a:t>按一下以編輯母片標題樣式</a:t>
             </a:r>
-            <a:endParaRPr lang="zh-TW" altLang="en-US"/>
           </a:p>
         </p:txBody>
       </p:sp>
@@ -1061,38 +1057,37 @@
           <a:p>
             <a:pPr lvl="0"/>
             <a:r>
-              <a:rPr lang="zh-TW" altLang="en-US" smtClean="0"/>
+              <a:rPr lang="zh-TW" altLang="en-US"/>
               <a:t>按一下以編輯母片文字樣式</a:t>
             </a:r>
           </a:p>
           <a:p>
             <a:pPr lvl="1"/>
             <a:r>
-              <a:rPr lang="zh-TW" altLang="en-US" smtClean="0"/>
+              <a:rPr lang="zh-TW" altLang="en-US"/>
               <a:t>第二層</a:t>
             </a:r>
           </a:p>
           <a:p>
             <a:pPr lvl="2"/>
             <a:r>
-              <a:rPr lang="zh-TW" altLang="en-US" smtClean="0"/>
+              <a:rPr lang="zh-TW" altLang="en-US"/>
               <a:t>第三層</a:t>
             </a:r>
           </a:p>
           <a:p>
             <a:pPr lvl="3"/>
             <a:r>
-              <a:rPr lang="zh-TW" altLang="en-US" smtClean="0"/>
+              <a:rPr lang="zh-TW" altLang="en-US"/>
               <a:t>第四層</a:t>
             </a:r>
           </a:p>
           <a:p>
             <a:pPr lvl="4"/>
             <a:r>
-              <a:rPr lang="zh-TW" altLang="en-US" smtClean="0"/>
+              <a:rPr lang="zh-TW" altLang="en-US"/>
               <a:t>第五層</a:t>
             </a:r>
-            <a:endParaRPr lang="zh-TW" altLang="en-US"/>
           </a:p>
         </p:txBody>
       </p:sp>
@@ -1113,7 +1108,7 @@
           <a:p>
             <a:fld id="{2F4D524B-7B34-4234-8034-DF4A15522CAE}" type="datetimeFigureOut">
               <a:rPr lang="zh-TW" altLang="en-US" smtClean="0"/>
-              <a:t>2023/9/27</a:t>
+              <a:t>2024/9/20</a:t>
             </a:fld>
             <a:endParaRPr lang="zh-TW" altLang="en-US"/>
           </a:p>
@@ -1212,10 +1207,9 @@
           <a:lstStyle/>
           <a:p>
             <a:r>
-              <a:rPr lang="zh-TW" altLang="en-US" smtClean="0"/>
+              <a:rPr lang="zh-TW" altLang="en-US"/>
               <a:t>按一下以編輯母片標題樣式</a:t>
             </a:r>
-            <a:endParaRPr lang="zh-TW" altLang="en-US"/>
           </a:p>
         </p:txBody>
       </p:sp>
@@ -1241,38 +1235,37 @@
           <a:p>
             <a:pPr lvl="0"/>
             <a:r>
-              <a:rPr lang="zh-TW" altLang="en-US" smtClean="0"/>
+              <a:rPr lang="zh-TW" altLang="en-US"/>
               <a:t>按一下以編輯母片文字樣式</a:t>
             </a:r>
           </a:p>
           <a:p>
             <a:pPr lvl="1"/>
             <a:r>
-              <a:rPr lang="zh-TW" altLang="en-US" smtClean="0"/>
+              <a:rPr lang="zh-TW" altLang="en-US"/>
               <a:t>第二層</a:t>
             </a:r>
           </a:p>
           <a:p>
             <a:pPr lvl="2"/>
             <a:r>
-              <a:rPr lang="zh-TW" altLang="en-US" smtClean="0"/>
+              <a:rPr lang="zh-TW" altLang="en-US"/>
               <a:t>第三層</a:t>
             </a:r>
           </a:p>
           <a:p>
             <a:pPr lvl="3"/>
             <a:r>
-              <a:rPr lang="zh-TW" altLang="en-US" smtClean="0"/>
+              <a:rPr lang="zh-TW" altLang="en-US"/>
               <a:t>第四層</a:t>
             </a:r>
           </a:p>
           <a:p>
             <a:pPr lvl="4"/>
             <a:r>
-              <a:rPr lang="zh-TW" altLang="en-US" smtClean="0"/>
+              <a:rPr lang="zh-TW" altLang="en-US"/>
               <a:t>第五層</a:t>
             </a:r>
-            <a:endParaRPr lang="zh-TW" altLang="en-US"/>
           </a:p>
         </p:txBody>
       </p:sp>
@@ -1293,7 +1286,7 @@
           <a:p>
             <a:fld id="{2F4D524B-7B34-4234-8034-DF4A15522CAE}" type="datetimeFigureOut">
               <a:rPr lang="zh-TW" altLang="en-US" smtClean="0"/>
-              <a:t>2023/9/27</a:t>
+              <a:t>2024/9/20</a:t>
             </a:fld>
             <a:endParaRPr lang="zh-TW" altLang="en-US"/>
           </a:p>
@@ -1387,10 +1380,9 @@
           <a:lstStyle/>
           <a:p>
             <a:r>
-              <a:rPr lang="zh-TW" altLang="en-US" smtClean="0"/>
+              <a:rPr lang="zh-TW" altLang="en-US"/>
               <a:t>按一下以編輯母片標題樣式</a:t>
             </a:r>
-            <a:endParaRPr lang="zh-TW" altLang="en-US"/>
           </a:p>
         </p:txBody>
       </p:sp>
@@ -1411,38 +1403,37 @@
           <a:p>
             <a:pPr lvl="0"/>
             <a:r>
-              <a:rPr lang="zh-TW" altLang="en-US" smtClean="0"/>
+              <a:rPr lang="zh-TW" altLang="en-US"/>
               <a:t>按一下以編輯母片文字樣式</a:t>
             </a:r>
           </a:p>
           <a:p>
             <a:pPr lvl="1"/>
             <a:r>
-              <a:rPr lang="zh-TW" altLang="en-US" smtClean="0"/>
+              <a:rPr lang="zh-TW" altLang="en-US"/>
               <a:t>第二層</a:t>
             </a:r>
           </a:p>
           <a:p>
             <a:pPr lvl="2"/>
             <a:r>
-              <a:rPr lang="zh-TW" altLang="en-US" smtClean="0"/>
+              <a:rPr lang="zh-TW" altLang="en-US"/>
               <a:t>第三層</a:t>
             </a:r>
           </a:p>
           <a:p>
             <a:pPr lvl="3"/>
             <a:r>
-              <a:rPr lang="zh-TW" altLang="en-US" smtClean="0"/>
+              <a:rPr lang="zh-TW" altLang="en-US"/>
               <a:t>第四層</a:t>
             </a:r>
           </a:p>
           <a:p>
             <a:pPr lvl="4"/>
             <a:r>
-              <a:rPr lang="zh-TW" altLang="en-US" smtClean="0"/>
+              <a:rPr lang="zh-TW" altLang="en-US"/>
               <a:t>第五層</a:t>
             </a:r>
-            <a:endParaRPr lang="zh-TW" altLang="en-US"/>
           </a:p>
         </p:txBody>
       </p:sp>
@@ -1463,7 +1454,7 @@
           <a:p>
             <a:fld id="{2F4D524B-7B34-4234-8034-DF4A15522CAE}" type="datetimeFigureOut">
               <a:rPr lang="zh-TW" altLang="en-US" smtClean="0"/>
-              <a:t>2023/9/27</a:t>
+              <a:t>2024/9/20</a:t>
             </a:fld>
             <a:endParaRPr lang="zh-TW" altLang="en-US"/>
           </a:p>
@@ -1566,10 +1557,9 @@
           </a:lstStyle>
           <a:p>
             <a:r>
-              <a:rPr lang="zh-TW" altLang="en-US" smtClean="0"/>
+              <a:rPr lang="zh-TW" altLang="en-US"/>
               <a:t>按一下以編輯母片標題樣式</a:t>
             </a:r>
-            <a:endParaRPr lang="zh-TW" altLang="en-US"/>
           </a:p>
         </p:txBody>
       </p:sp>
@@ -1686,7 +1676,7 @@
           <a:p>
             <a:pPr lvl="0"/>
             <a:r>
-              <a:rPr lang="zh-TW" altLang="en-US" smtClean="0"/>
+              <a:rPr lang="zh-TW" altLang="en-US"/>
               <a:t>按一下以編輯母片文字樣式</a:t>
             </a:r>
           </a:p>
@@ -1709,7 +1699,7 @@
           <a:p>
             <a:fld id="{2F4D524B-7B34-4234-8034-DF4A15522CAE}" type="datetimeFigureOut">
               <a:rPr lang="zh-TW" altLang="en-US" smtClean="0"/>
-              <a:t>2023/9/27</a:t>
+              <a:t>2024/9/20</a:t>
             </a:fld>
             <a:endParaRPr lang="zh-TW" altLang="en-US"/>
           </a:p>
@@ -1803,10 +1793,9 @@
           <a:lstStyle/>
           <a:p>
             <a:r>
-              <a:rPr lang="zh-TW" altLang="en-US" smtClean="0"/>
+              <a:rPr lang="zh-TW" altLang="en-US"/>
               <a:t>按一下以編輯母片標題樣式</a:t>
             </a:r>
-            <a:endParaRPr lang="zh-TW" altLang="en-US"/>
           </a:p>
         </p:txBody>
       </p:sp>
@@ -1860,38 +1849,37 @@
           <a:p>
             <a:pPr lvl="0"/>
             <a:r>
-              <a:rPr lang="zh-TW" altLang="en-US" smtClean="0"/>
+              <a:rPr lang="zh-TW" altLang="en-US"/>
               <a:t>按一下以編輯母片文字樣式</a:t>
             </a:r>
           </a:p>
           <a:p>
             <a:pPr lvl="1"/>
             <a:r>
-              <a:rPr lang="zh-TW" altLang="en-US" smtClean="0"/>
+              <a:rPr lang="zh-TW" altLang="en-US"/>
               <a:t>第二層</a:t>
             </a:r>
           </a:p>
           <a:p>
             <a:pPr lvl="2"/>
             <a:r>
-              <a:rPr lang="zh-TW" altLang="en-US" smtClean="0"/>
+              <a:rPr lang="zh-TW" altLang="en-US"/>
               <a:t>第三層</a:t>
             </a:r>
           </a:p>
           <a:p>
             <a:pPr lvl="3"/>
             <a:r>
-              <a:rPr lang="zh-TW" altLang="en-US" smtClean="0"/>
+              <a:rPr lang="zh-TW" altLang="en-US"/>
               <a:t>第四層</a:t>
             </a:r>
           </a:p>
           <a:p>
             <a:pPr lvl="4"/>
             <a:r>
-              <a:rPr lang="zh-TW" altLang="en-US" smtClean="0"/>
+              <a:rPr lang="zh-TW" altLang="en-US"/>
               <a:t>第五層</a:t>
             </a:r>
-            <a:endParaRPr lang="zh-TW" altLang="en-US"/>
           </a:p>
         </p:txBody>
       </p:sp>
@@ -1945,38 +1933,37 @@
           <a:p>
             <a:pPr lvl="0"/>
             <a:r>
-              <a:rPr lang="zh-TW" altLang="en-US" smtClean="0"/>
+              <a:rPr lang="zh-TW" altLang="en-US"/>
               <a:t>按一下以編輯母片文字樣式</a:t>
             </a:r>
           </a:p>
           <a:p>
             <a:pPr lvl="1"/>
             <a:r>
-              <a:rPr lang="zh-TW" altLang="en-US" smtClean="0"/>
+              <a:rPr lang="zh-TW" altLang="en-US"/>
               <a:t>第二層</a:t>
             </a:r>
           </a:p>
           <a:p>
             <a:pPr lvl="2"/>
             <a:r>
-              <a:rPr lang="zh-TW" altLang="en-US" smtClean="0"/>
+              <a:rPr lang="zh-TW" altLang="en-US"/>
               <a:t>第三層</a:t>
             </a:r>
           </a:p>
           <a:p>
             <a:pPr lvl="3"/>
             <a:r>
-              <a:rPr lang="zh-TW" altLang="en-US" smtClean="0"/>
+              <a:rPr lang="zh-TW" altLang="en-US"/>
               <a:t>第四層</a:t>
             </a:r>
           </a:p>
           <a:p>
             <a:pPr lvl="4"/>
             <a:r>
-              <a:rPr lang="zh-TW" altLang="en-US" smtClean="0"/>
+              <a:rPr lang="zh-TW" altLang="en-US"/>
               <a:t>第五層</a:t>
             </a:r>
-            <a:endParaRPr lang="zh-TW" altLang="en-US"/>
           </a:p>
         </p:txBody>
       </p:sp>
@@ -1997,7 +1984,7 @@
           <a:p>
             <a:fld id="{2F4D524B-7B34-4234-8034-DF4A15522CAE}" type="datetimeFigureOut">
               <a:rPr lang="zh-TW" altLang="en-US" smtClean="0"/>
-              <a:t>2023/9/27</a:t>
+              <a:t>2024/9/20</a:t>
             </a:fld>
             <a:endParaRPr lang="zh-TW" altLang="en-US"/>
           </a:p>
@@ -2095,10 +2082,9 @@
           </a:lstStyle>
           <a:p>
             <a:r>
-              <a:rPr lang="zh-TW" altLang="en-US" smtClean="0"/>
+              <a:rPr lang="zh-TW" altLang="en-US"/>
               <a:t>按一下以編輯母片標題樣式</a:t>
             </a:r>
-            <a:endParaRPr lang="zh-TW" altLang="en-US"/>
           </a:p>
         </p:txBody>
       </p:sp>
@@ -2161,7 +2147,7 @@
           <a:p>
             <a:pPr lvl="0"/>
             <a:r>
-              <a:rPr lang="zh-TW" altLang="en-US" smtClean="0"/>
+              <a:rPr lang="zh-TW" altLang="en-US"/>
               <a:t>按一下以編輯母片文字樣式</a:t>
             </a:r>
           </a:p>
@@ -2217,38 +2203,37 @@
           <a:p>
             <a:pPr lvl="0"/>
             <a:r>
-              <a:rPr lang="zh-TW" altLang="en-US" smtClean="0"/>
+              <a:rPr lang="zh-TW" altLang="en-US"/>
               <a:t>按一下以編輯母片文字樣式</a:t>
             </a:r>
           </a:p>
           <a:p>
             <a:pPr lvl="1"/>
             <a:r>
-              <a:rPr lang="zh-TW" altLang="en-US" smtClean="0"/>
+              <a:rPr lang="zh-TW" altLang="en-US"/>
               <a:t>第二層</a:t>
             </a:r>
           </a:p>
           <a:p>
             <a:pPr lvl="2"/>
             <a:r>
-              <a:rPr lang="zh-TW" altLang="en-US" smtClean="0"/>
+              <a:rPr lang="zh-TW" altLang="en-US"/>
               <a:t>第三層</a:t>
             </a:r>
           </a:p>
           <a:p>
             <a:pPr lvl="3"/>
             <a:r>
-              <a:rPr lang="zh-TW" altLang="en-US" smtClean="0"/>
+              <a:rPr lang="zh-TW" altLang="en-US"/>
               <a:t>第四層</a:t>
             </a:r>
           </a:p>
           <a:p>
             <a:pPr lvl="4"/>
             <a:r>
-              <a:rPr lang="zh-TW" altLang="en-US" smtClean="0"/>
+              <a:rPr lang="zh-TW" altLang="en-US"/>
               <a:t>第五層</a:t>
             </a:r>
-            <a:endParaRPr lang="zh-TW" altLang="en-US"/>
           </a:p>
         </p:txBody>
       </p:sp>
@@ -2311,7 +2296,7 @@
           <a:p>
             <a:pPr lvl="0"/>
             <a:r>
-              <a:rPr lang="zh-TW" altLang="en-US" smtClean="0"/>
+              <a:rPr lang="zh-TW" altLang="en-US"/>
               <a:t>按一下以編輯母片文字樣式</a:t>
             </a:r>
           </a:p>
@@ -2367,38 +2352,37 @@
           <a:p>
             <a:pPr lvl="0"/>
             <a:r>
-              <a:rPr lang="zh-TW" altLang="en-US" smtClean="0"/>
+              <a:rPr lang="zh-TW" altLang="en-US"/>
               <a:t>按一下以編輯母片文字樣式</a:t>
             </a:r>
           </a:p>
           <a:p>
             <a:pPr lvl="1"/>
             <a:r>
-              <a:rPr lang="zh-TW" altLang="en-US" smtClean="0"/>
+              <a:rPr lang="zh-TW" altLang="en-US"/>
               <a:t>第二層</a:t>
             </a:r>
           </a:p>
           <a:p>
             <a:pPr lvl="2"/>
             <a:r>
-              <a:rPr lang="zh-TW" altLang="en-US" smtClean="0"/>
+              <a:rPr lang="zh-TW" altLang="en-US"/>
               <a:t>第三層</a:t>
             </a:r>
           </a:p>
           <a:p>
             <a:pPr lvl="3"/>
             <a:r>
-              <a:rPr lang="zh-TW" altLang="en-US" smtClean="0"/>
+              <a:rPr lang="zh-TW" altLang="en-US"/>
               <a:t>第四層</a:t>
             </a:r>
           </a:p>
           <a:p>
             <a:pPr lvl="4"/>
             <a:r>
-              <a:rPr lang="zh-TW" altLang="en-US" smtClean="0"/>
+              <a:rPr lang="zh-TW" altLang="en-US"/>
               <a:t>第五層</a:t>
             </a:r>
-            <a:endParaRPr lang="zh-TW" altLang="en-US"/>
           </a:p>
         </p:txBody>
       </p:sp>
@@ -2419,7 +2403,7 @@
           <a:p>
             <a:fld id="{2F4D524B-7B34-4234-8034-DF4A15522CAE}" type="datetimeFigureOut">
               <a:rPr lang="zh-TW" altLang="en-US" smtClean="0"/>
-              <a:t>2023/9/27</a:t>
+              <a:t>2024/9/20</a:t>
             </a:fld>
             <a:endParaRPr lang="zh-TW" altLang="en-US"/>
           </a:p>
@@ -2513,10 +2497,9 @@
           <a:lstStyle/>
           <a:p>
             <a:r>
-              <a:rPr lang="zh-TW" altLang="en-US" smtClean="0"/>
+              <a:rPr lang="zh-TW" altLang="en-US"/>
               <a:t>按一下以編輯母片標題樣式</a:t>
             </a:r>
-            <a:endParaRPr lang="zh-TW" altLang="en-US"/>
           </a:p>
         </p:txBody>
       </p:sp>
@@ -2537,7 +2520,7 @@
           <a:p>
             <a:fld id="{2F4D524B-7B34-4234-8034-DF4A15522CAE}" type="datetimeFigureOut">
               <a:rPr lang="zh-TW" altLang="en-US" smtClean="0"/>
-              <a:t>2023/9/27</a:t>
+              <a:t>2024/9/20</a:t>
             </a:fld>
             <a:endParaRPr lang="zh-TW" altLang="en-US"/>
           </a:p>
@@ -2632,7 +2615,7 @@
           <a:p>
             <a:fld id="{2F4D524B-7B34-4234-8034-DF4A15522CAE}" type="datetimeFigureOut">
               <a:rPr lang="zh-TW" altLang="en-US" smtClean="0"/>
-              <a:t>2023/9/27</a:t>
+              <a:t>2024/9/20</a:t>
             </a:fld>
             <a:endParaRPr lang="zh-TW" altLang="en-US"/>
           </a:p>
@@ -2735,10 +2718,9 @@
           </a:lstStyle>
           <a:p>
             <a:r>
-              <a:rPr lang="zh-TW" altLang="en-US" smtClean="0"/>
+              <a:rPr lang="zh-TW" altLang="en-US"/>
               <a:t>按一下以編輯母片標題樣式</a:t>
             </a:r>
-            <a:endParaRPr lang="zh-TW" altLang="en-US"/>
           </a:p>
         </p:txBody>
       </p:sp>
@@ -2792,38 +2774,37 @@
           <a:p>
             <a:pPr lvl="0"/>
             <a:r>
-              <a:rPr lang="zh-TW" altLang="en-US" smtClean="0"/>
+              <a:rPr lang="zh-TW" altLang="en-US"/>
               <a:t>按一下以編輯母片文字樣式</a:t>
             </a:r>
           </a:p>
           <a:p>
             <a:pPr lvl="1"/>
             <a:r>
-              <a:rPr lang="zh-TW" altLang="en-US" smtClean="0"/>
+              <a:rPr lang="zh-TW" altLang="en-US"/>
               <a:t>第二層</a:t>
             </a:r>
           </a:p>
           <a:p>
             <a:pPr lvl="2"/>
             <a:r>
-              <a:rPr lang="zh-TW" altLang="en-US" smtClean="0"/>
+              <a:rPr lang="zh-TW" altLang="en-US"/>
               <a:t>第三層</a:t>
             </a:r>
           </a:p>
           <a:p>
             <a:pPr lvl="3"/>
             <a:r>
-              <a:rPr lang="zh-TW" altLang="en-US" smtClean="0"/>
+              <a:rPr lang="zh-TW" altLang="en-US"/>
               <a:t>第四層</a:t>
             </a:r>
           </a:p>
           <a:p>
             <a:pPr lvl="4"/>
             <a:r>
-              <a:rPr lang="zh-TW" altLang="en-US" smtClean="0"/>
+              <a:rPr lang="zh-TW" altLang="en-US"/>
               <a:t>第五層</a:t>
             </a:r>
-            <a:endParaRPr lang="zh-TW" altLang="en-US"/>
           </a:p>
         </p:txBody>
       </p:sp>
@@ -2886,7 +2867,7 @@
           <a:p>
             <a:pPr lvl="0"/>
             <a:r>
-              <a:rPr lang="zh-TW" altLang="en-US" smtClean="0"/>
+              <a:rPr lang="zh-TW" altLang="en-US"/>
               <a:t>按一下以編輯母片文字樣式</a:t>
             </a:r>
           </a:p>
@@ -2909,7 +2890,7 @@
           <a:p>
             <a:fld id="{2F4D524B-7B34-4234-8034-DF4A15522CAE}" type="datetimeFigureOut">
               <a:rPr lang="zh-TW" altLang="en-US" smtClean="0"/>
-              <a:t>2023/9/27</a:t>
+              <a:t>2024/9/20</a:t>
             </a:fld>
             <a:endParaRPr lang="zh-TW" altLang="en-US"/>
           </a:p>
@@ -3012,10 +2993,9 @@
           </a:lstStyle>
           <a:p>
             <a:r>
-              <a:rPr lang="zh-TW" altLang="en-US" smtClean="0"/>
+              <a:rPr lang="zh-TW" altLang="en-US"/>
               <a:t>按一下以編輯母片標題樣式</a:t>
             </a:r>
-            <a:endParaRPr lang="zh-TW" altLang="en-US"/>
           </a:p>
         </p:txBody>
       </p:sp>
@@ -3139,7 +3119,7 @@
           <a:p>
             <a:pPr lvl="0"/>
             <a:r>
-              <a:rPr lang="zh-TW" altLang="en-US" smtClean="0"/>
+              <a:rPr lang="zh-TW" altLang="en-US"/>
               <a:t>按一下以編輯母片文字樣式</a:t>
             </a:r>
           </a:p>
@@ -3162,7 +3142,7 @@
           <a:p>
             <a:fld id="{2F4D524B-7B34-4234-8034-DF4A15522CAE}" type="datetimeFigureOut">
               <a:rPr lang="zh-TW" altLang="en-US" smtClean="0"/>
-              <a:t>2023/9/27</a:t>
+              <a:t>2024/9/20</a:t>
             </a:fld>
             <a:endParaRPr lang="zh-TW" altLang="en-US"/>
           </a:p>
@@ -3271,10 +3251,9 @@
           <a:lstStyle/>
           <a:p>
             <a:r>
-              <a:rPr lang="zh-TW" altLang="en-US" smtClean="0"/>
+              <a:rPr lang="zh-TW" altLang="en-US"/>
               <a:t>按一下以編輯母片標題樣式</a:t>
             </a:r>
-            <a:endParaRPr lang="zh-TW" altLang="en-US"/>
           </a:p>
         </p:txBody>
       </p:sp>
@@ -3305,38 +3284,37 @@
           <a:p>
             <a:pPr lvl="0"/>
             <a:r>
-              <a:rPr lang="zh-TW" altLang="en-US" smtClean="0"/>
+              <a:rPr lang="zh-TW" altLang="en-US"/>
               <a:t>按一下以編輯母片文字樣式</a:t>
             </a:r>
           </a:p>
           <a:p>
             <a:pPr lvl="1"/>
             <a:r>
-              <a:rPr lang="zh-TW" altLang="en-US" smtClean="0"/>
+              <a:rPr lang="zh-TW" altLang="en-US"/>
               <a:t>第二層</a:t>
             </a:r>
           </a:p>
           <a:p>
             <a:pPr lvl="2"/>
             <a:r>
-              <a:rPr lang="zh-TW" altLang="en-US" smtClean="0"/>
+              <a:rPr lang="zh-TW" altLang="en-US"/>
               <a:t>第三層</a:t>
             </a:r>
           </a:p>
           <a:p>
             <a:pPr lvl="3"/>
             <a:r>
-              <a:rPr lang="zh-TW" altLang="en-US" smtClean="0"/>
+              <a:rPr lang="zh-TW" altLang="en-US"/>
               <a:t>第四層</a:t>
             </a:r>
           </a:p>
           <a:p>
             <a:pPr lvl="4"/>
             <a:r>
-              <a:rPr lang="zh-TW" altLang="en-US" smtClean="0"/>
+              <a:rPr lang="zh-TW" altLang="en-US"/>
               <a:t>第五層</a:t>
             </a:r>
-            <a:endParaRPr lang="zh-TW" altLang="en-US"/>
           </a:p>
         </p:txBody>
       </p:sp>
@@ -3375,7 +3353,7 @@
           <a:p>
             <a:fld id="{2F4D524B-7B34-4234-8034-DF4A15522CAE}" type="datetimeFigureOut">
               <a:rPr lang="zh-TW" altLang="en-US" smtClean="0"/>
-              <a:t>2023/9/27</a:t>
+              <a:t>2024/9/20</a:t>
             </a:fld>
             <a:endParaRPr lang="zh-TW" altLang="en-US"/>
           </a:p>
@@ -3766,15 +3744,15 @@
           <a:lstStyle/>
           <a:p>
             <a:r>
-              <a:rPr lang="en-US" altLang="zh-TW" dirty="0" smtClean="0"/>
+              <a:rPr lang="en-US" altLang="zh-TW" dirty="0"/>
               <a:t>Basics of </a:t>
             </a:r>
             <a:r>
-              <a:rPr lang="en-US" altLang="zh-TW" dirty="0" err="1" smtClean="0"/>
+              <a:rPr lang="en-US" altLang="zh-TW" dirty="0" err="1"/>
               <a:t>MapReduce</a:t>
             </a:r>
             <a:r>
-              <a:rPr lang="en-US" altLang="zh-TW" dirty="0" smtClean="0"/>
+              <a:rPr lang="en-US" altLang="zh-TW" dirty="0"/>
               <a:t> Programming Model</a:t>
             </a:r>
             <a:endParaRPr lang="zh-TW" altLang="en-US" dirty="0"/>
@@ -3797,22 +3775,14 @@
           <a:lstStyle/>
           <a:p>
             <a:r>
-              <a:rPr lang="en-US" altLang="zh-TW" dirty="0" smtClean="0"/>
+              <a:rPr lang="en-US" altLang="zh-TW" dirty="0"/>
               <a:t>By J. H. Wang</a:t>
             </a:r>
           </a:p>
           <a:p>
             <a:r>
-              <a:rPr lang="en-US" altLang="zh-TW" dirty="0" smtClean="0"/>
-              <a:t>Sep. </a:t>
-            </a:r>
-            <a:r>
-              <a:rPr lang="en-US" altLang="zh-TW" smtClean="0"/>
-              <a:t>27, </a:t>
-            </a:r>
-            <a:r>
-              <a:rPr lang="en-US" altLang="zh-TW" dirty="0" smtClean="0"/>
-              <a:t>2023</a:t>
+              <a:rPr lang="en-US" altLang="zh-TW" dirty="0"/>
+              <a:t>Sep. 20, 2024</a:t>
             </a:r>
             <a:endParaRPr lang="zh-TW" altLang="en-US" dirty="0"/>
           </a:p>
@@ -3828,13 +3798,6 @@
   <p:clrMapOvr>
     <a:masterClrMapping/>
   </p:clrMapOvr>
-  <p:timing>
-    <p:tnLst>
-      <p:par>
-        <p:cTn id="1" dur="indefinite" restart="never" nodeType="tmRoot"/>
-      </p:par>
-    </p:tnLst>
-  </p:timing>
 </p:sld>
 </file>
 
@@ -3871,7 +3834,7 @@
           <a:lstStyle/>
           <a:p>
             <a:r>
-              <a:rPr lang="en-US" dirty="0" smtClean="0"/>
+              <a:rPr lang="en-US" dirty="0"/>
               <a:t>MapReduce “Runtime”</a:t>
             </a:r>
           </a:p>
@@ -3900,7 +3863,7 @@
               </a:lnSpc>
             </a:pPr>
             <a:r>
-              <a:rPr lang="en-US" dirty="0" smtClean="0">
+              <a:rPr lang="en-US" dirty="0">
                 <a:cs typeface="Arial" charset="0"/>
               </a:rPr>
               <a:t>Handles scheduling</a:t>
@@ -3913,7 +3876,7 @@
               </a:lnSpc>
             </a:pPr>
             <a:r>
-              <a:rPr lang="en-US" dirty="0" smtClean="0">
+              <a:rPr lang="en-US" dirty="0">
                 <a:cs typeface="Arial" charset="0"/>
               </a:rPr>
               <a:t>Assigns workers to map and reduce tasks</a:t>
@@ -3926,7 +3889,7 @@
               </a:lnSpc>
             </a:pPr>
             <a:r>
-              <a:rPr lang="en-US" dirty="0" smtClean="0">
+              <a:rPr lang="en-US" dirty="0">
                 <a:cs typeface="Arial" charset="0"/>
               </a:rPr>
               <a:t>Handles “data distribution”</a:t>
@@ -3939,7 +3902,7 @@
               </a:lnSpc>
             </a:pPr>
             <a:r>
-              <a:rPr lang="en-US" dirty="0" smtClean="0">
+              <a:rPr lang="en-US" dirty="0">
                 <a:cs typeface="Arial" charset="0"/>
               </a:rPr>
               <a:t>Moves processes to data</a:t>
@@ -3952,7 +3915,7 @@
               </a:lnSpc>
             </a:pPr>
             <a:r>
-              <a:rPr lang="en-US" dirty="0" smtClean="0">
+              <a:rPr lang="en-US" dirty="0">
                 <a:cs typeface="Arial" charset="0"/>
               </a:rPr>
               <a:t>Handles synchronization</a:t>
@@ -3965,7 +3928,7 @@
               </a:lnSpc>
             </a:pPr>
             <a:r>
-              <a:rPr lang="en-US" dirty="0" smtClean="0">
+              <a:rPr lang="en-US" dirty="0">
                 <a:cs typeface="Arial" charset="0"/>
               </a:rPr>
               <a:t>Gathers, sorts, and shuffles intermediate data</a:t>
@@ -3978,7 +3941,7 @@
               </a:lnSpc>
             </a:pPr>
             <a:r>
-              <a:rPr lang="en-US" dirty="0" smtClean="0">
+              <a:rPr lang="en-US" dirty="0">
                 <a:cs typeface="Arial" charset="0"/>
               </a:rPr>
               <a:t>Handles errors and faults</a:t>
@@ -3991,7 +3954,7 @@
               </a:lnSpc>
             </a:pPr>
             <a:r>
-              <a:rPr lang="en-US" dirty="0" smtClean="0">
+              <a:rPr lang="en-US" dirty="0">
                 <a:cs typeface="Arial" charset="0"/>
               </a:rPr>
               <a:t>Detects worker failures and restarts</a:t>
@@ -4004,7 +3967,7 @@
               </a:lnSpc>
             </a:pPr>
             <a:r>
-              <a:rPr lang="en-US" dirty="0" smtClean="0">
+              <a:rPr lang="en-US" dirty="0">
                 <a:cs typeface="Arial" charset="0"/>
               </a:rPr>
               <a:t>Everything happens on top of a distributed FS</a:t>
@@ -4022,21 +3985,6 @@
   <p:clrMapOvr>
     <a:masterClrMapping/>
   </p:clrMapOvr>
-  <mc:AlternateContent xmlns:mc="http://schemas.openxmlformats.org/markup-compatibility/2006" xmlns:p14="http://schemas.microsoft.com/office/powerpoint/2010/main">
-    <mc:Choice Requires="p14">
-      <p:transition p14:dur="0"/>
-    </mc:Choice>
-    <mc:Fallback xmlns="">
-      <p:transition xmlns:p14="http://schemas.microsoft.com/office/powerpoint/2010/main"/>
-    </mc:Fallback>
-  </mc:AlternateContent>
-  <p:timing>
-    <p:tnLst>
-      <p:par>
-        <p:cTn id="1" dur="indefinite" restart="never" nodeType="tmRoot"/>
-      </p:par>
-    </p:tnLst>
-  </p:timing>
 </p:sld>
 </file>
 
@@ -4073,7 +4021,7 @@
           <a:lstStyle/>
           <a:p>
             <a:r>
-              <a:rPr lang="en-US" smtClean="0"/>
+              <a:rPr lang="en-US"/>
               <a:t>MapReduce</a:t>
             </a:r>
           </a:p>
@@ -4102,7 +4050,7 @@
               </a:lnSpc>
             </a:pPr>
             <a:r>
-              <a:rPr lang="en-US" dirty="0" smtClean="0"/>
+              <a:rPr lang="en-US" dirty="0"/>
               <a:t>Programmers specify two functions:</a:t>
             </a:r>
           </a:p>
@@ -4115,7 +4063,7 @@
               <a:buNone/>
             </a:pPr>
             <a:r>
-              <a:rPr lang="en-US" b="1" dirty="0" smtClean="0">
+              <a:rPr lang="en-US" b="1" dirty="0">
                 <a:solidFill>
                   <a:srgbClr val="FF0000"/>
                 </a:solidFill>
@@ -4123,11 +4071,11 @@
               <a:t>map</a:t>
             </a:r>
             <a:r>
-              <a:rPr lang="en-US" dirty="0" smtClean="0"/>
+              <a:rPr lang="en-US" dirty="0"/>
               <a:t> (k, v) </a:t>
             </a:r>
             <a:r>
-              <a:rPr lang="en-US" dirty="0" smtClean="0">
+              <a:rPr lang="en-US" dirty="0">
                 <a:cs typeface="Arial" charset="0"/>
               </a:rPr>
               <a:t>→ &lt;k’, v’&gt;*</a:t>
@@ -4142,7 +4090,7 @@
               <a:buNone/>
             </a:pPr>
             <a:r>
-              <a:rPr lang="en-US" b="1" dirty="0" smtClean="0">
+              <a:rPr lang="en-US" b="1" dirty="0">
                 <a:solidFill>
                   <a:srgbClr val="FF0000"/>
                 </a:solidFill>
@@ -4151,7 +4099,7 @@
               <a:t>reduce</a:t>
             </a:r>
             <a:r>
-              <a:rPr lang="en-US" dirty="0" smtClean="0">
+              <a:rPr lang="en-US" dirty="0">
                 <a:cs typeface="Arial" charset="0"/>
               </a:rPr>
               <a:t> (k’, v’) → &lt;k’, v’&gt;*</a:t>
@@ -4164,7 +4112,7 @@
               </a:lnSpc>
             </a:pPr>
             <a:r>
-              <a:rPr lang="en-US" dirty="0" smtClean="0">
+              <a:rPr lang="en-US" dirty="0">
                 <a:cs typeface="Arial" charset="0"/>
               </a:rPr>
               <a:t>All values with the same key are reduced together</a:t>
@@ -4177,7 +4125,7 @@
               </a:lnSpc>
             </a:pPr>
             <a:r>
-              <a:rPr lang="en-US" dirty="0" smtClean="0">
+              <a:rPr lang="en-US" dirty="0">
                 <a:cs typeface="Arial" charset="0"/>
               </a:rPr>
               <a:t>The execution framework handles everything else…</a:t>
@@ -4190,7 +4138,7 @@
               </a:lnSpc>
             </a:pPr>
             <a:r>
-              <a:rPr lang="en-US" dirty="0" smtClean="0">
+              <a:rPr lang="en-US" dirty="0">
                 <a:cs typeface="Arial" charset="0"/>
               </a:rPr>
               <a:t>Not quite…usually, programmers also specify:</a:t>
@@ -4205,7 +4153,7 @@
               <a:buNone/>
             </a:pPr>
             <a:r>
-              <a:rPr lang="en-US" b="1" dirty="0" smtClean="0">
+              <a:rPr lang="en-US" b="1" dirty="0">
                 <a:solidFill>
                   <a:srgbClr val="FF0000"/>
                 </a:solidFill>
@@ -4214,7 +4162,7 @@
               <a:t>partition</a:t>
             </a:r>
             <a:r>
-              <a:rPr lang="en-US" dirty="0" smtClean="0">
+              <a:rPr lang="en-US" dirty="0">
                 <a:cs typeface="Arial" charset="0"/>
               </a:rPr>
               <a:t> (k’, number of partitions) → partition for k’</a:t>
@@ -4227,7 +4175,7 @@
               </a:lnSpc>
             </a:pPr>
             <a:r>
-              <a:rPr lang="en-US" dirty="0" smtClean="0">
+              <a:rPr lang="en-US" dirty="0">
                 <a:cs typeface="Arial" charset="0"/>
               </a:rPr>
               <a:t>Often a simple hash of the key, e.g., hash(k’) mod n</a:t>
@@ -4240,7 +4188,7 @@
               </a:lnSpc>
             </a:pPr>
             <a:r>
-              <a:rPr lang="en-US" dirty="0" smtClean="0">
+              <a:rPr lang="en-US" dirty="0">
                 <a:cs typeface="Arial" charset="0"/>
               </a:rPr>
               <a:t>Divides up key space for parallel reduce operations</a:t>
@@ -4254,7 +4202,7 @@
               <a:buNone/>
             </a:pPr>
             <a:r>
-              <a:rPr lang="en-US" b="1" dirty="0" smtClean="0">
+              <a:rPr lang="en-US" b="1" dirty="0">
                 <a:solidFill>
                   <a:srgbClr val="FF0000"/>
                 </a:solidFill>
@@ -4263,7 +4211,7 @@
               <a:t>combine</a:t>
             </a:r>
             <a:r>
-              <a:rPr lang="en-US" dirty="0" smtClean="0">
+              <a:rPr lang="en-US" dirty="0">
                 <a:cs typeface="Arial" charset="0"/>
               </a:rPr>
               <a:t> (k’, v’) → &lt;k’, v’&gt;*</a:t>
@@ -4276,7 +4224,7 @@
               </a:lnSpc>
             </a:pPr>
             <a:r>
-              <a:rPr lang="en-US" dirty="0" smtClean="0">
+              <a:rPr lang="en-US" dirty="0">
                 <a:cs typeface="Arial" charset="0"/>
               </a:rPr>
               <a:t>Mini-reducers that run in memory after the map phase</a:t>
@@ -4289,7 +4237,7 @@
               </a:lnSpc>
             </a:pPr>
             <a:r>
-              <a:rPr lang="en-US" dirty="0" smtClean="0">
+              <a:rPr lang="en-US" dirty="0">
                 <a:cs typeface="Arial" charset="0"/>
               </a:rPr>
               <a:t>Used as an optimization to reduce network traffic</a:t>
@@ -4307,14 +4255,6 @@
   <p:clrMapOvr>
     <a:masterClrMapping/>
   </p:clrMapOvr>
-  <mc:AlternateContent xmlns:mc="http://schemas.openxmlformats.org/markup-compatibility/2006" xmlns:p14="http://schemas.microsoft.com/office/powerpoint/2010/main">
-    <mc:Choice Requires="p14">
-      <p:transition p14:dur="0"/>
-    </mc:Choice>
-    <mc:Fallback xmlns="">
-      <p:transition xmlns:p14="http://schemas.microsoft.com/office/powerpoint/2010/main"/>
-    </mc:Fallback>
-  </mc:AlternateContent>
   <p:timing>
     <p:tnLst>
       <p:par>
@@ -4790,18 +4730,13 @@
           <a:p>
             <a:pPr algn="ctr"/>
             <a:r>
-              <a:rPr lang="en-US" sz="1200" b="0" dirty="0" smtClean="0">
+              <a:rPr lang="en-US" sz="1200" b="0" dirty="0">
                 <a:solidFill>
                   <a:schemeClr val="tx1"/>
                 </a:solidFill>
               </a:rPr>
               <a:t>combine</a:t>
             </a:r>
-            <a:endParaRPr lang="en-US" sz="1200" b="0" dirty="0">
-              <a:solidFill>
-                <a:schemeClr val="tx1"/>
-              </a:solidFill>
-            </a:endParaRPr>
           </a:p>
         </p:txBody>
       </p:sp>
@@ -4848,18 +4783,13 @@
           <a:p>
             <a:pPr algn="ctr"/>
             <a:r>
-              <a:rPr lang="en-US" sz="1200" b="0" dirty="0" smtClean="0">
+              <a:rPr lang="en-US" sz="1200" b="0" dirty="0">
                 <a:solidFill>
                   <a:schemeClr val="tx1"/>
                 </a:solidFill>
               </a:rPr>
               <a:t>combine</a:t>
             </a:r>
-            <a:endParaRPr lang="en-US" sz="1200" b="0" dirty="0">
-              <a:solidFill>
-                <a:schemeClr val="tx1"/>
-              </a:solidFill>
-            </a:endParaRPr>
           </a:p>
         </p:txBody>
       </p:sp>
@@ -4906,18 +4836,13 @@
           <a:p>
             <a:pPr algn="ctr"/>
             <a:r>
-              <a:rPr lang="en-US" sz="1200" b="0" dirty="0" smtClean="0">
+              <a:rPr lang="en-US" sz="1200" b="0" dirty="0">
                 <a:solidFill>
                   <a:schemeClr val="tx1"/>
                 </a:solidFill>
               </a:rPr>
               <a:t>combine</a:t>
             </a:r>
-            <a:endParaRPr lang="en-US" sz="1200" b="0" dirty="0">
-              <a:solidFill>
-                <a:schemeClr val="tx1"/>
-              </a:solidFill>
-            </a:endParaRPr>
           </a:p>
         </p:txBody>
       </p:sp>
@@ -4964,18 +4889,13 @@
           <a:p>
             <a:pPr algn="ctr"/>
             <a:r>
-              <a:rPr lang="en-US" sz="1200" b="0" dirty="0" smtClean="0">
+              <a:rPr lang="en-US" sz="1200" b="0" dirty="0">
                 <a:solidFill>
                   <a:schemeClr val="tx1"/>
                 </a:solidFill>
               </a:rPr>
               <a:t>combine</a:t>
             </a:r>
-            <a:endParaRPr lang="en-US" sz="1200" b="0" dirty="0">
-              <a:solidFill>
-                <a:schemeClr val="tx1"/>
-              </a:solidFill>
-            </a:endParaRPr>
           </a:p>
         </p:txBody>
       </p:sp>
@@ -5442,7 +5362,7 @@
             <a:lstStyle/>
             <a:p>
               <a:r>
-                <a:rPr lang="en-US" sz="1200" b="0" dirty="0" smtClean="0"/>
+                <a:rPr lang="en-US" sz="1200" b="0" dirty="0"/>
                 <a:t>9</a:t>
               </a:r>
               <a:endParaRPr lang="en-US" b="0" baseline="-25000" dirty="0"/>
@@ -6060,7 +5980,7 @@
             <a:lstStyle/>
             <a:p>
               <a:r>
-                <a:rPr lang="en-US" sz="1200" b="0" dirty="0" smtClean="0"/>
+                <a:rPr lang="en-US" sz="1200" b="0" dirty="0"/>
                 <a:t>8</a:t>
               </a:r>
               <a:endParaRPr lang="en-US" b="0" baseline="-25000" dirty="0"/>
@@ -6111,18 +6031,13 @@
           <a:p>
             <a:pPr algn="ctr"/>
             <a:r>
-              <a:rPr lang="en-US" sz="1200" b="0" dirty="0" smtClean="0">
+              <a:rPr lang="en-US" sz="1200" b="0" dirty="0">
                 <a:solidFill>
                   <a:schemeClr val="tx1"/>
                 </a:solidFill>
               </a:rPr>
               <a:t>partition</a:t>
             </a:r>
-            <a:endParaRPr lang="en-US" sz="1200" b="0" dirty="0">
-              <a:solidFill>
-                <a:schemeClr val="tx1"/>
-              </a:solidFill>
-            </a:endParaRPr>
           </a:p>
         </p:txBody>
       </p:sp>
@@ -6169,18 +6084,13 @@
           <a:p>
             <a:pPr algn="ctr"/>
             <a:r>
-              <a:rPr lang="en-US" sz="1200" b="0" dirty="0" smtClean="0">
+              <a:rPr lang="en-US" sz="1200" b="0" dirty="0">
                 <a:solidFill>
                   <a:schemeClr val="tx1"/>
                 </a:solidFill>
               </a:rPr>
               <a:t>partition</a:t>
             </a:r>
-            <a:endParaRPr lang="en-US" sz="1200" b="0" dirty="0">
-              <a:solidFill>
-                <a:schemeClr val="tx1"/>
-              </a:solidFill>
-            </a:endParaRPr>
           </a:p>
         </p:txBody>
       </p:sp>
@@ -6227,18 +6137,13 @@
           <a:p>
             <a:pPr algn="ctr"/>
             <a:r>
-              <a:rPr lang="en-US" sz="1200" b="0" dirty="0" smtClean="0">
+              <a:rPr lang="en-US" sz="1200" b="0" dirty="0">
                 <a:solidFill>
                   <a:schemeClr val="tx1"/>
                 </a:solidFill>
               </a:rPr>
               <a:t>partition</a:t>
             </a:r>
-            <a:endParaRPr lang="en-US" sz="1200" b="0" dirty="0">
-              <a:solidFill>
-                <a:schemeClr val="tx1"/>
-              </a:solidFill>
-            </a:endParaRPr>
           </a:p>
         </p:txBody>
       </p:sp>
@@ -6285,18 +6190,13 @@
           <a:p>
             <a:pPr algn="ctr"/>
             <a:r>
-              <a:rPr lang="en-US" sz="1200" b="0" dirty="0" smtClean="0">
+              <a:rPr lang="en-US" sz="1200" b="0" dirty="0">
                 <a:solidFill>
                   <a:schemeClr val="tx1"/>
                 </a:solidFill>
               </a:rPr>
               <a:t>partition</a:t>
             </a:r>
-            <a:endParaRPr lang="en-US" sz="1200" b="0" dirty="0">
-              <a:solidFill>
-                <a:schemeClr val="tx1"/>
-              </a:solidFill>
-            </a:endParaRPr>
           </a:p>
         </p:txBody>
       </p:sp>
@@ -8967,7 +8867,7 @@
             <a:lstStyle/>
             <a:p>
               <a:r>
-                <a:rPr lang="en-US" sz="1200" b="0" dirty="0" smtClean="0"/>
+                <a:rPr lang="en-US" sz="1200" b="0" dirty="0"/>
                 <a:t>8</a:t>
               </a:r>
               <a:endParaRPr lang="en-US" b="0" baseline="-25000" dirty="0"/>
@@ -10105,7 +10005,7 @@
             <a:lstStyle/>
             <a:p>
               <a:r>
-                <a:rPr lang="en-US" sz="1200" b="0" dirty="0" smtClean="0"/>
+                <a:rPr lang="en-US" sz="1200" b="0" dirty="0"/>
                 <a:t>9</a:t>
               </a:r>
               <a:endParaRPr lang="en-US" b="0" baseline="-25000" dirty="0"/>
@@ -10177,7 +10077,7 @@
             <a:lstStyle/>
             <a:p>
               <a:r>
-                <a:rPr lang="en-US" sz="1200" b="0" dirty="0" smtClean="0"/>
+                <a:rPr lang="en-US" sz="1200" b="0" dirty="0"/>
                 <a:t>8</a:t>
               </a:r>
               <a:endParaRPr lang="en-US" b="0" baseline="-25000" dirty="0"/>
@@ -11042,14 +10942,6 @@
   <p:clrMapOvr>
     <a:masterClrMapping/>
   </p:clrMapOvr>
-  <mc:AlternateContent xmlns:mc="http://schemas.openxmlformats.org/markup-compatibility/2006" xmlns:p14="http://schemas.microsoft.com/office/powerpoint/2010/main">
-    <mc:Choice Requires="p14">
-      <p:transition p14:dur="0"/>
-    </mc:Choice>
-    <mc:Fallback xmlns="">
-      <p:transition xmlns:p14="http://schemas.microsoft.com/office/powerpoint/2010/main"/>
-    </mc:Fallback>
-  </mc:AlternateContent>
   <p:timing>
     <p:tnLst>
       <p:par>
@@ -12755,10 +12647,9 @@
           <a:lstStyle/>
           <a:p>
             <a:r>
-              <a:rPr lang="en-US" dirty="0" smtClean="0"/>
+              <a:rPr lang="en-US" dirty="0"/>
               <a:t>Two more details…</a:t>
             </a:r>
-            <a:endParaRPr lang="en-US" dirty="0"/>
           </a:p>
         </p:txBody>
       </p:sp>
@@ -12778,38 +12669,37 @@
           <a:lstStyle/>
           <a:p>
             <a:r>
-              <a:rPr lang="en-US" dirty="0" smtClean="0"/>
+              <a:rPr lang="en-US" dirty="0"/>
               <a:t>Barrier between map and reduce phases</a:t>
             </a:r>
           </a:p>
           <a:p>
             <a:pPr lvl="1"/>
             <a:r>
-              <a:rPr lang="en-US" dirty="0" smtClean="0"/>
+              <a:rPr lang="en-US" dirty="0"/>
               <a:t>But we can begin copying intermediate data earlier</a:t>
             </a:r>
           </a:p>
           <a:p>
             <a:r>
-              <a:rPr lang="en-US" dirty="0" smtClean="0"/>
+              <a:rPr lang="en-US" dirty="0"/>
               <a:t>Keys arrive at each reducer in sorted order</a:t>
             </a:r>
           </a:p>
           <a:p>
             <a:pPr lvl="1"/>
             <a:r>
-              <a:rPr lang="en-US" dirty="0" smtClean="0"/>
+              <a:rPr lang="en-US" dirty="0"/>
               <a:t>No enforced ordering </a:t>
             </a:r>
             <a:r>
-              <a:rPr lang="en-US" i="1" dirty="0" smtClean="0"/>
+              <a:rPr lang="en-US" i="1" dirty="0"/>
               <a:t>across</a:t>
             </a:r>
             <a:r>
-              <a:rPr lang="en-US" dirty="0" smtClean="0"/>
+              <a:rPr lang="en-US" dirty="0"/>
               <a:t> reducers</a:t>
             </a:r>
-            <a:endParaRPr lang="en-US" dirty="0"/>
           </a:p>
         </p:txBody>
       </p:sp>
@@ -12823,21 +12713,6 @@
   <p:clrMapOvr>
     <a:masterClrMapping/>
   </p:clrMapOvr>
-  <mc:AlternateContent xmlns:mc="http://schemas.openxmlformats.org/markup-compatibility/2006" xmlns:p14="http://schemas.microsoft.com/office/powerpoint/2010/main">
-    <mc:Choice Requires="p14">
-      <p:transition p14:dur="0"/>
-    </mc:Choice>
-    <mc:Fallback xmlns="">
-      <p:transition xmlns:p14="http://schemas.microsoft.com/office/powerpoint/2010/main"/>
-    </mc:Fallback>
-  </mc:AlternateContent>
-  <p:timing>
-    <p:tnLst>
-      <p:par>
-        <p:cTn id="1" dur="indefinite" restart="never" nodeType="tmRoot"/>
-      </p:par>
-    </p:tnLst>
-  </p:timing>
 </p:sld>
 </file>
 
@@ -12874,7 +12749,7 @@
           <a:lstStyle/>
           <a:p>
             <a:r>
-              <a:rPr lang="en-US" smtClean="0"/>
+              <a:rPr lang="en-US"/>
               <a:t>“Hello World”: Word Count</a:t>
             </a:r>
           </a:p>
@@ -12918,134 +12793,19 @@
               <a:t>Map(String </a:t>
             </a:r>
             <a:r>
-              <a:rPr lang="en-US" sz="1800" dirty="0" err="1" smtClean="0">
+              <a:rPr lang="en-US" sz="1800" dirty="0" err="1">
                 <a:latin typeface="Gill Sans"/>
                 <a:cs typeface="Gill Sans"/>
               </a:rPr>
               <a:t>docid</a:t>
             </a:r>
             <a:r>
-              <a:rPr lang="en-US" sz="1800" dirty="0" smtClean="0">
-                <a:latin typeface="Gill Sans"/>
-                <a:cs typeface="Gill Sans"/>
-              </a:rPr>
-              <a:t>, </a:t>
-            </a:r>
-            <a:r>
               <a:rPr lang="en-US" sz="1800" dirty="0">
                 <a:latin typeface="Gill Sans"/>
                 <a:cs typeface="Gill Sans"/>
               </a:rPr>
-              <a:t>String </a:t>
-            </a:r>
-            <a:r>
-              <a:rPr lang="en-US" sz="1800" dirty="0" smtClean="0">
-                <a:latin typeface="Gill Sans"/>
-                <a:cs typeface="Gill Sans"/>
-              </a:rPr>
-              <a:t>text):</a:t>
-            </a:r>
-            <a:endParaRPr lang="en-US" sz="1800" dirty="0">
-              <a:latin typeface="Gill Sans"/>
-              <a:cs typeface="Gill Sans"/>
-            </a:endParaRPr>
-          </a:p>
-          <a:p>
-            <a:r>
-              <a:rPr lang="en-US" sz="1800" b="0" i="1" dirty="0" smtClean="0">
-                <a:latin typeface="Gill Sans"/>
-                <a:cs typeface="Gill Sans"/>
-              </a:rPr>
-              <a:t>     </a:t>
-            </a:r>
-            <a:r>
-              <a:rPr lang="en-US" sz="1800" b="0" dirty="0" smtClean="0">
-                <a:latin typeface="Gill Sans"/>
-                <a:cs typeface="Gill Sans"/>
-              </a:rPr>
-              <a:t>for each word w in text:</a:t>
-            </a:r>
-          </a:p>
-          <a:p>
-            <a:r>
-              <a:rPr lang="en-US" sz="1800" b="0" dirty="0" smtClean="0">
-                <a:latin typeface="Gill Sans"/>
-                <a:cs typeface="Gill Sans"/>
-              </a:rPr>
-              <a:t>          Emit(w</a:t>
-            </a:r>
-            <a:r>
-              <a:rPr lang="en-US" sz="1800" b="0" dirty="0">
-                <a:latin typeface="Gill Sans"/>
-                <a:cs typeface="Gill Sans"/>
-              </a:rPr>
-              <a:t>, </a:t>
-            </a:r>
-            <a:r>
-              <a:rPr lang="en-US" sz="1800" b="0" dirty="0" smtClean="0">
-                <a:latin typeface="Gill Sans"/>
-                <a:cs typeface="Gill Sans"/>
-              </a:rPr>
-              <a:t>1);</a:t>
-            </a:r>
-            <a:endParaRPr lang="en-US" sz="1800" b="0" dirty="0">
-              <a:latin typeface="Gill Sans"/>
-              <a:cs typeface="Gill Sans"/>
-            </a:endParaRPr>
-          </a:p>
-          <a:p>
-            <a:endParaRPr lang="en-US" sz="1800" b="0" dirty="0">
-              <a:latin typeface="Gill Sans"/>
-              <a:cs typeface="Gill Sans"/>
-            </a:endParaRPr>
-          </a:p>
-          <a:p>
-            <a:r>
-              <a:rPr lang="en-US" sz="1800" dirty="0">
-                <a:latin typeface="Gill Sans"/>
-                <a:cs typeface="Gill Sans"/>
-              </a:rPr>
-              <a:t>Reduce(String </a:t>
-            </a:r>
-            <a:r>
-              <a:rPr lang="en-US" sz="1800" dirty="0" smtClean="0">
-                <a:latin typeface="Gill Sans"/>
-                <a:cs typeface="Gill Sans"/>
-              </a:rPr>
-              <a:t>term, </a:t>
-            </a:r>
-            <a:r>
-              <a:rPr lang="en-US" sz="1800" dirty="0" err="1" smtClean="0">
-                <a:latin typeface="Gill Sans"/>
-                <a:cs typeface="Gill Sans"/>
-              </a:rPr>
-              <a:t>Iterator</a:t>
-            </a:r>
-            <a:r>
-              <a:rPr lang="en-US" sz="1800" dirty="0" smtClean="0">
-                <a:latin typeface="Gill Sans"/>
-                <a:cs typeface="Gill Sans"/>
-              </a:rPr>
-              <a:t>&lt;</a:t>
-            </a:r>
-            <a:r>
-              <a:rPr lang="en-US" sz="1800" dirty="0" err="1" smtClean="0">
-                <a:latin typeface="Gill Sans"/>
-                <a:cs typeface="Gill Sans"/>
-              </a:rPr>
-              <a:t>Int</a:t>
-            </a:r>
-            <a:r>
-              <a:rPr lang="en-US" sz="1800" dirty="0" smtClean="0">
-                <a:latin typeface="Gill Sans"/>
-                <a:cs typeface="Gill Sans"/>
-              </a:rPr>
-              <a:t>&gt; values):</a:t>
-            </a:r>
-            <a:endParaRPr lang="en-US" sz="1800" dirty="0">
-              <a:latin typeface="Gill Sans"/>
-              <a:cs typeface="Gill Sans"/>
-            </a:endParaRPr>
+              <a:t>, String text):</a:t>
+            </a:r>
           </a:p>
           <a:p>
             <a:r>
@@ -13056,25 +12816,86 @@
               <a:t>     </a:t>
             </a:r>
             <a:r>
-              <a:rPr lang="en-US" sz="1800" b="0" dirty="0" err="1" smtClean="0">
+              <a:rPr lang="en-US" sz="1800" b="0" dirty="0">
+                <a:latin typeface="Gill Sans"/>
+                <a:cs typeface="Gill Sans"/>
+              </a:rPr>
+              <a:t>for each word w in text:</a:t>
+            </a:r>
+          </a:p>
+          <a:p>
+            <a:r>
+              <a:rPr lang="en-US" sz="1800" b="0" dirty="0">
+                <a:latin typeface="Gill Sans"/>
+                <a:cs typeface="Gill Sans"/>
+              </a:rPr>
+              <a:t>          Emit(w, 1);</a:t>
+            </a:r>
+          </a:p>
+          <a:p>
+            <a:endParaRPr lang="en-US" sz="1800" b="0" dirty="0">
+              <a:latin typeface="Gill Sans"/>
+              <a:cs typeface="Gill Sans"/>
+            </a:endParaRPr>
+          </a:p>
+          <a:p>
+            <a:r>
+              <a:rPr lang="en-US" sz="1800" dirty="0">
+                <a:latin typeface="Gill Sans"/>
+                <a:cs typeface="Gill Sans"/>
+              </a:rPr>
+              <a:t>Reduce(String term, </a:t>
+            </a:r>
+            <a:r>
+              <a:rPr lang="en-US" sz="1800" dirty="0" err="1">
+                <a:latin typeface="Gill Sans"/>
+                <a:cs typeface="Gill Sans"/>
+              </a:rPr>
+              <a:t>Iterator</a:t>
+            </a:r>
+            <a:r>
+              <a:rPr lang="en-US" sz="1800" dirty="0">
+                <a:latin typeface="Gill Sans"/>
+                <a:cs typeface="Gill Sans"/>
+              </a:rPr>
+              <a:t>&lt;</a:t>
+            </a:r>
+            <a:r>
+              <a:rPr lang="en-US" sz="1800" dirty="0" err="1">
+                <a:latin typeface="Gill Sans"/>
+                <a:cs typeface="Gill Sans"/>
+              </a:rPr>
+              <a:t>Int</a:t>
+            </a:r>
+            <a:r>
+              <a:rPr lang="en-US" sz="1800" dirty="0">
+                <a:latin typeface="Gill Sans"/>
+                <a:cs typeface="Gill Sans"/>
+              </a:rPr>
+              <a:t>&gt; values):</a:t>
+            </a:r>
+          </a:p>
+          <a:p>
+            <a:r>
+              <a:rPr lang="en-US" sz="1800" b="0" i="1" dirty="0">
+                <a:latin typeface="Gill Sans"/>
+                <a:cs typeface="Gill Sans"/>
+              </a:rPr>
+              <a:t>     </a:t>
+            </a:r>
+            <a:r>
+              <a:rPr lang="en-US" sz="1800" b="0" dirty="0" err="1">
                 <a:latin typeface="Gill Sans"/>
                 <a:cs typeface="Gill Sans"/>
               </a:rPr>
               <a:t>int</a:t>
             </a:r>
             <a:r>
-              <a:rPr lang="en-US" sz="1800" b="0" dirty="0" smtClean="0">
-                <a:latin typeface="Gill Sans"/>
-                <a:cs typeface="Gill Sans"/>
-              </a:rPr>
-              <a:t> sum </a:t>
-            </a:r>
-            <a:r>
               <a:rPr lang="en-US" sz="1800" b="0" dirty="0">
                 <a:latin typeface="Gill Sans"/>
                 <a:cs typeface="Gill Sans"/>
               </a:rPr>
-              <a:t>= 0;</a:t>
+              <a:t> sum = 0;</a:t>
             </a:r>
           </a:p>
           <a:p>
@@ -13083,21 +12904,16 @@
                 <a:latin typeface="Gill Sans"/>
                 <a:cs typeface="Gill Sans"/>
               </a:rPr>
-              <a:t>     for each v in </a:t>
-            </a:r>
-            <a:r>
-              <a:rPr lang="en-US" sz="1800" b="0" dirty="0" smtClean="0">
-                <a:latin typeface="Gill Sans"/>
-                <a:cs typeface="Gill Sans"/>
-              </a:rPr>
-              <a:t>values</a:t>
-            </a:r>
+              <a:t>     for each v in values:</a:t>
+            </a:r>
+          </a:p>
+          <a:p>
             <a:r>
               <a:rPr lang="en-US" sz="1800" b="0" dirty="0">
                 <a:latin typeface="Gill Sans"/>
                 <a:cs typeface="Gill Sans"/>
               </a:rPr>
-              <a:t>:</a:t>
+              <a:t>          sum += v;</a:t>
             </a:r>
           </a:p>
           <a:p>
@@ -13106,53 +12922,8 @@
                 <a:latin typeface="Gill Sans"/>
                 <a:cs typeface="Gill Sans"/>
               </a:rPr>
-              <a:t>          </a:t>
-            </a:r>
-            <a:r>
-              <a:rPr lang="en-US" sz="1800" b="0" dirty="0" smtClean="0">
-                <a:latin typeface="Gill Sans"/>
-                <a:cs typeface="Gill Sans"/>
-              </a:rPr>
-              <a:t>sum </a:t>
-            </a:r>
-            <a:r>
-              <a:rPr lang="en-US" sz="1800" b="0" dirty="0">
-                <a:latin typeface="Gill Sans"/>
-                <a:cs typeface="Gill Sans"/>
-              </a:rPr>
-              <a:t>+= </a:t>
-            </a:r>
-            <a:r>
-              <a:rPr lang="en-US" sz="1800" b="0" dirty="0" smtClean="0">
-                <a:latin typeface="Gill Sans"/>
-                <a:cs typeface="Gill Sans"/>
-              </a:rPr>
-              <a:t>v;</a:t>
-            </a:r>
-            <a:endParaRPr lang="en-US" sz="1800" b="0" dirty="0">
-              <a:latin typeface="Gill Sans"/>
-              <a:cs typeface="Gill Sans"/>
-            </a:endParaRPr>
-          </a:p>
-          <a:p>
-            <a:r>
-              <a:rPr lang="en-US" sz="1800" b="0" dirty="0">
-                <a:latin typeface="Gill Sans"/>
-                <a:cs typeface="Gill Sans"/>
-              </a:rPr>
-              <a:t>          </a:t>
-            </a:r>
-            <a:r>
-              <a:rPr lang="en-US" sz="1800" b="0" dirty="0" smtClean="0">
-                <a:latin typeface="Gill Sans"/>
-                <a:cs typeface="Gill Sans"/>
-              </a:rPr>
-              <a:t>Emit(term, value);</a:t>
-            </a:r>
-            <a:endParaRPr lang="en-US" sz="1800" b="0" dirty="0">
-              <a:latin typeface="Gill Sans"/>
-              <a:cs typeface="Gill Sans"/>
-            </a:endParaRPr>
+              <a:t>          Emit(term, value);</a:t>
+            </a:r>
           </a:p>
           <a:p>
             <a:endParaRPr lang="en-US" sz="1800" b="0" dirty="0">
@@ -13172,21 +12943,6 @@
   <p:clrMapOvr>
     <a:masterClrMapping/>
   </p:clrMapOvr>
-  <mc:AlternateContent xmlns:mc="http://schemas.openxmlformats.org/markup-compatibility/2006" xmlns:p14="http://schemas.microsoft.com/office/powerpoint/2010/main">
-    <mc:Choice Requires="p14">
-      <p:transition p14:dur="0"/>
-    </mc:Choice>
-    <mc:Fallback xmlns="">
-      <p:transition xmlns:p14="http://schemas.microsoft.com/office/powerpoint/2010/main"/>
-    </mc:Fallback>
-  </mc:AlternateContent>
-  <p:timing>
-    <p:tnLst>
-      <p:par>
-        <p:cTn id="1" dur="indefinite" restart="never" nodeType="tmRoot"/>
-      </p:par>
-    </p:tnLst>
-  </p:timing>
 </p:sld>
 </file>
 
@@ -13223,10 +12979,9 @@
           <a:lstStyle/>
           <a:p>
             <a:r>
-              <a:rPr lang="en-US" dirty="0" smtClean="0"/>
+              <a:rPr lang="en-US" dirty="0"/>
               <a:t>MapReduce can refer to…</a:t>
             </a:r>
-            <a:endParaRPr lang="en-US" dirty="0"/>
           </a:p>
         </p:txBody>
       </p:sp>
@@ -13246,22 +13001,21 @@
           <a:lstStyle/>
           <a:p>
             <a:r>
-              <a:rPr lang="en-US" dirty="0" smtClean="0"/>
+              <a:rPr lang="en-US" dirty="0"/>
               <a:t>The programming model</a:t>
             </a:r>
           </a:p>
           <a:p>
             <a:r>
-              <a:rPr lang="en-US" dirty="0" smtClean="0"/>
+              <a:rPr lang="en-US" dirty="0"/>
               <a:t>The execution framework (aka “runtime”)</a:t>
             </a:r>
           </a:p>
           <a:p>
             <a:r>
-              <a:rPr lang="en-US" dirty="0" smtClean="0"/>
+              <a:rPr lang="en-US" dirty="0"/>
               <a:t>The specific implementation</a:t>
             </a:r>
-            <a:endParaRPr lang="en-US" dirty="0"/>
           </a:p>
         </p:txBody>
       </p:sp>
@@ -13296,7 +13050,7 @@
           <a:lstStyle/>
           <a:p>
             <a:r>
-              <a:rPr lang="en-US" sz="2400" dirty="0" smtClean="0">
+              <a:rPr lang="en-US" sz="2400" dirty="0">
                 <a:solidFill>
                   <a:srgbClr val="FF0000"/>
                 </a:solidFill>
@@ -13304,12 +13058,6 @@
               </a:rPr>
               <a:t>Usage is usually clear from context!</a:t>
             </a:r>
-            <a:endParaRPr lang="en-US" sz="2400" dirty="0">
-              <a:solidFill>
-                <a:srgbClr val="FF0000"/>
-              </a:solidFill>
-              <a:cs typeface="Gill Sans"/>
-            </a:endParaRPr>
           </a:p>
         </p:txBody>
       </p:sp>
@@ -13323,14 +13071,6 @@
   <p:clrMapOvr>
     <a:masterClrMapping/>
   </p:clrMapOvr>
-  <mc:AlternateContent xmlns:mc="http://schemas.openxmlformats.org/markup-compatibility/2006" xmlns:p14="http://schemas.microsoft.com/office/powerpoint/2010/main">
-    <mc:Choice Requires="p14">
-      <p:transition p14:dur="0"/>
-    </mc:Choice>
-    <mc:Fallback xmlns="">
-      <p:transition xmlns:p14="http://schemas.microsoft.com/office/powerpoint/2010/main"/>
-    </mc:Fallback>
-  </mc:AlternateContent>
   <p:timing>
     <p:tnLst>
       <p:par>
@@ -15297,21 +15037,8 @@
                   <a:srgbClr val="FF0000"/>
                 </a:solidFill>
               </a:rPr>
-              <a:t>(1) </a:t>
-            </a:r>
-            <a:r>
-              <a:rPr lang="en-US" sz="1100" b="0" dirty="0" smtClean="0">
-                <a:solidFill>
-                  <a:srgbClr val="FF0000"/>
-                </a:solidFill>
-              </a:rPr>
-              <a:t>submit</a:t>
-            </a:r>
-            <a:endParaRPr lang="en-US" sz="1100" b="0" dirty="0">
-              <a:solidFill>
-                <a:srgbClr val="FF0000"/>
-              </a:solidFill>
-            </a:endParaRPr>
+              <a:t>(1) submit</a:t>
+            </a:r>
           </a:p>
         </p:txBody>
       </p:sp>
@@ -15351,23 +15078,7 @@
                   <a:srgbClr val="FF0000"/>
                 </a:solidFill>
               </a:rPr>
-              <a:t>(2) </a:t>
-            </a:r>
-            <a:r>
-              <a:rPr lang="en-US" sz="1100" b="0" dirty="0" smtClean="0">
-                <a:solidFill>
-                  <a:srgbClr val="FF0000"/>
-                </a:solidFill>
-              </a:rPr>
-              <a:t>schedule </a:t>
-            </a:r>
-            <a:r>
-              <a:rPr lang="en-US" sz="1100" b="0" dirty="0">
-                <a:solidFill>
-                  <a:srgbClr val="FF0000"/>
-                </a:solidFill>
-              </a:rPr>
-              <a:t>map</a:t>
+              <a:t>(2) schedule map</a:t>
             </a:r>
           </a:p>
         </p:txBody>
@@ -15408,23 +15119,7 @@
                   <a:srgbClr val="FF0000"/>
                 </a:solidFill>
               </a:rPr>
-              <a:t>(2) </a:t>
-            </a:r>
-            <a:r>
-              <a:rPr lang="en-US" sz="1100" b="0" dirty="0" smtClean="0">
-                <a:solidFill>
-                  <a:srgbClr val="FF0000"/>
-                </a:solidFill>
-              </a:rPr>
-              <a:t>schedule </a:t>
-            </a:r>
-            <a:r>
-              <a:rPr lang="en-US" sz="1100" b="0" dirty="0">
-                <a:solidFill>
-                  <a:srgbClr val="FF0000"/>
-                </a:solidFill>
-              </a:rPr>
-              <a:t>reduce</a:t>
+              <a:t>(2) schedule reduce</a:t>
             </a:r>
           </a:p>
         </p:txBody>
@@ -15849,32 +15544,16 @@
           <a:lstStyle/>
           <a:p>
             <a:r>
-              <a:rPr lang="en-US" sz="1000" b="0" dirty="0" smtClean="0"/>
-              <a:t>Adapted </a:t>
-            </a:r>
-            <a:r>
               <a:rPr lang="en-US" sz="1000" b="0" dirty="0"/>
-              <a:t>from </a:t>
-            </a:r>
-            <a:r>
-              <a:rPr lang="en-US" sz="1000" b="0" dirty="0" smtClean="0"/>
-              <a:t>(Dean </a:t>
+              <a:t>Adapted from (Dean and </a:t>
+            </a:r>
+            <a:r>
+              <a:rPr lang="en-US" sz="1000" b="0" dirty="0" err="1"/>
+              <a:t>Ghemawat</a:t>
             </a:r>
             <a:r>
               <a:rPr lang="en-US" sz="1000" b="0" dirty="0"/>
-              <a:t>and </a:t>
-            </a:r>
-            <a:r>
-              <a:rPr lang="en-US" sz="1000" b="0" dirty="0" err="1" smtClean="0"/>
-              <a:t>Ghemawat</a:t>
-            </a:r>
-            <a:r>
-              <a:rPr lang="en-US" sz="1000" b="0" dirty="0" smtClean="0"/>
-              <a:t>, OSDI </a:t>
-            </a:r>
-            <a:r>
-              <a:rPr lang="en-US" sz="1000" b="0" dirty="0"/>
-              <a:t>2004)</a:t>
+              <a:t>, OSDI 2004)</a:t>
             </a:r>
           </a:p>
         </p:txBody>
@@ -15889,21 +15568,6 @@
   <p:clrMapOvr>
     <a:masterClrMapping/>
   </p:clrMapOvr>
-  <mc:AlternateContent xmlns:mc="http://schemas.openxmlformats.org/markup-compatibility/2006" xmlns:p14="http://schemas.microsoft.com/office/powerpoint/2010/main">
-    <mc:Choice Requires="p14">
-      <p:transition p14:dur="0"/>
-    </mc:Choice>
-    <mc:Fallback xmlns="">
-      <p:transition xmlns:p14="http://schemas.microsoft.com/office/powerpoint/2010/main"/>
-    </mc:Fallback>
-  </mc:AlternateContent>
-  <p:timing>
-    <p:tnLst>
-      <p:par>
-        <p:cTn id="1" dur="indefinite" restart="never" nodeType="tmRoot"/>
-      </p:par>
-    </p:tnLst>
-  </p:timing>
 </p:sld>
 </file>
 
@@ -15940,10 +15604,9 @@
           <a:lstStyle/>
           <a:p>
             <a:r>
-              <a:rPr lang="en-US" dirty="0" smtClean="0"/>
+              <a:rPr lang="en-US" dirty="0"/>
               <a:t>Basic Hadoop API*</a:t>
             </a:r>
-            <a:endParaRPr lang="en-US" dirty="0"/>
           </a:p>
         </p:txBody>
       </p:sp>
@@ -15965,7 +15628,7 @@
           <a:lstStyle/>
           <a:p>
             <a:r>
-              <a:rPr lang="en-US" dirty="0" smtClean="0"/>
+              <a:rPr lang="en-US" dirty="0"/>
               <a:t>Mapper</a:t>
             </a:r>
           </a:p>
@@ -15988,21 +15651,17 @@
             </a:br>
             <a:r>
               <a:rPr lang="en-US" dirty="0"/>
-              <a:t>Called once at the beginning of the </a:t>
-            </a:r>
-            <a:r>
-              <a:rPr lang="en-US" dirty="0" smtClean="0"/>
-              <a:t>task</a:t>
+              <a:t>Called once at the beginning of the task</a:t>
             </a:r>
           </a:p>
           <a:p>
             <a:pPr lvl="1"/>
             <a:r>
-              <a:rPr lang="en-US" dirty="0" smtClean="0"/>
+              <a:rPr lang="en-US" dirty="0"/>
               <a:t>void </a:t>
             </a:r>
             <a:r>
-              <a:rPr lang="en-US" dirty="0" smtClean="0">
+              <a:rPr lang="en-US" dirty="0">
                 <a:solidFill>
                   <a:srgbClr val="0000FF"/>
                 </a:solidFill>
@@ -16011,57 +15670,7 @@
             </a:r>
             <a:r>
               <a:rPr lang="en-US" dirty="0"/>
-              <a:t>(</a:t>
-            </a:r>
-            <a:r>
-              <a:rPr lang="en-US" dirty="0" smtClean="0"/>
-              <a:t>K </a:t>
-            </a:r>
-            <a:r>
-              <a:rPr lang="en-US" dirty="0"/>
-              <a:t>key, </a:t>
-            </a:r>
-            <a:r>
-              <a:rPr lang="en-US" dirty="0" smtClean="0"/>
-              <a:t>V </a:t>
-            </a:r>
-            <a:r>
-              <a:rPr lang="en-US" dirty="0"/>
-              <a:t>value, </a:t>
-            </a:r>
-            <a:r>
-              <a:rPr lang="en-US" dirty="0" err="1"/>
-              <a:t>Mapper.Context</a:t>
-            </a:r>
-            <a:r>
-              <a:rPr lang="en-US" dirty="0"/>
-              <a:t> context</a:t>
-            </a:r>
-            <a:r>
-              <a:rPr lang="en-US" dirty="0" smtClean="0"/>
-              <a:t>)</a:t>
-            </a:r>
-            <a:br>
-              <a:rPr lang="en-US" dirty="0" smtClean="0"/>
-            </a:br>
-            <a:r>
-              <a:rPr lang="en-US" dirty="0" smtClean="0"/>
-              <a:t>Called </a:t>
-            </a:r>
-            <a:r>
-              <a:rPr lang="en-US" dirty="0"/>
-              <a:t>once for each key/value pair in the input </a:t>
-            </a:r>
-            <a:r>
-              <a:rPr lang="en-US" dirty="0" smtClean="0"/>
-              <a:t>split</a:t>
-            </a:r>
-          </a:p>
-          <a:p>
-            <a:pPr lvl="1"/>
-            <a:r>
-              <a:rPr lang="en-US" dirty="0"/>
-              <a:t>void cleanup(</a:t>
+              <a:t>(K key, V value, </a:t>
             </a:r>
             <a:r>
               <a:rPr lang="en-US" dirty="0" err="1"/>
@@ -16076,71 +15685,67 @@
             </a:br>
             <a:r>
               <a:rPr lang="en-US" dirty="0"/>
-              <a:t>Called once at the end of the </a:t>
-            </a:r>
-            <a:r>
-              <a:rPr lang="en-US" dirty="0" smtClean="0"/>
-              <a:t>task</a:t>
-            </a:r>
-            <a:endParaRPr lang="en-US" dirty="0"/>
-          </a:p>
-          <a:p>
-            <a:r>
-              <a:rPr lang="en-US" dirty="0" smtClean="0"/>
+              <a:t>Called once for each key/value pair in the input split</a:t>
+            </a:r>
+          </a:p>
+          <a:p>
+            <a:pPr lvl="1"/>
+            <a:r>
+              <a:rPr lang="en-US" dirty="0"/>
+              <a:t>void cleanup(</a:t>
+            </a:r>
+            <a:r>
+              <a:rPr lang="en-US" dirty="0" err="1"/>
+              <a:t>Mapper.Context</a:t>
+            </a:r>
+            <a:r>
+              <a:rPr lang="en-US" dirty="0"/>
+              <a:t> context)</a:t>
+            </a:r>
+            <a:br>
+              <a:rPr lang="en-US" dirty="0"/>
+            </a:br>
+            <a:r>
+              <a:rPr lang="en-US" dirty="0"/>
+              <a:t>Called once at the end of the task</a:t>
+            </a:r>
+          </a:p>
+          <a:p>
+            <a:r>
+              <a:rPr lang="en-US" dirty="0"/>
               <a:t>Reducer/Combiner</a:t>
             </a:r>
           </a:p>
           <a:p>
             <a:pPr lvl="1"/>
             <a:r>
-              <a:rPr lang="en-US" dirty="0" smtClean="0"/>
+              <a:rPr lang="en-US" dirty="0"/>
               <a:t>void setup(</a:t>
             </a:r>
             <a:r>
-              <a:rPr lang="en-US" dirty="0" err="1" smtClean="0"/>
+              <a:rPr lang="en-US" dirty="0" err="1"/>
               <a:t>Reducer.Context</a:t>
             </a:r>
             <a:r>
-              <a:rPr lang="en-US" dirty="0" smtClean="0"/>
-              <a:t> </a:t>
-            </a:r>
-            <a:r>
               <a:rPr lang="en-US" dirty="0"/>
-              <a:t>context</a:t>
-            </a:r>
-            <a:r>
-              <a:rPr lang="en-US" dirty="0" smtClean="0"/>
-              <a:t>)</a:t>
+              <a:t> context)</a:t>
             </a:r>
             <a:br>
-              <a:rPr lang="en-US" dirty="0" smtClean="0"/>
+              <a:rPr lang="en-US" dirty="0"/>
             </a:br>
             <a:r>
-              <a:rPr lang="en-US" dirty="0" smtClean="0"/>
-              <a:t>Called </a:t>
-            </a:r>
-            <a:r>
               <a:rPr lang="en-US" dirty="0"/>
-              <a:t>once at the start of the </a:t>
-            </a:r>
-            <a:r>
-              <a:rPr lang="en-US" dirty="0" smtClean="0"/>
-              <a:t>task</a:t>
-            </a:r>
-            <a:endParaRPr lang="en-US" dirty="0"/>
+              <a:t>Called once at the start of the task</a:t>
+            </a:r>
           </a:p>
           <a:p>
             <a:pPr lvl="1"/>
             <a:r>
               <a:rPr lang="en-US" dirty="0"/>
-              <a:t>v</a:t>
-            </a:r>
-            <a:r>
-              <a:rPr lang="en-US" dirty="0" smtClean="0"/>
-              <a:t>oid </a:t>
-            </a:r>
-            <a:r>
-              <a:rPr lang="en-US" dirty="0" smtClean="0">
+              <a:t>void </a:t>
+            </a:r>
+            <a:r>
+              <a:rPr lang="en-US" dirty="0">
                 <a:solidFill>
                   <a:srgbClr val="0000FF"/>
                 </a:solidFill>
@@ -16149,15 +15754,7 @@
             </a:r>
             <a:r>
               <a:rPr lang="en-US" dirty="0"/>
-              <a:t>(</a:t>
-            </a:r>
-            <a:r>
-              <a:rPr lang="en-US" dirty="0" smtClean="0"/>
-              <a:t>K </a:t>
-            </a:r>
-            <a:r>
-              <a:rPr lang="en-US" dirty="0"/>
-              <a:t>key, </a:t>
+              <a:t>(K key, </a:t>
             </a:r>
             <a:r>
               <a:rPr lang="en-US" dirty="0" err="1"/>
@@ -16165,89 +15762,44 @@
             </a:r>
             <a:r>
               <a:rPr lang="en-US" dirty="0"/>
-              <a:t>&lt;</a:t>
-            </a:r>
-            <a:r>
-              <a:rPr lang="en-US" dirty="0" smtClean="0"/>
-              <a:t>V&gt; </a:t>
+              <a:t>&lt;V&gt; values, </a:t>
+            </a:r>
+            <a:r>
+              <a:rPr lang="en-US" dirty="0" err="1"/>
+              <a:t>Reducer.Context</a:t>
             </a:r>
             <a:r>
               <a:rPr lang="en-US" dirty="0"/>
-              <a:t>values, </a:t>
-            </a:r>
-            <a:r>
-              <a:rPr lang="en-US" dirty="0" err="1" smtClean="0"/>
+              <a:t> context)</a:t>
+            </a:r>
+            <a:br>
+              <a:rPr lang="en-US" dirty="0"/>
+            </a:br>
+            <a:r>
+              <a:rPr lang="en-US" dirty="0"/>
+              <a:t>Called once for each key</a:t>
+            </a:r>
+          </a:p>
+          <a:p>
+            <a:pPr lvl="1"/>
+            <a:r>
+              <a:rPr lang="en-US" dirty="0"/>
+              <a:t>void cleanup(</a:t>
+            </a:r>
+            <a:r>
+              <a:rPr lang="en-US" dirty="0" err="1"/>
               <a:t>Reducer.Context</a:t>
             </a:r>
             <a:r>
-              <a:rPr lang="en-US" dirty="0" smtClean="0"/>
-              <a:t> </a:t>
-            </a:r>
-            <a:r>
               <a:rPr lang="en-US" dirty="0"/>
-              <a:t>context</a:t>
-            </a:r>
-            <a:r>
-              <a:rPr lang="en-US" dirty="0" smtClean="0"/>
-              <a:t>)</a:t>
+              <a:t> context)</a:t>
             </a:r>
             <a:br>
-              <a:rPr lang="en-US" dirty="0" smtClean="0"/>
+              <a:rPr lang="en-US" dirty="0"/>
             </a:br>
             <a:r>
-              <a:rPr lang="en-US" dirty="0" smtClean="0"/>
-              <a:t>Called </a:t>
-            </a:r>
-            <a:r>
               <a:rPr lang="en-US" dirty="0"/>
-              <a:t>once for each </a:t>
-            </a:r>
-            <a:r>
-              <a:rPr lang="en-US" dirty="0" smtClean="0"/>
-              <a:t>key</a:t>
-            </a:r>
-            <a:endParaRPr lang="en-US" dirty="0"/>
-          </a:p>
-          <a:p>
-            <a:pPr lvl="1"/>
-            <a:r>
-              <a:rPr lang="en-US" dirty="0"/>
-              <a:t>v</a:t>
-            </a:r>
-            <a:r>
-              <a:rPr lang="en-US" dirty="0" smtClean="0"/>
-              <a:t>oid cleanup(</a:t>
-            </a:r>
-            <a:r>
-              <a:rPr lang="en-US" dirty="0" err="1" smtClean="0"/>
-              <a:t>Reducer.Context</a:t>
-            </a:r>
-            <a:r>
-              <a:rPr lang="en-US" dirty="0" smtClean="0"/>
-              <a:t> </a:t>
-            </a:r>
-            <a:r>
-              <a:rPr lang="en-US" dirty="0"/>
-              <a:t>context</a:t>
-            </a:r>
-            <a:r>
-              <a:rPr lang="en-US" dirty="0" smtClean="0"/>
-              <a:t>)</a:t>
-            </a:r>
-            <a:br>
-              <a:rPr lang="en-US" dirty="0" smtClean="0"/>
-            </a:br>
-            <a:r>
-              <a:rPr lang="en-US" dirty="0" smtClean="0"/>
-              <a:t>Called </a:t>
-            </a:r>
-            <a:r>
-              <a:rPr lang="en-US" dirty="0"/>
-              <a:t>once at the end of the </a:t>
-            </a:r>
-            <a:r>
-              <a:rPr lang="en-US" dirty="0" smtClean="0"/>
-              <a:t>task</a:t>
+              <a:t>Called once at the end of the task</a:t>
             </a:r>
           </a:p>
         </p:txBody>
@@ -16283,7 +15835,7 @@
           <a:lstStyle/>
           <a:p>
             <a:r>
-              <a:rPr lang="en-US" b="0" dirty="0" smtClean="0">
+              <a:rPr lang="en-US" b="0" dirty="0">
                 <a:solidFill>
                   <a:schemeClr val="bg1"/>
                 </a:solidFill>
@@ -16292,13 +15844,6 @@
               </a:rPr>
               <a:t>*Note that there are two versions of the API!</a:t>
             </a:r>
-            <a:endParaRPr lang="en-US" b="0" dirty="0">
-              <a:solidFill>
-                <a:schemeClr val="bg1"/>
-              </a:solidFill>
-              <a:latin typeface="Gill Sans"/>
-              <a:cs typeface="Gill Sans"/>
-            </a:endParaRPr>
           </a:p>
         </p:txBody>
       </p:sp>
@@ -16312,21 +15857,6 @@
   <p:clrMapOvr>
     <a:masterClrMapping/>
   </p:clrMapOvr>
-  <mc:AlternateContent xmlns:mc="http://schemas.openxmlformats.org/markup-compatibility/2006" xmlns:p14="http://schemas.microsoft.com/office/powerpoint/2010/main">
-    <mc:Choice Requires="p14">
-      <p:transition spd="slow" p14:dur="2000"/>
-    </mc:Choice>
-    <mc:Fallback xmlns="">
-      <p:transition spd="slow"/>
-    </mc:Fallback>
-  </mc:AlternateContent>
-  <p:timing>
-    <p:tnLst>
-      <p:par>
-        <p:cTn id="1" dur="indefinite" restart="never" nodeType="tmRoot"/>
-      </p:par>
-    </p:tnLst>
-  </p:timing>
 </p:sld>
 </file>
 
@@ -16363,10 +15893,9 @@
           <a:lstStyle/>
           <a:p>
             <a:r>
-              <a:rPr lang="en-US" dirty="0" smtClean="0"/>
+              <a:rPr lang="en-US" dirty="0"/>
               <a:t>Basic Hadoop API*</a:t>
             </a:r>
-            <a:endParaRPr lang="en-US" dirty="0"/>
           </a:p>
         </p:txBody>
       </p:sp>
@@ -16388,49 +15917,13 @@
           <a:lstStyle/>
           <a:p>
             <a:r>
-              <a:rPr lang="en-US" dirty="0" err="1" smtClean="0"/>
+              <a:rPr lang="en-US" dirty="0" err="1"/>
               <a:t>Partitioner</a:t>
             </a:r>
-            <a:endParaRPr lang="en-US" dirty="0" smtClean="0"/>
+            <a:endParaRPr lang="en-US" dirty="0"/>
           </a:p>
           <a:p>
             <a:pPr lvl="1"/>
-            <a:r>
-              <a:rPr lang="en-US" dirty="0" err="1"/>
-              <a:t>i</a:t>
-            </a:r>
-            <a:r>
-              <a:rPr lang="en-US" dirty="0" err="1" smtClean="0"/>
-              <a:t>nt</a:t>
-            </a:r>
-            <a:r>
-              <a:rPr lang="en-US" dirty="0" smtClean="0"/>
-              <a:t> </a:t>
-            </a:r>
-            <a:r>
-              <a:rPr lang="en-US" dirty="0" err="1" smtClean="0"/>
-              <a:t>getPartition</a:t>
-            </a:r>
-            <a:r>
-              <a:rPr lang="en-US" dirty="0"/>
-              <a:t>(</a:t>
-            </a:r>
-            <a:r>
-              <a:rPr lang="en-US" dirty="0" smtClean="0"/>
-              <a:t>K </a:t>
-            </a:r>
-            <a:r>
-              <a:rPr lang="en-US" dirty="0"/>
-              <a:t>key, </a:t>
-            </a:r>
-            <a:r>
-              <a:rPr lang="en-US" dirty="0" smtClean="0"/>
-              <a:t>V </a:t>
-            </a:r>
-            <a:r>
-              <a:rPr lang="en-US" dirty="0"/>
-              <a:t>value, </a:t>
-            </a:r>
             <a:r>
               <a:rPr lang="en-US" dirty="0" err="1"/>
               <a:t>int</a:t>
@@ -16441,49 +15934,53 @@
             </a:r>
             <a:r>
               <a:rPr lang="en-US" dirty="0" err="1"/>
+              <a:t>getPartition</a:t>
+            </a:r>
+            <a:r>
+              <a:rPr lang="en-US" dirty="0"/>
+              <a:t>(K key, V value, </a:t>
+            </a:r>
+            <a:r>
+              <a:rPr lang="en-US" dirty="0" err="1"/>
+              <a:t>int</a:t>
+            </a:r>
+            <a:r>
+              <a:rPr lang="en-US" dirty="0"/>
+              <a:t> </a:t>
+            </a:r>
+            <a:r>
+              <a:rPr lang="en-US" dirty="0" err="1"/>
               <a:t>numPartitions</a:t>
             </a:r>
             <a:r>
-              <a:rPr lang="en-US" dirty="0" smtClean="0"/>
+              <a:rPr lang="en-US" dirty="0"/>
               <a:t>)</a:t>
             </a:r>
             <a:br>
-              <a:rPr lang="en-US" dirty="0" smtClean="0"/>
+              <a:rPr lang="en-US" dirty="0"/>
             </a:br>
             <a:r>
-              <a:rPr lang="en-US" dirty="0" smtClean="0"/>
-              <a:t>Get </a:t>
-            </a:r>
-            <a:r>
               <a:rPr lang="en-US" dirty="0"/>
-              <a:t>the partition number </a:t>
-            </a:r>
-            <a:r>
-              <a:rPr lang="en-US" dirty="0" smtClean="0"/>
-              <a:t>given total </a:t>
-            </a:r>
+              <a:t>Get the partition number given total number of partitions </a:t>
+            </a:r>
+          </a:p>
+          <a:p>
             <a:r>
               <a:rPr lang="en-US" dirty="0"/>
-              <a:t>number of partitions </a:t>
-            </a:r>
-          </a:p>
-          <a:p>
-            <a:r>
-              <a:rPr lang="en-US" dirty="0" smtClean="0"/>
               <a:t>Job</a:t>
             </a:r>
           </a:p>
           <a:p>
             <a:pPr lvl="1"/>
             <a:r>
-              <a:rPr lang="en-US" dirty="0" smtClean="0"/>
+              <a:rPr lang="en-US" dirty="0"/>
               <a:t>Represents a packaged Hadoop job for submission to cluster</a:t>
             </a:r>
           </a:p>
           <a:p>
             <a:pPr lvl="1"/>
             <a:r>
-              <a:rPr lang="en-US" dirty="0" smtClean="0"/>
+              <a:rPr lang="en-US" dirty="0"/>
               <a:t>Need to specify input and output paths</a:t>
             </a:r>
           </a:p>
@@ -16491,29 +15988,21 @@
             <a:pPr lvl="1"/>
             <a:r>
               <a:rPr lang="en-US" dirty="0"/>
-              <a:t>Need to specify </a:t>
-            </a:r>
-            <a:r>
-              <a:rPr lang="en-US" dirty="0" smtClean="0"/>
-              <a:t>input and output formats</a:t>
+              <a:t>Need to specify input and output formats</a:t>
             </a:r>
           </a:p>
           <a:p>
             <a:pPr lvl="1"/>
             <a:r>
               <a:rPr lang="en-US" dirty="0"/>
-              <a:t>Need to specify </a:t>
-            </a:r>
-            <a:r>
-              <a:rPr lang="en-US" dirty="0" smtClean="0"/>
-              <a:t>mapper, reducer, combiner, </a:t>
-            </a:r>
-            <a:r>
-              <a:rPr lang="en-US" dirty="0" err="1" smtClean="0"/>
+              <a:t>Need to specify mapper, reducer, combiner, </a:t>
+            </a:r>
+            <a:r>
+              <a:rPr lang="en-US" dirty="0" err="1"/>
               <a:t>partitioner</a:t>
             </a:r>
             <a:r>
-              <a:rPr lang="en-US" dirty="0" smtClean="0"/>
+              <a:rPr lang="en-US" dirty="0"/>
               <a:t> classes</a:t>
             </a:r>
           </a:p>
@@ -16521,24 +16010,20 @@
             <a:pPr lvl="1"/>
             <a:r>
               <a:rPr lang="en-US" dirty="0"/>
-              <a:t>Need to specify </a:t>
-            </a:r>
-            <a:r>
-              <a:rPr lang="en-US" dirty="0" smtClean="0"/>
-              <a:t>intermediate/final key/value classes</a:t>
+              <a:t>Need to specify intermediate/final key/value classes</a:t>
             </a:r>
           </a:p>
           <a:p>
             <a:pPr lvl="1"/>
             <a:r>
-              <a:rPr lang="en-US" dirty="0" smtClean="0"/>
+              <a:rPr lang="en-US" dirty="0"/>
               <a:t>Need to specify number of reducers (but not mappers, why?)</a:t>
             </a:r>
           </a:p>
           <a:p>
             <a:pPr lvl="1"/>
             <a:r>
-              <a:rPr lang="en-US" dirty="0" smtClean="0"/>
+              <a:rPr lang="en-US" dirty="0"/>
               <a:t>Don’t depend on defaults!</a:t>
             </a:r>
           </a:p>
@@ -16575,7 +16060,7 @@
           <a:lstStyle/>
           <a:p>
             <a:r>
-              <a:rPr lang="en-US" b="0" dirty="0" smtClean="0">
+              <a:rPr lang="en-US" b="0" dirty="0">
                 <a:solidFill>
                   <a:schemeClr val="bg1"/>
                 </a:solidFill>
@@ -16584,13 +16069,6 @@
               </a:rPr>
               <a:t>*Note that there are two versions of the API!</a:t>
             </a:r>
-            <a:endParaRPr lang="en-US" b="0" dirty="0">
-              <a:solidFill>
-                <a:schemeClr val="bg1"/>
-              </a:solidFill>
-              <a:latin typeface="Gill Sans"/>
-              <a:cs typeface="Gill Sans"/>
-            </a:endParaRPr>
           </a:p>
         </p:txBody>
       </p:sp>
@@ -16604,21 +16082,6 @@
   <p:clrMapOvr>
     <a:masterClrMapping/>
   </p:clrMapOvr>
-  <mc:AlternateContent xmlns:mc="http://schemas.openxmlformats.org/markup-compatibility/2006" xmlns:p14="http://schemas.microsoft.com/office/powerpoint/2010/main">
-    <mc:Choice Requires="p14">
-      <p:transition spd="slow" p14:dur="2000"/>
-    </mc:Choice>
-    <mc:Fallback xmlns="">
-      <p:transition spd="slow"/>
-    </mc:Fallback>
-  </mc:AlternateContent>
-  <p:timing>
-    <p:tnLst>
-      <p:par>
-        <p:cTn id="1" dur="indefinite" restart="never" nodeType="tmRoot"/>
-      </p:par>
-    </p:tnLst>
-  </p:timing>
 </p:sld>
 </file>
 
@@ -16655,7 +16118,7 @@
           <a:lstStyle/>
           <a:p>
             <a:r>
-              <a:rPr lang="en-US" smtClean="0"/>
+              <a:rPr lang="en-US"/>
               <a:t>“Hello World”: Word Count</a:t>
             </a:r>
           </a:p>
@@ -16702,7 +16165,7 @@
               <a:t> private static class </a:t>
             </a:r>
             <a:r>
-              <a:rPr lang="en-US" sz="1700" b="0" dirty="0" err="1" smtClean="0">
+              <a:rPr lang="en-US" sz="1700" b="0" dirty="0" err="1">
                 <a:solidFill>
                   <a:srgbClr val="000000"/>
                 </a:solidFill>
@@ -16721,16 +16184,6 @@
           </a:p>
           <a:p>
             <a:r>
-              <a:rPr lang="en-US" sz="1700" b="0" dirty="0" smtClean="0">
-                <a:solidFill>
-                  <a:srgbClr val="000000"/>
-                </a:solidFill>
-                <a:latin typeface="Andale Mono"/>
-                <a:cs typeface="Andale Mono"/>
-              </a:rPr>
-              <a:t>     extends </a:t>
-            </a:r>
-            <a:r>
               <a:rPr lang="en-US" sz="1700" b="0" dirty="0">
                 <a:solidFill>
                   <a:srgbClr val="000000"/>
@@ -16738,7 +16191,7 @@
                 <a:latin typeface="Andale Mono"/>
                 <a:cs typeface="Andale Mono"/>
               </a:rPr>
-              <a:t>Mapper&lt;</a:t>
+              <a:t>     extends Mapper&lt;</a:t>
             </a:r>
             <a:r>
               <a:rPr lang="en-US" sz="1700" b="0" dirty="0" err="1">
@@ -16792,16 +16245,6 @@
           </a:p>
           <a:p>
             <a:r>
-              <a:rPr lang="en-US" sz="1700" b="0" dirty="0" smtClean="0">
-                <a:solidFill>
-                  <a:srgbClr val="000000"/>
-                </a:solidFill>
-                <a:latin typeface="Andale Mono"/>
-                <a:cs typeface="Andale Mono"/>
-              </a:rPr>
-              <a:t>    private </a:t>
-            </a:r>
-            <a:r>
               <a:rPr lang="en-US" sz="1700" b="0" dirty="0">
                 <a:solidFill>
                   <a:srgbClr val="000000"/>
@@ -16809,7 +16252,7 @@
                 <a:latin typeface="Andale Mono"/>
                 <a:cs typeface="Andale Mono"/>
               </a:rPr>
-              <a:t>final static </a:t>
+              <a:t>    private final static </a:t>
             </a:r>
             <a:r>
               <a:rPr lang="en-US" sz="1700" b="0" dirty="0" err="1">
@@ -17287,21 +16730,6 @@
   <p:clrMapOvr>
     <a:masterClrMapping/>
   </p:clrMapOvr>
-  <mc:AlternateContent xmlns:mc="http://schemas.openxmlformats.org/markup-compatibility/2006" xmlns:p14="http://schemas.microsoft.com/office/powerpoint/2010/main">
-    <mc:Choice Requires="p14">
-      <p:transition spd="slow" p14:dur="2000"/>
-    </mc:Choice>
-    <mc:Fallback xmlns="">
-      <p:transition spd="slow"/>
-    </mc:Fallback>
-  </mc:AlternateContent>
-  <p:timing>
-    <p:tnLst>
-      <p:par>
-        <p:cTn id="1" dur="indefinite" restart="never" nodeType="tmRoot"/>
-      </p:par>
-    </p:tnLst>
-  </p:timing>
 </p:sld>
 </file>
 
@@ -17338,7 +16766,7 @@
           <a:lstStyle/>
           <a:p>
             <a:r>
-              <a:rPr lang="en-US" altLang="zh-TW" dirty="0" smtClean="0"/>
+              <a:rPr lang="en-US" altLang="zh-TW" dirty="0"/>
               <a:t>Outline</a:t>
             </a:r>
             <a:endParaRPr lang="zh-TW" altLang="en-US" dirty="0"/>
@@ -17361,13 +16789,13 @@
           <a:lstStyle/>
           <a:p>
             <a:r>
-              <a:rPr lang="en-US" altLang="zh-TW" dirty="0" smtClean="0"/>
+              <a:rPr lang="en-US" altLang="zh-TW" dirty="0"/>
               <a:t>Introduction</a:t>
             </a:r>
           </a:p>
           <a:p>
             <a:r>
-              <a:rPr lang="en-US" altLang="zh-TW" dirty="0" smtClean="0"/>
+              <a:rPr lang="en-US" altLang="zh-TW" dirty="0"/>
               <a:t>MapReduce Basics</a:t>
             </a:r>
           </a:p>
@@ -17386,13 +16814,6 @@
   <p:clrMapOvr>
     <a:masterClrMapping/>
   </p:clrMapOvr>
-  <p:timing>
-    <p:tnLst>
-      <p:par>
-        <p:cTn id="1" dur="indefinite" restart="never" nodeType="tmRoot"/>
-      </p:par>
-    </p:tnLst>
-  </p:timing>
 </p:sld>
 </file>
 
@@ -17429,7 +16850,7 @@
           <a:lstStyle/>
           <a:p>
             <a:r>
-              <a:rPr lang="en-US" smtClean="0"/>
+              <a:rPr lang="en-US"/>
               <a:t>“Hello World”: Word Count</a:t>
             </a:r>
           </a:p>
@@ -17476,7 +16897,7 @@
               <a:t> private static class </a:t>
             </a:r>
             <a:r>
-              <a:rPr lang="en-US" sz="1700" b="0" dirty="0" err="1" smtClean="0">
+              <a:rPr lang="en-US" sz="1700" b="0" dirty="0" err="1">
                 <a:solidFill>
                   <a:srgbClr val="000000"/>
                 </a:solidFill>
@@ -17485,7 +16906,7 @@
               </a:rPr>
               <a:t>MyReducer</a:t>
             </a:r>
-            <a:endParaRPr lang="en-US" sz="1700" b="0" dirty="0" smtClean="0">
+            <a:endParaRPr lang="en-US" sz="1700" b="0" dirty="0">
               <a:solidFill>
                 <a:srgbClr val="000000"/>
               </a:solidFill>
@@ -17502,27 +16923,7 @@
                 <a:latin typeface="Andale Mono"/>
                 <a:cs typeface="Andale Mono"/>
               </a:rPr>
-              <a:t> </a:t>
-            </a:r>
-            <a:r>
-              <a:rPr lang="en-US" sz="1700" b="0" dirty="0" smtClean="0">
-                <a:solidFill>
-                  <a:srgbClr val="000000"/>
-                </a:solidFill>
-                <a:latin typeface="Andale Mono"/>
-                <a:cs typeface="Andale Mono"/>
-              </a:rPr>
-              <a:t>    extends </a:t>
-            </a:r>
-            <a:r>
-              <a:rPr lang="en-US" sz="1700" b="0" dirty="0">
-                <a:solidFill>
-                  <a:srgbClr val="000000"/>
-                </a:solidFill>
-                <a:latin typeface="Andale Mono"/>
-                <a:cs typeface="Andale Mono"/>
-              </a:rPr>
-              <a:t>Reducer&lt;Text, </a:t>
+              <a:t>     extends Reducer&lt;Text, </a:t>
             </a:r>
             <a:r>
               <a:rPr lang="en-US" sz="1700" b="0" dirty="0" err="1">
@@ -17576,7 +16977,7 @@
           </a:p>
           <a:p>
             <a:r>
-              <a:rPr lang="en-US" sz="1700" b="0" dirty="0" smtClean="0">
+              <a:rPr lang="en-US" sz="1700" b="0" dirty="0">
                 <a:solidFill>
                   <a:srgbClr val="000000"/>
                 </a:solidFill>
@@ -17586,7 +16987,7 @@
               <a:t>    private final static </a:t>
             </a:r>
             <a:r>
-              <a:rPr lang="en-US" sz="1700" b="0" dirty="0" err="1" smtClean="0">
+              <a:rPr lang="en-US" sz="1700" b="0" dirty="0" err="1">
                 <a:solidFill>
                   <a:srgbClr val="000000"/>
                 </a:solidFill>
@@ -17596,7 +16997,7 @@
               <a:t>IntWritable</a:t>
             </a:r>
             <a:r>
-              <a:rPr lang="en-US" sz="1700" b="0" dirty="0" smtClean="0">
+              <a:rPr lang="en-US" sz="1700" b="0" dirty="0">
                 <a:solidFill>
                   <a:srgbClr val="000000"/>
                 </a:solidFill>
@@ -17606,7 +17007,7 @@
               <a:t> SUM = new </a:t>
             </a:r>
             <a:r>
-              <a:rPr lang="en-US" sz="1700" b="0" dirty="0" err="1" smtClean="0">
+              <a:rPr lang="en-US" sz="1700" b="0" dirty="0" err="1">
                 <a:solidFill>
                   <a:srgbClr val="000000"/>
                 </a:solidFill>
@@ -17616,7 +17017,7 @@
               <a:t>IntWritable</a:t>
             </a:r>
             <a:r>
-              <a:rPr lang="en-US" sz="1700" b="0" dirty="0" smtClean="0">
+              <a:rPr lang="en-US" sz="1700" b="0" dirty="0">
                 <a:solidFill>
                   <a:srgbClr val="000000"/>
                 </a:solidFill>
@@ -17696,17 +17097,7 @@
                 <a:latin typeface="Andale Mono"/>
                 <a:cs typeface="Andale Mono"/>
               </a:rPr>
-              <a:t>&gt; values</a:t>
-            </a:r>
-            <a:r>
-              <a:rPr lang="en-US" sz="1700" b="0" dirty="0" smtClean="0">
-                <a:solidFill>
-                  <a:srgbClr val="000000"/>
-                </a:solidFill>
-                <a:latin typeface="Andale Mono"/>
-                <a:cs typeface="Andale Mono"/>
-              </a:rPr>
-              <a:t>,</a:t>
+              <a:t>&gt; values,</a:t>
             </a:r>
           </a:p>
           <a:p>
@@ -17718,37 +17109,7 @@
                 <a:latin typeface="Andale Mono"/>
                 <a:cs typeface="Andale Mono"/>
               </a:rPr>
-              <a:t> </a:t>
-            </a:r>
-            <a:r>
-              <a:rPr lang="en-US" sz="1700" b="0" dirty="0" smtClean="0">
-                <a:solidFill>
-                  <a:srgbClr val="000000"/>
-                </a:solidFill>
-                <a:latin typeface="Andale Mono"/>
-                <a:cs typeface="Andale Mono"/>
-              </a:rPr>
-              <a:t>       Context </a:t>
-            </a:r>
-            <a:r>
-              <a:rPr lang="en-US" sz="1700" b="0" dirty="0">
-                <a:solidFill>
-                  <a:srgbClr val="000000"/>
-                </a:solidFill>
-                <a:latin typeface="Andale Mono"/>
-                <a:cs typeface="Andale Mono"/>
-              </a:rPr>
-              <a:t>context</a:t>
-            </a:r>
-            <a:r>
-              <a:rPr lang="en-US" sz="1700" b="0" dirty="0" smtClean="0">
-                <a:solidFill>
-                  <a:srgbClr val="000000"/>
-                </a:solidFill>
-                <a:latin typeface="Andale Mono"/>
-                <a:cs typeface="Andale Mono"/>
-              </a:rPr>
-              <a:t>) throws </a:t>
+              <a:t>        Context context) throws </a:t>
             </a:r>
             <a:r>
               <a:rPr lang="en-US" sz="1700" b="0" dirty="0" err="1">
@@ -17800,27 +17161,7 @@
                 <a:latin typeface="Andale Mono"/>
                 <a:cs typeface="Andale Mono"/>
               </a:rPr>
-              <a:t>      </a:t>
-            </a:r>
-            <a:r>
-              <a:rPr lang="en-US" sz="1700" b="0" dirty="0" smtClean="0">
-                <a:solidFill>
-                  <a:srgbClr val="000000"/>
-                </a:solidFill>
-                <a:latin typeface="Andale Mono"/>
-                <a:cs typeface="Andale Mono"/>
-              </a:rPr>
-              <a:t>Iterator</a:t>
-            </a:r>
-            <a:r>
-              <a:rPr lang="en-US" sz="1700" b="0" dirty="0">
-                <a:solidFill>
-                  <a:srgbClr val="000000"/>
-                </a:solidFill>
-                <a:latin typeface="Andale Mono"/>
-                <a:cs typeface="Andale Mono"/>
-              </a:rPr>
-              <a:t>&lt;</a:t>
+              <a:t>      Iterator&lt;</a:t>
             </a:r>
             <a:r>
               <a:rPr lang="en-US" sz="1700" b="0" dirty="0" err="1">
@@ -18091,21 +17432,6 @@
   <p:clrMapOvr>
     <a:masterClrMapping/>
   </p:clrMapOvr>
-  <mc:AlternateContent xmlns:mc="http://schemas.openxmlformats.org/markup-compatibility/2006" xmlns:p14="http://schemas.microsoft.com/office/powerpoint/2010/main">
-    <mc:Choice Requires="p14">
-      <p:transition spd="slow" p14:dur="2000"/>
-    </mc:Choice>
-    <mc:Fallback xmlns="">
-      <p:transition spd="slow"/>
-    </mc:Fallback>
-  </mc:AlternateContent>
-  <p:timing>
-    <p:tnLst>
-      <p:par>
-        <p:cTn id="1" dur="indefinite" restart="never" nodeType="tmRoot"/>
-      </p:par>
-    </p:tnLst>
-  </p:timing>
 </p:sld>
 </file>
 
@@ -18142,10 +17468,9 @@
           <a:lstStyle/>
           <a:p>
             <a:r>
-              <a:rPr lang="en-US" dirty="0" smtClean="0"/>
+              <a:rPr lang="en-US" dirty="0"/>
               <a:t>Word Count: the pseudo code</a:t>
             </a:r>
-            <a:endParaRPr lang="en-US" dirty="0"/>
           </a:p>
         </p:txBody>
       </p:sp>
@@ -18183,21 +17508,6 @@
   <p:clrMapOvr>
     <a:masterClrMapping/>
   </p:clrMapOvr>
-  <mc:AlternateContent xmlns:mc="http://schemas.openxmlformats.org/markup-compatibility/2006" xmlns:p14="http://schemas.microsoft.com/office/powerpoint/2010/main">
-    <mc:Choice Requires="p14">
-      <p:transition spd="slow" p14:dur="2000"/>
-    </mc:Choice>
-    <mc:Fallback xmlns="">
-      <p:transition spd="slow"/>
-    </mc:Fallback>
-  </mc:AlternateContent>
-  <p:timing>
-    <p:tnLst>
-      <p:par>
-        <p:cTn id="1" dur="indefinite" restart="never" nodeType="tmRoot"/>
-      </p:par>
-    </p:tnLst>
-  </p:timing>
 </p:sld>
 </file>
 
@@ -18275,7 +17585,7 @@
               <a:buNone/>
               <a:tabLst/>
             </a:pPr>
-            <a:endParaRPr kumimoji="0" lang="en-US" sz="1600" b="1" i="0" u="none" strike="noStrike" cap="none" normalizeH="0" baseline="0" smtClean="0">
+            <a:endParaRPr kumimoji="0" lang="en-US" sz="1600" b="1" i="0" u="none" strike="noStrike" cap="none" normalizeH="0" baseline="0">
               <a:ln>
                 <a:noFill/>
               </a:ln>
@@ -18345,7 +17655,7 @@
               <a:buNone/>
               <a:tabLst/>
             </a:pPr>
-            <a:endParaRPr kumimoji="0" lang="en-US" sz="1600" b="1" i="0" u="none" strike="noStrike" cap="none" normalizeH="0" baseline="0" smtClean="0">
+            <a:endParaRPr kumimoji="0" lang="en-US" sz="1600" b="1" i="0" u="none" strike="noStrike" cap="none" normalizeH="0" baseline="0">
               <a:ln>
                 <a:noFill/>
               </a:ln>
@@ -18418,7 +17728,7 @@
               <a:tabLst/>
             </a:pPr>
             <a:r>
-              <a:rPr kumimoji="0" lang="en-US" sz="1200" i="0" u="none" strike="noStrike" cap="none" normalizeH="0" baseline="0" dirty="0" smtClean="0">
+              <a:rPr kumimoji="0" lang="en-US" sz="1200" i="0" u="none" strike="noStrike" cap="none" normalizeH="0" baseline="0" dirty="0">
                 <a:ln>
                   <a:noFill/>
                 </a:ln>
@@ -18469,18 +17779,10 @@
                   <a:schemeClr val="bg2"/>
                 </a:solidFill>
               </a:rPr>
-              <a:t>Source: </a:t>
-            </a:r>
-            <a:r>
-              <a:rPr lang="en-US" sz="1000" b="0" dirty="0" smtClean="0">
-                <a:solidFill>
-                  <a:schemeClr val="bg2"/>
-                </a:solidFill>
-              </a:rPr>
-              <a:t>redrawn from a slide by </a:t>
-            </a:r>
-            <a:r>
-              <a:rPr lang="en-US" sz="1000" b="0" dirty="0" err="1" smtClean="0">
+              <a:t>Source: redrawn from a slide by </a:t>
+            </a:r>
+            <a:r>
+              <a:rPr lang="en-US" sz="1000" b="0" dirty="0" err="1">
                 <a:solidFill>
                   <a:schemeClr val="bg2"/>
                 </a:solidFill>
@@ -18488,18 +17790,13 @@
               <a:t>Cloduera</a:t>
             </a:r>
             <a:r>
-              <a:rPr lang="en-US" sz="1000" b="0" dirty="0" smtClean="0">
+              <a:rPr lang="en-US" sz="1000" b="0" dirty="0">
                 <a:solidFill>
                   <a:schemeClr val="bg2"/>
                 </a:solidFill>
               </a:rPr>
               <a:t>, cc-licensed</a:t>
             </a:r>
-            <a:endParaRPr lang="en-US" sz="1000" b="0" dirty="0">
-              <a:solidFill>
-                <a:schemeClr val="bg2"/>
-              </a:solidFill>
-            </a:endParaRPr>
           </a:p>
         </p:txBody>
       </p:sp>
@@ -18563,7 +17860,7 @@
               <a:tabLst/>
             </a:pPr>
             <a:r>
-              <a:rPr kumimoji="0" lang="en-US" sz="1200" i="0" u="none" strike="noStrike" cap="none" normalizeH="0" baseline="0" dirty="0" smtClean="0">
+              <a:rPr kumimoji="0" lang="en-US" sz="1200" i="0" u="none" strike="noStrike" cap="none" normalizeH="0" baseline="0" dirty="0">
                 <a:ln>
                   <a:noFill/>
                 </a:ln>
@@ -18638,7 +17935,7 @@
               <a:tabLst/>
             </a:pPr>
             <a:r>
-              <a:rPr kumimoji="0" lang="en-US" sz="1200" i="0" u="none" strike="noStrike" cap="none" normalizeH="0" baseline="0" dirty="0" smtClean="0">
+              <a:rPr kumimoji="0" lang="en-US" sz="1200" i="0" u="none" strike="noStrike" cap="none" normalizeH="0" baseline="0" dirty="0">
                 <a:ln>
                   <a:noFill/>
                 </a:ln>
@@ -18698,7 +17995,7 @@
           <a:p>
             <a:pPr algn="ctr"/>
             <a:r>
-              <a:rPr lang="en-US" sz="1200" dirty="0" smtClean="0">
+              <a:rPr lang="en-US" sz="1200" dirty="0">
                 <a:solidFill>
                   <a:schemeClr val="bg2"/>
                 </a:solidFill>
@@ -18754,7 +18051,7 @@
           <a:p>
             <a:pPr algn="ctr"/>
             <a:r>
-              <a:rPr lang="en-US" sz="1200" dirty="0" smtClean="0">
+              <a:rPr lang="en-US" sz="1200" dirty="0">
                 <a:solidFill>
                   <a:schemeClr val="bg2"/>
                 </a:solidFill>
@@ -18825,7 +18122,7 @@
               <a:tabLst/>
             </a:pPr>
             <a:r>
-              <a:rPr kumimoji="0" lang="en-US" sz="1200" i="0" u="none" strike="noStrike" cap="none" normalizeH="0" baseline="0" dirty="0" smtClean="0">
+              <a:rPr kumimoji="0" lang="en-US" sz="1200" i="0" u="none" strike="noStrike" cap="none" normalizeH="0" baseline="0" dirty="0">
                 <a:ln>
                   <a:noFill/>
                 </a:ln>
@@ -18900,7 +18197,7 @@
               <a:tabLst/>
             </a:pPr>
             <a:r>
-              <a:rPr kumimoji="0" lang="en-US" sz="1200" i="0" u="none" strike="noStrike" cap="none" normalizeH="0" baseline="0" dirty="0" smtClean="0">
+              <a:rPr kumimoji="0" lang="en-US" sz="1200" i="0" u="none" strike="noStrike" cap="none" normalizeH="0" baseline="0" dirty="0">
                 <a:ln>
                   <a:noFill/>
                 </a:ln>
@@ -18975,7 +18272,7 @@
               <a:tabLst/>
             </a:pPr>
             <a:r>
-              <a:rPr kumimoji="0" lang="en-US" sz="1200" i="0" u="none" strike="noStrike" cap="none" normalizeH="0" baseline="0" dirty="0" smtClean="0">
+              <a:rPr kumimoji="0" lang="en-US" sz="1200" i="0" u="none" strike="noStrike" cap="none" normalizeH="0" baseline="0" dirty="0">
                 <a:ln>
                   <a:noFill/>
                 </a:ln>
@@ -19035,7 +18332,7 @@
           <a:p>
             <a:pPr algn="ctr"/>
             <a:r>
-              <a:rPr lang="en-US" sz="1200" dirty="0" smtClean="0">
+              <a:rPr lang="en-US" sz="1200" dirty="0">
                 <a:solidFill>
                   <a:schemeClr val="bg2"/>
                 </a:solidFill>
@@ -19091,7 +18388,7 @@
           <a:p>
             <a:pPr algn="ctr"/>
             <a:r>
-              <a:rPr lang="en-US" sz="1200" dirty="0" smtClean="0">
+              <a:rPr lang="en-US" sz="1200" dirty="0">
                 <a:solidFill>
                   <a:schemeClr val="bg2"/>
                 </a:solidFill>
@@ -19147,7 +18444,7 @@
           <a:p>
             <a:pPr algn="ctr"/>
             <a:r>
-              <a:rPr lang="en-US" sz="1200" dirty="0" smtClean="0">
+              <a:rPr lang="en-US" sz="1200" dirty="0">
                 <a:solidFill>
                   <a:schemeClr val="bg2"/>
                 </a:solidFill>
@@ -19203,7 +18500,7 @@
           <a:p>
             <a:pPr algn="ctr"/>
             <a:r>
-              <a:rPr lang="en-US" sz="1200" dirty="0" smtClean="0">
+              <a:rPr lang="en-US" sz="1200" dirty="0">
                 <a:solidFill>
                   <a:schemeClr val="bg2"/>
                 </a:solidFill>
@@ -19383,7 +18680,7 @@
               <a:tabLst/>
             </a:pPr>
             <a:r>
-              <a:rPr kumimoji="0" lang="en-US" sz="1200" i="0" u="none" strike="noStrike" cap="none" normalizeH="0" baseline="0" dirty="0" smtClean="0">
+              <a:rPr kumimoji="0" lang="en-US" sz="1200" i="0" u="none" strike="noStrike" cap="none" normalizeH="0" baseline="0" dirty="0">
                 <a:ln>
                   <a:noFill/>
                 </a:ln>
@@ -19489,10 +18786,9 @@
           <a:lstStyle/>
           <a:p>
             <a:r>
-              <a:rPr lang="en-US" sz="1200" dirty="0" smtClean="0"/>
+              <a:rPr lang="en-US" sz="1200" dirty="0"/>
               <a:t>Intermediates</a:t>
             </a:r>
-            <a:endParaRPr lang="en-US" sz="1200" dirty="0"/>
           </a:p>
         </p:txBody>
       </p:sp>
@@ -19592,7 +18888,7 @@
               <a:tabLst/>
             </a:pPr>
             <a:r>
-              <a:rPr kumimoji="0" lang="en-US" sz="1200" i="0" u="none" strike="noStrike" cap="none" normalizeH="0" baseline="0" dirty="0" smtClean="0">
+              <a:rPr kumimoji="0" lang="en-US" sz="1200" i="0" u="none" strike="noStrike" cap="none" normalizeH="0" baseline="0" dirty="0">
                 <a:ln>
                   <a:noFill/>
                 </a:ln>
@@ -19664,10 +18960,9 @@
           <a:lstStyle/>
           <a:p>
             <a:r>
-              <a:rPr lang="en-US" sz="1200" dirty="0" smtClean="0"/>
+              <a:rPr lang="en-US" sz="1200" dirty="0"/>
               <a:t>Intermediates</a:t>
             </a:r>
-            <a:endParaRPr lang="en-US" sz="1200" dirty="0"/>
           </a:p>
         </p:txBody>
       </p:sp>
@@ -19767,7 +19062,7 @@
               <a:tabLst/>
             </a:pPr>
             <a:r>
-              <a:rPr kumimoji="0" lang="en-US" sz="1200" i="0" u="none" strike="noStrike" cap="none" normalizeH="0" baseline="0" dirty="0" smtClean="0">
+              <a:rPr kumimoji="0" lang="en-US" sz="1200" i="0" u="none" strike="noStrike" cap="none" normalizeH="0" baseline="0" dirty="0">
                 <a:ln>
                   <a:noFill/>
                 </a:ln>
@@ -19839,10 +19134,9 @@
           <a:lstStyle/>
           <a:p>
             <a:r>
-              <a:rPr lang="en-US" sz="1200" dirty="0" smtClean="0"/>
+              <a:rPr lang="en-US" sz="1200" dirty="0"/>
               <a:t>Intermediates</a:t>
             </a:r>
-            <a:endParaRPr lang="en-US" sz="1200" dirty="0"/>
           </a:p>
         </p:txBody>
       </p:sp>
@@ -19942,7 +19236,7 @@
               <a:tabLst/>
             </a:pPr>
             <a:r>
-              <a:rPr kumimoji="0" lang="en-US" sz="1200" i="0" u="none" strike="noStrike" cap="none" normalizeH="0" baseline="0" dirty="0" smtClean="0">
+              <a:rPr kumimoji="0" lang="en-US" sz="1200" i="0" u="none" strike="noStrike" cap="none" normalizeH="0" baseline="0" dirty="0">
                 <a:ln>
                   <a:noFill/>
                 </a:ln>
@@ -20014,10 +19308,9 @@
           <a:lstStyle/>
           <a:p>
             <a:r>
-              <a:rPr lang="en-US" sz="1200" dirty="0" smtClean="0"/>
+              <a:rPr lang="en-US" sz="1200" dirty="0"/>
               <a:t>Intermediates</a:t>
             </a:r>
-            <a:endParaRPr lang="en-US" sz="1200" dirty="0"/>
           </a:p>
         </p:txBody>
       </p:sp>
@@ -20117,7 +19410,7 @@
               <a:tabLst/>
             </a:pPr>
             <a:r>
-              <a:rPr kumimoji="0" lang="en-US" sz="1200" i="0" u="none" strike="noStrike" cap="none" normalizeH="0" baseline="0" dirty="0" smtClean="0">
+              <a:rPr kumimoji="0" lang="en-US" sz="1200" i="0" u="none" strike="noStrike" cap="none" normalizeH="0" baseline="0" dirty="0">
                 <a:ln>
                   <a:noFill/>
                 </a:ln>
@@ -20189,10 +19482,9 @@
           <a:lstStyle/>
           <a:p>
             <a:r>
-              <a:rPr lang="en-US" sz="1200" dirty="0" smtClean="0"/>
+              <a:rPr lang="en-US" sz="1200" dirty="0"/>
               <a:t>Intermediates</a:t>
             </a:r>
-            <a:endParaRPr lang="en-US" sz="1200" dirty="0"/>
           </a:p>
         </p:txBody>
       </p:sp>
@@ -20643,18 +19935,13 @@
           <a:lstStyle/>
           <a:p>
             <a:r>
-              <a:rPr lang="en-US" sz="1400" dirty="0" smtClean="0">
+              <a:rPr lang="en-US" sz="1400" dirty="0">
                 <a:solidFill>
                   <a:schemeClr val="bg2"/>
                 </a:solidFill>
               </a:rPr>
               <a:t>InputFormat</a:t>
             </a:r>
-            <a:endParaRPr lang="en-US" sz="1400" dirty="0">
-              <a:solidFill>
-                <a:schemeClr val="bg2"/>
-              </a:solidFill>
-            </a:endParaRPr>
           </a:p>
         </p:txBody>
       </p:sp>
@@ -20668,21 +19955,6 @@
   <p:clrMapOvr>
     <a:masterClrMapping/>
   </p:clrMapOvr>
-  <mc:AlternateContent xmlns:mc="http://schemas.openxmlformats.org/markup-compatibility/2006" xmlns:p14="http://schemas.microsoft.com/office/powerpoint/2010/main">
-    <mc:Choice Requires="p14">
-      <p:transition spd="slow" p14:dur="2000"/>
-    </mc:Choice>
-    <mc:Fallback xmlns="">
-      <p:transition spd="slow"/>
-    </mc:Fallback>
-  </mc:AlternateContent>
-  <p:timing>
-    <p:tnLst>
-      <p:par>
-        <p:cTn id="1" dur="indefinite" restart="never" nodeType="tmRoot"/>
-      </p:par>
-    </p:tnLst>
-  </p:timing>
 </p:sld>
 </file>
 
@@ -20762,7 +20034,7 @@
               <a:buNone/>
               <a:tabLst/>
             </a:pPr>
-            <a:endParaRPr kumimoji="0" lang="en-US" sz="1600" b="1" i="0" u="none" strike="noStrike" cap="none" normalizeH="0" baseline="0" smtClean="0">
+            <a:endParaRPr kumimoji="0" lang="en-US" sz="1600" b="1" i="0" u="none" strike="noStrike" cap="none" normalizeH="0" baseline="0">
               <a:ln>
                 <a:noFill/>
               </a:ln>
@@ -20835,7 +20107,7 @@
               <a:buNone/>
               <a:tabLst/>
             </a:pPr>
-            <a:endParaRPr kumimoji="0" lang="en-US" sz="1600" b="1" i="0" u="none" strike="noStrike" cap="none" normalizeH="0" baseline="0" smtClean="0">
+            <a:endParaRPr kumimoji="0" lang="en-US" sz="1600" b="1" i="0" u="none" strike="noStrike" cap="none" normalizeH="0" baseline="0">
               <a:ln>
                 <a:noFill/>
               </a:ln>
@@ -20908,7 +20180,7 @@
               <a:buNone/>
               <a:tabLst/>
             </a:pPr>
-            <a:endParaRPr kumimoji="0" lang="en-US" sz="1600" b="1" i="0" u="none" strike="noStrike" cap="none" normalizeH="0" baseline="0" smtClean="0">
+            <a:endParaRPr kumimoji="0" lang="en-US" sz="1600" b="1" i="0" u="none" strike="noStrike" cap="none" normalizeH="0" baseline="0">
               <a:ln>
                 <a:noFill/>
               </a:ln>
@@ -20981,7 +20253,7 @@
               <a:buNone/>
               <a:tabLst/>
             </a:pPr>
-            <a:endParaRPr kumimoji="0" lang="en-US" sz="1600" b="1" i="0" u="none" strike="noStrike" cap="none" normalizeH="0" baseline="0" smtClean="0">
+            <a:endParaRPr kumimoji="0" lang="en-US" sz="1600" b="1" i="0" u="none" strike="noStrike" cap="none" normalizeH="0" baseline="0">
               <a:ln>
                 <a:noFill/>
               </a:ln>
@@ -21054,7 +20326,7 @@
               <a:buNone/>
               <a:tabLst/>
             </a:pPr>
-            <a:endParaRPr kumimoji="0" lang="en-US" sz="1600" b="1" i="0" u="none" strike="noStrike" cap="none" normalizeH="0" baseline="0" smtClean="0">
+            <a:endParaRPr kumimoji="0" lang="en-US" sz="1600" b="1" i="0" u="none" strike="noStrike" cap="none" normalizeH="0" baseline="0">
               <a:ln>
                 <a:noFill/>
               </a:ln>
@@ -21127,7 +20399,7 @@
               <a:buNone/>
               <a:tabLst/>
             </a:pPr>
-            <a:endParaRPr kumimoji="0" lang="en-US" sz="1600" b="1" i="0" u="none" strike="noStrike" cap="none" normalizeH="0" baseline="0" smtClean="0">
+            <a:endParaRPr kumimoji="0" lang="en-US" sz="1600" b="1" i="0" u="none" strike="noStrike" cap="none" normalizeH="0" baseline="0">
               <a:ln>
                 <a:noFill/>
               </a:ln>
@@ -21200,7 +20472,7 @@
               <a:buNone/>
               <a:tabLst/>
             </a:pPr>
-            <a:endParaRPr kumimoji="0" lang="en-US" sz="1600" b="1" i="0" u="none" strike="noStrike" cap="none" normalizeH="0" baseline="0" smtClean="0">
+            <a:endParaRPr kumimoji="0" lang="en-US" sz="1600" b="1" i="0" u="none" strike="noStrike" cap="none" normalizeH="0" baseline="0">
               <a:ln>
                 <a:noFill/>
               </a:ln>
@@ -21273,7 +20545,7 @@
               <a:buNone/>
               <a:tabLst/>
             </a:pPr>
-            <a:endParaRPr kumimoji="0" lang="en-US" sz="1600" b="1" i="0" u="none" strike="noStrike" cap="none" normalizeH="0" baseline="0" smtClean="0">
+            <a:endParaRPr kumimoji="0" lang="en-US" sz="1600" b="1" i="0" u="none" strike="noStrike" cap="none" normalizeH="0" baseline="0">
               <a:ln>
                 <a:noFill/>
               </a:ln>
@@ -21346,7 +20618,7 @@
               <a:buNone/>
               <a:tabLst/>
             </a:pPr>
-            <a:endParaRPr kumimoji="0" lang="en-US" sz="1600" b="1" i="0" u="none" strike="noStrike" cap="none" normalizeH="0" baseline="0" smtClean="0">
+            <a:endParaRPr kumimoji="0" lang="en-US" sz="1600" b="1" i="0" u="none" strike="noStrike" cap="none" normalizeH="0" baseline="0">
               <a:ln>
                 <a:noFill/>
               </a:ln>
@@ -21419,7 +20691,7 @@
               <a:buNone/>
               <a:tabLst/>
             </a:pPr>
-            <a:endParaRPr kumimoji="0" lang="en-US" sz="1600" b="1" i="0" u="none" strike="noStrike" cap="none" normalizeH="0" baseline="0" smtClean="0">
+            <a:endParaRPr kumimoji="0" lang="en-US" sz="1600" b="1" i="0" u="none" strike="noStrike" cap="none" normalizeH="0" baseline="0">
               <a:ln>
                 <a:noFill/>
               </a:ln>
@@ -21492,7 +20764,7 @@
               <a:buNone/>
               <a:tabLst/>
             </a:pPr>
-            <a:endParaRPr kumimoji="0" lang="en-US" sz="1600" b="1" i="0" u="none" strike="noStrike" cap="none" normalizeH="0" baseline="0" smtClean="0">
+            <a:endParaRPr kumimoji="0" lang="en-US" sz="1600" b="1" i="0" u="none" strike="noStrike" cap="none" normalizeH="0" baseline="0">
               <a:ln>
                 <a:noFill/>
               </a:ln>
@@ -21565,7 +20837,7 @@
               <a:buNone/>
               <a:tabLst/>
             </a:pPr>
-            <a:endParaRPr kumimoji="0" lang="en-US" sz="1600" b="1" i="0" u="none" strike="noStrike" cap="none" normalizeH="0" baseline="0" smtClean="0">
+            <a:endParaRPr kumimoji="0" lang="en-US" sz="1600" b="1" i="0" u="none" strike="noStrike" cap="none" normalizeH="0" baseline="0">
               <a:ln>
                 <a:noFill/>
               </a:ln>
@@ -21638,7 +20910,7 @@
               <a:buNone/>
               <a:tabLst/>
             </a:pPr>
-            <a:endParaRPr kumimoji="0" lang="en-US" sz="1600" b="1" i="0" u="none" strike="noStrike" cap="none" normalizeH="0" baseline="0" smtClean="0">
+            <a:endParaRPr kumimoji="0" lang="en-US" sz="1600" b="1" i="0" u="none" strike="noStrike" cap="none" normalizeH="0" baseline="0">
               <a:ln>
                 <a:noFill/>
               </a:ln>
@@ -21711,7 +20983,7 @@
               <a:buNone/>
               <a:tabLst/>
             </a:pPr>
-            <a:endParaRPr kumimoji="0" lang="en-US" sz="1600" b="1" i="0" u="none" strike="noStrike" cap="none" normalizeH="0" baseline="0" smtClean="0">
+            <a:endParaRPr kumimoji="0" lang="en-US" sz="1600" b="1" i="0" u="none" strike="noStrike" cap="none" normalizeH="0" baseline="0">
               <a:ln>
                 <a:noFill/>
               </a:ln>
@@ -21784,7 +21056,7 @@
               <a:buNone/>
               <a:tabLst/>
             </a:pPr>
-            <a:endParaRPr kumimoji="0" lang="en-US" sz="1600" b="1" i="0" u="none" strike="noStrike" cap="none" normalizeH="0" baseline="0" smtClean="0">
+            <a:endParaRPr kumimoji="0" lang="en-US" sz="1600" b="1" i="0" u="none" strike="noStrike" cap="none" normalizeH="0" baseline="0">
               <a:ln>
                 <a:noFill/>
               </a:ln>
@@ -21857,7 +21129,7 @@
               <a:buNone/>
               <a:tabLst/>
             </a:pPr>
-            <a:endParaRPr kumimoji="0" lang="en-US" sz="1600" b="1" i="0" u="none" strike="noStrike" cap="none" normalizeH="0" baseline="0" smtClean="0">
+            <a:endParaRPr kumimoji="0" lang="en-US" sz="1600" b="1" i="0" u="none" strike="noStrike" cap="none" normalizeH="0" baseline="0">
               <a:ln>
                 <a:noFill/>
               </a:ln>
@@ -21930,7 +21202,7 @@
               <a:buNone/>
               <a:tabLst/>
             </a:pPr>
-            <a:endParaRPr kumimoji="0" lang="en-US" sz="1600" b="1" i="0" u="none" strike="noStrike" cap="none" normalizeH="0" baseline="0" smtClean="0">
+            <a:endParaRPr kumimoji="0" lang="en-US" sz="1600" b="1" i="0" u="none" strike="noStrike" cap="none" normalizeH="0" baseline="0">
               <a:ln>
                 <a:noFill/>
               </a:ln>
@@ -22003,7 +21275,7 @@
               <a:buNone/>
               <a:tabLst/>
             </a:pPr>
-            <a:endParaRPr kumimoji="0" lang="en-US" sz="1600" b="1" i="0" u="none" strike="noStrike" cap="none" normalizeH="0" baseline="0" smtClean="0">
+            <a:endParaRPr kumimoji="0" lang="en-US" sz="1600" b="1" i="0" u="none" strike="noStrike" cap="none" normalizeH="0" baseline="0">
               <a:ln>
                 <a:noFill/>
               </a:ln>
@@ -22076,7 +21348,7 @@
               <a:buNone/>
               <a:tabLst/>
             </a:pPr>
-            <a:endParaRPr kumimoji="0" lang="en-US" sz="1600" b="1" i="0" u="none" strike="noStrike" cap="none" normalizeH="0" baseline="0" smtClean="0">
+            <a:endParaRPr kumimoji="0" lang="en-US" sz="1600" b="1" i="0" u="none" strike="noStrike" cap="none" normalizeH="0" baseline="0">
               <a:ln>
                 <a:noFill/>
               </a:ln>
@@ -22149,7 +21421,7 @@
               <a:buNone/>
               <a:tabLst/>
             </a:pPr>
-            <a:endParaRPr kumimoji="0" lang="en-US" sz="1600" b="1" i="0" u="none" strike="noStrike" cap="none" normalizeH="0" baseline="0" smtClean="0">
+            <a:endParaRPr kumimoji="0" lang="en-US" sz="1600" b="1" i="0" u="none" strike="noStrike" cap="none" normalizeH="0" baseline="0">
               <a:ln>
                 <a:noFill/>
               </a:ln>
@@ -22222,7 +21494,7 @@
               <a:buNone/>
               <a:tabLst/>
             </a:pPr>
-            <a:endParaRPr kumimoji="0" lang="en-US" sz="1600" b="1" i="0" u="none" strike="noStrike" cap="none" normalizeH="0" baseline="0" smtClean="0">
+            <a:endParaRPr kumimoji="0" lang="en-US" sz="1600" b="1" i="0" u="none" strike="noStrike" cap="none" normalizeH="0" baseline="0">
               <a:ln>
                 <a:noFill/>
               </a:ln>
@@ -22295,7 +21567,7 @@
               <a:buNone/>
               <a:tabLst/>
             </a:pPr>
-            <a:endParaRPr kumimoji="0" lang="en-US" sz="1600" b="1" i="0" u="none" strike="noStrike" cap="none" normalizeH="0" baseline="0" smtClean="0">
+            <a:endParaRPr kumimoji="0" lang="en-US" sz="1600" b="1" i="0" u="none" strike="noStrike" cap="none" normalizeH="0" baseline="0">
               <a:ln>
                 <a:noFill/>
               </a:ln>
@@ -22368,7 +21640,7 @@
               <a:buNone/>
               <a:tabLst/>
             </a:pPr>
-            <a:endParaRPr kumimoji="0" lang="en-US" sz="1600" b="1" i="0" u="none" strike="noStrike" cap="none" normalizeH="0" baseline="0" smtClean="0">
+            <a:endParaRPr kumimoji="0" lang="en-US" sz="1600" b="1" i="0" u="none" strike="noStrike" cap="none" normalizeH="0" baseline="0">
               <a:ln>
                 <a:noFill/>
               </a:ln>
@@ -22441,7 +21713,7 @@
               <a:buNone/>
               <a:tabLst/>
             </a:pPr>
-            <a:endParaRPr kumimoji="0" lang="en-US" sz="1600" b="1" i="0" u="none" strike="noStrike" cap="none" normalizeH="0" baseline="0" smtClean="0">
+            <a:endParaRPr kumimoji="0" lang="en-US" sz="1600" b="1" i="0" u="none" strike="noStrike" cap="none" normalizeH="0" baseline="0">
               <a:ln>
                 <a:noFill/>
               </a:ln>
@@ -22514,7 +21786,7 @@
               <a:buNone/>
               <a:tabLst/>
             </a:pPr>
-            <a:endParaRPr kumimoji="0" lang="en-US" sz="1600" b="1" i="0" u="none" strike="noStrike" cap="none" normalizeH="0" baseline="0" smtClean="0">
+            <a:endParaRPr kumimoji="0" lang="en-US" sz="1600" b="1" i="0" u="none" strike="noStrike" cap="none" normalizeH="0" baseline="0">
               <a:ln>
                 <a:noFill/>
               </a:ln>
@@ -22587,7 +21859,7 @@
               <a:buNone/>
               <a:tabLst/>
             </a:pPr>
-            <a:endParaRPr kumimoji="0" lang="en-US" sz="1600" b="1" i="0" u="none" strike="noStrike" cap="none" normalizeH="0" baseline="0" smtClean="0">
+            <a:endParaRPr kumimoji="0" lang="en-US" sz="1600" b="1" i="0" u="none" strike="noStrike" cap="none" normalizeH="0" baseline="0">
               <a:ln>
                 <a:noFill/>
               </a:ln>
@@ -22660,7 +21932,7 @@
               <a:buNone/>
               <a:tabLst/>
             </a:pPr>
-            <a:endParaRPr kumimoji="0" lang="en-US" sz="1600" b="1" i="0" u="none" strike="noStrike" cap="none" normalizeH="0" baseline="0" smtClean="0">
+            <a:endParaRPr kumimoji="0" lang="en-US" sz="1600" b="1" i="0" u="none" strike="noStrike" cap="none" normalizeH="0" baseline="0">
               <a:ln>
                 <a:noFill/>
               </a:ln>
@@ -22733,7 +22005,7 @@
               <a:buNone/>
               <a:tabLst/>
             </a:pPr>
-            <a:endParaRPr kumimoji="0" lang="en-US" sz="1600" b="1" i="0" u="none" strike="noStrike" cap="none" normalizeH="0" baseline="0" smtClean="0">
+            <a:endParaRPr kumimoji="0" lang="en-US" sz="1600" b="1" i="0" u="none" strike="noStrike" cap="none" normalizeH="0" baseline="0">
               <a:ln>
                 <a:noFill/>
               </a:ln>
@@ -22806,7 +22078,7 @@
               <a:buNone/>
               <a:tabLst/>
             </a:pPr>
-            <a:endParaRPr kumimoji="0" lang="en-US" sz="1600" b="1" i="0" u="none" strike="noStrike" cap="none" normalizeH="0" baseline="0" smtClean="0">
+            <a:endParaRPr kumimoji="0" lang="en-US" sz="1600" b="1" i="0" u="none" strike="noStrike" cap="none" normalizeH="0" baseline="0">
               <a:ln>
                 <a:noFill/>
               </a:ln>
@@ -22879,7 +22151,7 @@
               <a:buNone/>
               <a:tabLst/>
             </a:pPr>
-            <a:endParaRPr kumimoji="0" lang="en-US" sz="1600" b="1" i="0" u="none" strike="noStrike" cap="none" normalizeH="0" baseline="0" smtClean="0">
+            <a:endParaRPr kumimoji="0" lang="en-US" sz="1600" b="1" i="0" u="none" strike="noStrike" cap="none" normalizeH="0" baseline="0">
               <a:ln>
                 <a:noFill/>
               </a:ln>
@@ -22916,16 +22188,12 @@
           <a:lstStyle/>
           <a:p>
             <a:r>
-              <a:rPr lang="en-US" dirty="0" smtClean="0">
+              <a:rPr lang="en-US" dirty="0">
                 <a:latin typeface="Times New Roman" panose="02020603050405020304" pitchFamily="18" charset="0"/>
                 <a:cs typeface="Times New Roman" panose="02020603050405020304" pitchFamily="18" charset="0"/>
               </a:rPr>
               <a:t>…</a:t>
             </a:r>
-            <a:endParaRPr lang="en-US" dirty="0">
-              <a:latin typeface="Times New Roman" panose="02020603050405020304" pitchFamily="18" charset="0"/>
-              <a:cs typeface="Times New Roman" panose="02020603050405020304" pitchFamily="18" charset="0"/>
-            </a:endParaRPr>
           </a:p>
         </p:txBody>
       </p:sp>
@@ -22952,16 +22220,12 @@
           <a:lstStyle/>
           <a:p>
             <a:r>
-              <a:rPr lang="en-US" dirty="0" smtClean="0">
+              <a:rPr lang="en-US" dirty="0">
                 <a:latin typeface="Times New Roman" panose="02020603050405020304" pitchFamily="18" charset="0"/>
                 <a:cs typeface="Times New Roman" panose="02020603050405020304" pitchFamily="18" charset="0"/>
               </a:rPr>
               <a:t>…</a:t>
             </a:r>
-            <a:endParaRPr lang="en-US" dirty="0">
-              <a:latin typeface="Times New Roman" panose="02020603050405020304" pitchFamily="18" charset="0"/>
-              <a:cs typeface="Times New Roman" panose="02020603050405020304" pitchFamily="18" charset="0"/>
-            </a:endParaRPr>
           </a:p>
         </p:txBody>
       </p:sp>
@@ -23181,7 +22445,7 @@
             <a:lstStyle/>
             <a:p>
               <a:r>
-                <a:rPr lang="en-US" dirty="0" err="1" smtClean="0">
+                <a:rPr lang="en-US" dirty="0" err="1">
                   <a:latin typeface="Times New Roman" panose="02020603050405020304" pitchFamily="18" charset="0"/>
                   <a:cs typeface="Times New Roman" panose="02020603050405020304" pitchFamily="18" charset="0"/>
                 </a:rPr>
@@ -23300,7 +22564,7 @@
             <a:lstStyle/>
             <a:p>
               <a:r>
-                <a:rPr lang="en-US" dirty="0" err="1" smtClean="0">
+                <a:rPr lang="en-US" dirty="0" err="1">
                   <a:latin typeface="Times New Roman" panose="02020603050405020304" pitchFamily="18" charset="0"/>
                   <a:cs typeface="Times New Roman" panose="02020603050405020304" pitchFamily="18" charset="0"/>
                 </a:rPr>
@@ -23385,7 +22649,7 @@
             <a:lstStyle/>
             <a:p>
               <a:r>
-                <a:rPr lang="en-US" dirty="0" err="1" smtClean="0">
+                <a:rPr lang="en-US" dirty="0" err="1">
                   <a:latin typeface="Times New Roman" panose="02020603050405020304" pitchFamily="18" charset="0"/>
                   <a:cs typeface="Times New Roman" panose="02020603050405020304" pitchFamily="18" charset="0"/>
                 </a:rPr>
@@ -23459,7 +22723,7 @@
               <a:tabLst/>
             </a:pPr>
             <a:r>
-              <a:rPr lang="en-US" dirty="0" smtClean="0">
+              <a:rPr lang="en-US" dirty="0">
                 <a:solidFill>
                   <a:schemeClr val="bg1"/>
                 </a:solidFill>
@@ -23468,7 +22732,7 @@
               </a:rPr>
               <a:t>Client</a:t>
             </a:r>
-            <a:endParaRPr kumimoji="0" lang="en-US" sz="1600" b="1" i="0" u="none" strike="noStrike" cap="none" normalizeH="0" baseline="0" dirty="0" smtClean="0">
+            <a:endParaRPr kumimoji="0" lang="en-US" sz="1600" b="1" i="0" u="none" strike="noStrike" cap="none" normalizeH="0" baseline="0" dirty="0">
               <a:ln>
                 <a:noFill/>
               </a:ln>
@@ -23505,16 +22769,12 @@
           <a:lstStyle/>
           <a:p>
             <a:r>
-              <a:rPr lang="en-US" sz="1400" b="0" dirty="0" smtClean="0">
+              <a:rPr lang="en-US" sz="1400" b="0" dirty="0">
                 <a:latin typeface="Times New Roman" panose="02020603050405020304" pitchFamily="18" charset="0"/>
                 <a:cs typeface="Times New Roman" panose="02020603050405020304" pitchFamily="18" charset="0"/>
               </a:rPr>
               <a:t>Records</a:t>
             </a:r>
-            <a:endParaRPr lang="en-US" sz="1400" b="0" dirty="0">
-              <a:latin typeface="Times New Roman" panose="02020603050405020304" pitchFamily="18" charset="0"/>
-              <a:cs typeface="Times New Roman" panose="02020603050405020304" pitchFamily="18" charset="0"/>
-            </a:endParaRPr>
           </a:p>
         </p:txBody>
       </p:sp>
@@ -23592,7 +22852,7 @@
                 <a:tabLst/>
               </a:pPr>
               <a:r>
-                <a:rPr kumimoji="0" lang="en-US" sz="1600" b="1" i="0" u="none" strike="noStrike" cap="none" normalizeH="0" baseline="0" dirty="0" smtClean="0">
+                <a:rPr kumimoji="0" lang="en-US" sz="1600" b="1" i="0" u="none" strike="noStrike" cap="none" normalizeH="0" baseline="0" dirty="0">
                   <a:ln>
                     <a:noFill/>
                   </a:ln>
@@ -23702,7 +22962,7 @@
                 <a:tabLst/>
               </a:pPr>
               <a:r>
-                <a:rPr lang="en-US" sz="1400" b="0" dirty="0" err="1" smtClean="0">
+                <a:rPr lang="en-US" sz="1400" b="0" dirty="0" err="1">
                   <a:solidFill>
                     <a:schemeClr val="bg1"/>
                   </a:solidFill>
@@ -23711,7 +22971,7 @@
                 </a:rPr>
                 <a:t>RecordReader</a:t>
               </a:r>
-              <a:endParaRPr kumimoji="0" lang="en-US" sz="1400" b="0" i="0" u="none" strike="noStrike" cap="none" normalizeH="0" baseline="0" dirty="0" smtClean="0">
+              <a:endParaRPr kumimoji="0" lang="en-US" sz="1400" b="0" i="0" u="none" strike="noStrike" cap="none" normalizeH="0" baseline="0" dirty="0">
                 <a:ln>
                   <a:noFill/>
                 </a:ln>
@@ -23800,7 +23060,7 @@
                 <a:tabLst/>
               </a:pPr>
               <a:r>
-                <a:rPr kumimoji="0" lang="en-US" sz="1600" b="1" i="0" u="none" strike="noStrike" cap="none" normalizeH="0" baseline="0" dirty="0" smtClean="0">
+                <a:rPr kumimoji="0" lang="en-US" sz="1600" b="1" i="0" u="none" strike="noStrike" cap="none" normalizeH="0" baseline="0" dirty="0">
                   <a:ln>
                     <a:noFill/>
                   </a:ln>
@@ -23910,7 +23170,7 @@
                 <a:tabLst/>
               </a:pPr>
               <a:r>
-                <a:rPr lang="en-US" sz="1400" b="0" dirty="0" err="1" smtClean="0">
+                <a:rPr lang="en-US" sz="1400" b="0" dirty="0" err="1">
                   <a:solidFill>
                     <a:schemeClr val="bg1"/>
                   </a:solidFill>
@@ -23919,7 +23179,7 @@
                 </a:rPr>
                 <a:t>RecordReader</a:t>
               </a:r>
-              <a:endParaRPr kumimoji="0" lang="en-US" sz="1400" b="0" i="0" u="none" strike="noStrike" cap="none" normalizeH="0" baseline="0" dirty="0" smtClean="0">
+              <a:endParaRPr kumimoji="0" lang="en-US" sz="1400" b="0" i="0" u="none" strike="noStrike" cap="none" normalizeH="0" baseline="0" dirty="0">
                 <a:ln>
                   <a:noFill/>
                 </a:ln>
@@ -24008,7 +23268,7 @@
                 <a:tabLst/>
               </a:pPr>
               <a:r>
-                <a:rPr kumimoji="0" lang="en-US" sz="1600" b="1" i="0" u="none" strike="noStrike" cap="none" normalizeH="0" baseline="0" dirty="0" smtClean="0">
+                <a:rPr kumimoji="0" lang="en-US" sz="1600" b="1" i="0" u="none" strike="noStrike" cap="none" normalizeH="0" baseline="0" dirty="0">
                   <a:ln>
                     <a:noFill/>
                   </a:ln>
@@ -24118,7 +23378,7 @@
                 <a:tabLst/>
               </a:pPr>
               <a:r>
-                <a:rPr lang="en-US" sz="1400" b="0" dirty="0" err="1" smtClean="0">
+                <a:rPr lang="en-US" sz="1400" b="0" dirty="0" err="1">
                   <a:solidFill>
                     <a:schemeClr val="bg1"/>
                   </a:solidFill>
@@ -24127,7 +23387,7 @@
                 </a:rPr>
                 <a:t>RecordReader</a:t>
               </a:r>
-              <a:endParaRPr kumimoji="0" lang="en-US" sz="1400" b="0" i="0" u="none" strike="noStrike" cap="none" normalizeH="0" baseline="0" dirty="0" smtClean="0">
+              <a:endParaRPr kumimoji="0" lang="en-US" sz="1400" b="0" i="0" u="none" strike="noStrike" cap="none" normalizeH="0" baseline="0" dirty="0">
                 <a:ln>
                   <a:noFill/>
                 </a:ln>
@@ -24152,14 +23412,6 @@
   <p:clrMapOvr>
     <a:masterClrMapping/>
   </p:clrMapOvr>
-  <mc:AlternateContent xmlns:mc="http://schemas.openxmlformats.org/markup-compatibility/2006" xmlns:p14="http://schemas.microsoft.com/office/powerpoint/2010/main">
-    <mc:Choice Requires="p14">
-      <p:transition spd="slow" p14:dur="2000"/>
-    </mc:Choice>
-    <mc:Fallback xmlns="">
-      <p:transition spd="slow"/>
-    </mc:Fallback>
-  </mc:AlternateContent>
   <p:timing>
     <p:tnLst>
       <p:par>
@@ -24627,18 +23879,10 @@
                   <a:schemeClr val="bg2"/>
                 </a:solidFill>
               </a:rPr>
-              <a:t>Source: </a:t>
-            </a:r>
-            <a:r>
-              <a:rPr lang="en-US" sz="1000" b="0" dirty="0" smtClean="0">
-                <a:solidFill>
-                  <a:schemeClr val="bg2"/>
-                </a:solidFill>
-              </a:rPr>
-              <a:t>redrawn from a slide by </a:t>
-            </a:r>
-            <a:r>
-              <a:rPr lang="en-US" sz="1000" b="0" dirty="0" err="1" smtClean="0">
+              <a:t>Source: redrawn from a slide by </a:t>
+            </a:r>
+            <a:r>
+              <a:rPr lang="en-US" sz="1000" b="0" dirty="0" err="1">
                 <a:solidFill>
                   <a:schemeClr val="bg2"/>
                 </a:solidFill>
@@ -24646,18 +23890,13 @@
               <a:t>Cloduera</a:t>
             </a:r>
             <a:r>
-              <a:rPr lang="en-US" sz="1000" b="0" dirty="0" smtClean="0">
+              <a:rPr lang="en-US" sz="1000" b="0" dirty="0">
                 <a:solidFill>
                   <a:schemeClr val="bg2"/>
                 </a:solidFill>
               </a:rPr>
               <a:t>, cc-licensed</a:t>
             </a:r>
-            <a:endParaRPr lang="en-US" sz="1000" b="0" dirty="0">
-              <a:solidFill>
-                <a:schemeClr val="bg2"/>
-              </a:solidFill>
-            </a:endParaRPr>
           </a:p>
         </p:txBody>
       </p:sp>
@@ -24721,7 +23960,7 @@
               <a:tabLst/>
             </a:pPr>
             <a:r>
-              <a:rPr kumimoji="0" lang="en-US" sz="1200" i="0" u="none" strike="noStrike" cap="none" normalizeH="0" baseline="0" dirty="0" smtClean="0">
+              <a:rPr kumimoji="0" lang="en-US" sz="1200" i="0" u="none" strike="noStrike" cap="none" normalizeH="0" baseline="0" dirty="0">
                 <a:ln>
                   <a:noFill/>
                 </a:ln>
@@ -24830,7 +24069,7 @@
               <a:tabLst/>
             </a:pPr>
             <a:r>
-              <a:rPr kumimoji="0" lang="en-US" sz="1200" i="0" u="none" strike="noStrike" cap="none" normalizeH="0" baseline="0" dirty="0" smtClean="0">
+              <a:rPr kumimoji="0" lang="en-US" sz="1200" i="0" u="none" strike="noStrike" cap="none" normalizeH="0" baseline="0" dirty="0">
                 <a:ln>
                   <a:noFill/>
                 </a:ln>
@@ -24939,7 +24178,7 @@
               <a:tabLst/>
             </a:pPr>
             <a:r>
-              <a:rPr kumimoji="0" lang="en-US" sz="1200" i="0" u="none" strike="noStrike" cap="none" normalizeH="0" baseline="0" dirty="0" smtClean="0">
+              <a:rPr kumimoji="0" lang="en-US" sz="1200" i="0" u="none" strike="noStrike" cap="none" normalizeH="0" baseline="0" dirty="0">
                 <a:ln>
                   <a:noFill/>
                 </a:ln>
@@ -25048,7 +24287,7 @@
               <a:tabLst/>
             </a:pPr>
             <a:r>
-              <a:rPr kumimoji="0" lang="en-US" sz="1200" i="0" u="none" strike="noStrike" cap="none" normalizeH="0" baseline="0" dirty="0" smtClean="0">
+              <a:rPr kumimoji="0" lang="en-US" sz="1200" i="0" u="none" strike="noStrike" cap="none" normalizeH="0" baseline="0" dirty="0">
                 <a:ln>
                   <a:noFill/>
                 </a:ln>
@@ -25157,7 +24396,7 @@
               <a:tabLst/>
             </a:pPr>
             <a:r>
-              <a:rPr kumimoji="0" lang="en-US" sz="1200" i="0" u="none" strike="noStrike" cap="none" normalizeH="0" baseline="0" dirty="0" smtClean="0">
+              <a:rPr kumimoji="0" lang="en-US" sz="1200" i="0" u="none" strike="noStrike" cap="none" normalizeH="0" baseline="0" dirty="0">
                 <a:ln>
                   <a:noFill/>
                 </a:ln>
@@ -25266,7 +24505,7 @@
               <a:tabLst/>
             </a:pPr>
             <a:r>
-              <a:rPr kumimoji="0" lang="en-US" sz="1200" i="0" u="none" strike="noStrike" cap="none" normalizeH="0" baseline="0" dirty="0" smtClean="0">
+              <a:rPr kumimoji="0" lang="en-US" sz="1200" i="0" u="none" strike="noStrike" cap="none" normalizeH="0" baseline="0" dirty="0">
                 <a:ln>
                   <a:noFill/>
                 </a:ln>
@@ -25360,7 +24599,7 @@
           <a:p>
             <a:pPr algn="ctr"/>
             <a:r>
-              <a:rPr lang="en-US" sz="1200" dirty="0" smtClean="0">
+              <a:rPr lang="en-US" sz="1200" dirty="0">
                 <a:solidFill>
                   <a:schemeClr val="bg2"/>
                 </a:solidFill>
@@ -25450,7 +24689,7 @@
           <a:p>
             <a:pPr algn="ctr"/>
             <a:r>
-              <a:rPr lang="en-US" sz="1200" dirty="0" smtClean="0">
+              <a:rPr lang="en-US" sz="1200" dirty="0">
                 <a:solidFill>
                   <a:schemeClr val="bg2"/>
                 </a:solidFill>
@@ -25540,7 +24779,7 @@
           <a:p>
             <a:pPr algn="ctr"/>
             <a:r>
-              <a:rPr lang="en-US" sz="1200" dirty="0" smtClean="0">
+              <a:rPr lang="en-US" sz="1200" dirty="0">
                 <a:solidFill>
                   <a:schemeClr val="bg2"/>
                 </a:solidFill>
@@ -25630,7 +24869,7 @@
           <a:p>
             <a:pPr algn="ctr"/>
             <a:r>
-              <a:rPr lang="en-US" sz="1200" dirty="0" smtClean="0">
+              <a:rPr lang="en-US" sz="1200" dirty="0">
                 <a:solidFill>
                   <a:schemeClr val="bg2"/>
                 </a:solidFill>
@@ -25698,10 +24937,9 @@
           <a:lstStyle/>
           <a:p>
             <a:r>
-              <a:rPr lang="en-US" sz="1200" dirty="0" smtClean="0"/>
+              <a:rPr lang="en-US" sz="1200" dirty="0"/>
               <a:t>Intermediates</a:t>
             </a:r>
-            <a:endParaRPr lang="en-US" sz="1200" dirty="0"/>
           </a:p>
         </p:txBody>
       </p:sp>
@@ -25728,10 +24966,9 @@
           <a:lstStyle/>
           <a:p>
             <a:r>
-              <a:rPr lang="en-US" sz="1200" dirty="0" smtClean="0"/>
+              <a:rPr lang="en-US" sz="1200" dirty="0"/>
               <a:t>Intermediates</a:t>
             </a:r>
-            <a:endParaRPr lang="en-US" sz="1200" dirty="0"/>
           </a:p>
         </p:txBody>
       </p:sp>
@@ -25758,10 +24995,9 @@
           <a:lstStyle/>
           <a:p>
             <a:r>
-              <a:rPr lang="en-US" sz="1200" dirty="0" smtClean="0"/>
+              <a:rPr lang="en-US" sz="1200" dirty="0"/>
               <a:t>Intermediates</a:t>
             </a:r>
-            <a:endParaRPr lang="en-US" sz="1200" dirty="0"/>
           </a:p>
         </p:txBody>
       </p:sp>
@@ -25788,10 +25024,9 @@
           <a:lstStyle/>
           <a:p>
             <a:r>
-              <a:rPr lang="en-US" sz="1200" dirty="0" smtClean="0"/>
+              <a:rPr lang="en-US" sz="1200" dirty="0"/>
               <a:t>Intermediates</a:t>
             </a:r>
-            <a:endParaRPr lang="en-US" sz="1200" dirty="0"/>
           </a:p>
         </p:txBody>
       </p:sp>
@@ -25818,10 +25053,9 @@
           <a:lstStyle/>
           <a:p>
             <a:r>
-              <a:rPr lang="en-US" sz="1200" dirty="0" smtClean="0"/>
+              <a:rPr lang="en-US" sz="1200" dirty="0"/>
               <a:t>Intermediates</a:t>
             </a:r>
-            <a:endParaRPr lang="en-US" sz="1200" dirty="0"/>
           </a:p>
         </p:txBody>
       </p:sp>
@@ -25885,7 +25119,7 @@
               <a:tabLst/>
             </a:pPr>
             <a:r>
-              <a:rPr kumimoji="0" lang="en-US" sz="1200" i="0" u="none" strike="noStrike" cap="none" normalizeH="0" baseline="0" dirty="0" smtClean="0">
+              <a:rPr kumimoji="0" lang="en-US" sz="1200" i="0" u="none" strike="noStrike" cap="none" normalizeH="0" baseline="0" dirty="0">
                 <a:ln>
                   <a:noFill/>
                 </a:ln>
@@ -25979,7 +25213,7 @@
           <a:p>
             <a:pPr algn="ctr"/>
             <a:r>
-              <a:rPr lang="en-US" sz="1200" dirty="0" smtClean="0">
+              <a:rPr lang="en-US" sz="1200" dirty="0">
                 <a:solidFill>
                   <a:schemeClr val="bg2"/>
                 </a:solidFill>
@@ -26069,7 +25303,7 @@
           <a:p>
             <a:pPr algn="ctr"/>
             <a:r>
-              <a:rPr lang="en-US" sz="1200" dirty="0" smtClean="0">
+              <a:rPr lang="en-US" sz="1200" dirty="0">
                 <a:solidFill>
                   <a:schemeClr val="bg2"/>
                 </a:solidFill>
@@ -26137,10 +25371,9 @@
           <a:lstStyle/>
           <a:p>
             <a:r>
-              <a:rPr lang="en-US" sz="1200" dirty="0" smtClean="0"/>
+              <a:rPr lang="en-US" sz="1200" dirty="0"/>
               <a:t>Intermediates</a:t>
             </a:r>
-            <a:endParaRPr lang="en-US" sz="1200" dirty="0"/>
           </a:p>
         </p:txBody>
       </p:sp>
@@ -26167,10 +25400,9 @@
           <a:lstStyle/>
           <a:p>
             <a:r>
-              <a:rPr lang="en-US" sz="1200" dirty="0" smtClean="0"/>
+              <a:rPr lang="en-US" sz="1200" dirty="0"/>
               <a:t>Intermediates</a:t>
             </a:r>
-            <a:endParaRPr lang="en-US" sz="1200" dirty="0"/>
           </a:p>
         </p:txBody>
       </p:sp>
@@ -26197,10 +25429,9 @@
           <a:lstStyle/>
           <a:p>
             <a:r>
-              <a:rPr lang="en-US" sz="1200" dirty="0" smtClean="0"/>
+              <a:rPr lang="en-US" sz="1200" dirty="0"/>
               <a:t>Intermediates</a:t>
             </a:r>
-            <a:endParaRPr lang="en-US" sz="1200" dirty="0"/>
           </a:p>
         </p:txBody>
       </p:sp>
@@ -26763,10 +25994,9 @@
           <a:lstStyle/>
           <a:p>
             <a:r>
-              <a:rPr lang="en-US" sz="1100" dirty="0" smtClean="0"/>
+              <a:rPr lang="en-US" sz="1100" dirty="0"/>
               <a:t>(combiners omitted here)</a:t>
             </a:r>
-            <a:endParaRPr lang="en-US" sz="1100" dirty="0"/>
           </a:p>
         </p:txBody>
       </p:sp>
@@ -26780,21 +26010,6 @@
   <p:clrMapOvr>
     <a:masterClrMapping/>
   </p:clrMapOvr>
-  <mc:AlternateContent xmlns:mc="http://schemas.openxmlformats.org/markup-compatibility/2006" xmlns:p14="http://schemas.microsoft.com/office/powerpoint/2010/main">
-    <mc:Choice Requires="p14">
-      <p:transition p14:dur="0"/>
-    </mc:Choice>
-    <mc:Fallback xmlns="">
-      <p:transition xmlns:p14="http://schemas.microsoft.com/office/powerpoint/2010/main"/>
-    </mc:Fallback>
-  </mc:AlternateContent>
-  <p:timing>
-    <p:tnLst>
-      <p:par>
-        <p:cTn id="1" dur="indefinite" restart="never" nodeType="tmRoot"/>
-      </p:par>
-    </p:tnLst>
-  </p:timing>
 </p:sld>
 </file>
 
@@ -26851,18 +26066,10 @@
                   <a:schemeClr val="bg2"/>
                 </a:solidFill>
               </a:rPr>
-              <a:t>Source: </a:t>
-            </a:r>
-            <a:r>
-              <a:rPr lang="en-US" sz="1000" b="0" dirty="0" smtClean="0">
-                <a:solidFill>
-                  <a:schemeClr val="bg2"/>
-                </a:solidFill>
-              </a:rPr>
-              <a:t>redrawn from a slide by </a:t>
-            </a:r>
-            <a:r>
-              <a:rPr lang="en-US" sz="1000" b="0" dirty="0" err="1" smtClean="0">
+              <a:t>Source: redrawn from a slide by </a:t>
+            </a:r>
+            <a:r>
+              <a:rPr lang="en-US" sz="1000" b="0" dirty="0" err="1">
                 <a:solidFill>
                   <a:schemeClr val="bg2"/>
                 </a:solidFill>
@@ -26870,18 +26077,13 @@
               <a:t>Cloduera</a:t>
             </a:r>
             <a:r>
-              <a:rPr lang="en-US" sz="1000" b="0" dirty="0" smtClean="0">
+              <a:rPr lang="en-US" sz="1000" b="0" dirty="0">
                 <a:solidFill>
                   <a:schemeClr val="bg2"/>
                 </a:solidFill>
               </a:rPr>
               <a:t>, cc-licensed</a:t>
             </a:r>
-            <a:endParaRPr lang="en-US" sz="1000" b="0" dirty="0">
-              <a:solidFill>
-                <a:schemeClr val="bg2"/>
-              </a:solidFill>
-            </a:endParaRPr>
           </a:p>
         </p:txBody>
       </p:sp>
@@ -26945,7 +26147,7 @@
               <a:tabLst/>
             </a:pPr>
             <a:r>
-              <a:rPr kumimoji="0" lang="en-US" sz="1200" i="0" u="none" strike="noStrike" cap="none" normalizeH="0" baseline="0" dirty="0" smtClean="0">
+              <a:rPr kumimoji="0" lang="en-US" sz="1200" i="0" u="none" strike="noStrike" cap="none" normalizeH="0" baseline="0" dirty="0">
                 <a:ln>
                   <a:noFill/>
                 </a:ln>
@@ -27005,7 +26207,7 @@
           <a:p>
             <a:pPr algn="ctr"/>
             <a:r>
-              <a:rPr lang="en-US" sz="1200" dirty="0" smtClean="0">
+              <a:rPr lang="en-US" sz="1200" dirty="0">
                 <a:solidFill>
                   <a:schemeClr val="bg2"/>
                 </a:solidFill>
@@ -27061,7 +26263,7 @@
           <a:p>
             <a:pPr algn="ctr"/>
             <a:r>
-              <a:rPr lang="en-US" sz="1200" dirty="0" smtClean="0">
+              <a:rPr lang="en-US" sz="1200" dirty="0">
                 <a:solidFill>
                   <a:schemeClr val="bg2"/>
                 </a:solidFill>
@@ -27129,7 +26331,7 @@
               <a:buNone/>
               <a:tabLst/>
             </a:pPr>
-            <a:endParaRPr kumimoji="0" lang="en-US" sz="1600" b="1" i="0" u="none" strike="noStrike" cap="none" normalizeH="0" baseline="0" smtClean="0">
+            <a:endParaRPr kumimoji="0" lang="en-US" sz="1600" b="1" i="0" u="none" strike="noStrike" cap="none" normalizeH="0" baseline="0">
               <a:ln>
                 <a:noFill/>
               </a:ln>
@@ -27187,7 +26389,7 @@
           <a:p>
             <a:pPr algn="ctr"/>
             <a:r>
-              <a:rPr lang="en-US" sz="1200" dirty="0" smtClean="0">
+              <a:rPr lang="en-US" sz="1200" dirty="0">
                 <a:solidFill>
                   <a:schemeClr val="bg2"/>
                 </a:solidFill>
@@ -27258,7 +26460,7 @@
               <a:tabLst/>
             </a:pPr>
             <a:r>
-              <a:rPr kumimoji="0" lang="en-US" sz="1200" i="0" u="none" strike="noStrike" cap="none" normalizeH="0" baseline="0" dirty="0" err="1" smtClean="0">
+              <a:rPr kumimoji="0" lang="en-US" sz="1200" i="0" u="none" strike="noStrike" cap="none" normalizeH="0" baseline="0" dirty="0" err="1">
                 <a:ln>
                   <a:noFill/>
                 </a:ln>
@@ -27270,7 +26472,7 @@
               </a:rPr>
               <a:t>RecordWriter</a:t>
             </a:r>
-            <a:endParaRPr kumimoji="0" lang="en-US" sz="1200" i="0" u="none" strike="noStrike" cap="none" normalizeH="0" baseline="0" dirty="0" smtClean="0">
+            <a:endParaRPr kumimoji="0" lang="en-US" sz="1200" i="0" u="none" strike="noStrike" cap="none" normalizeH="0" baseline="0" dirty="0">
               <a:ln>
                 <a:noFill/>
               </a:ln>
@@ -27374,7 +26576,7 @@
           <a:lstStyle/>
           <a:p>
             <a:r>
-              <a:rPr lang="en-US" sz="1400" dirty="0" err="1" smtClean="0"/>
+              <a:rPr lang="en-US" sz="1400" dirty="0" err="1"/>
               <a:t>OutputFormat</a:t>
             </a:r>
             <a:endParaRPr lang="en-US" sz="1400" dirty="0"/>
@@ -27426,7 +26628,7 @@
           <a:p>
             <a:pPr algn="ctr"/>
             <a:r>
-              <a:rPr lang="en-US" sz="1200" dirty="0" smtClean="0">
+              <a:rPr lang="en-US" sz="1200" dirty="0">
                 <a:solidFill>
                   <a:schemeClr val="bg2"/>
                 </a:solidFill>
@@ -27497,7 +26699,7 @@
               <a:tabLst/>
             </a:pPr>
             <a:r>
-              <a:rPr kumimoji="0" lang="en-US" sz="1200" i="0" u="none" strike="noStrike" cap="none" normalizeH="0" baseline="0" dirty="0" err="1" smtClean="0">
+              <a:rPr kumimoji="0" lang="en-US" sz="1200" i="0" u="none" strike="noStrike" cap="none" normalizeH="0" baseline="0" dirty="0" err="1">
                 <a:ln>
                   <a:noFill/>
                 </a:ln>
@@ -27509,7 +26711,7 @@
               </a:rPr>
               <a:t>RecordWriter</a:t>
             </a:r>
-            <a:endParaRPr kumimoji="0" lang="en-US" sz="1200" i="0" u="none" strike="noStrike" cap="none" normalizeH="0" baseline="0" dirty="0" smtClean="0">
+            <a:endParaRPr kumimoji="0" lang="en-US" sz="1200" i="0" u="none" strike="noStrike" cap="none" normalizeH="0" baseline="0" dirty="0">
               <a:ln>
                 <a:noFill/>
               </a:ln>
@@ -27635,7 +26837,7 @@
           <a:p>
             <a:pPr algn="ctr"/>
             <a:r>
-              <a:rPr lang="en-US" sz="1200" dirty="0" smtClean="0">
+              <a:rPr lang="en-US" sz="1200" dirty="0">
                 <a:solidFill>
                   <a:schemeClr val="bg2"/>
                 </a:solidFill>
@@ -27706,7 +26908,7 @@
               <a:tabLst/>
             </a:pPr>
             <a:r>
-              <a:rPr kumimoji="0" lang="en-US" sz="1200" i="0" u="none" strike="noStrike" cap="none" normalizeH="0" baseline="0" dirty="0" err="1" smtClean="0">
+              <a:rPr kumimoji="0" lang="en-US" sz="1200" i="0" u="none" strike="noStrike" cap="none" normalizeH="0" baseline="0" dirty="0" err="1">
                 <a:ln>
                   <a:noFill/>
                 </a:ln>
@@ -27718,7 +26920,7 @@
               </a:rPr>
               <a:t>RecordWriter</a:t>
             </a:r>
-            <a:endParaRPr kumimoji="0" lang="en-US" sz="1200" i="0" u="none" strike="noStrike" cap="none" normalizeH="0" baseline="0" dirty="0" smtClean="0">
+            <a:endParaRPr kumimoji="0" lang="en-US" sz="1200" i="0" u="none" strike="noStrike" cap="none" normalizeH="0" baseline="0" dirty="0">
               <a:ln>
                 <a:noFill/>
               </a:ln>
@@ -27809,21 +27011,6 @@
   <p:clrMapOvr>
     <a:masterClrMapping/>
   </p:clrMapOvr>
-  <mc:AlternateContent xmlns:mc="http://schemas.openxmlformats.org/markup-compatibility/2006" xmlns:p14="http://schemas.microsoft.com/office/powerpoint/2010/main">
-    <mc:Choice Requires="p14">
-      <p:transition p14:dur="0"/>
-    </mc:Choice>
-    <mc:Fallback xmlns="">
-      <p:transition xmlns:p14="http://schemas.microsoft.com/office/powerpoint/2010/main"/>
-    </mc:Fallback>
-  </mc:AlternateContent>
-  <p:timing>
-    <p:tnLst>
-      <p:par>
-        <p:cTn id="1" dur="indefinite" restart="never" nodeType="tmRoot"/>
-      </p:par>
-    </p:tnLst>
-  </p:timing>
 </p:sld>
 </file>
 
@@ -27860,10 +27047,9 @@
           <a:lstStyle/>
           <a:p>
             <a:r>
-              <a:rPr lang="en-US" dirty="0" smtClean="0"/>
+              <a:rPr lang="en-US" dirty="0"/>
               <a:t>Shuffle and Sort in Hadoop</a:t>
             </a:r>
-            <a:endParaRPr lang="en-US" dirty="0"/>
           </a:p>
         </p:txBody>
       </p:sp>
@@ -27885,64 +27071,63 @@
           <a:lstStyle/>
           <a:p>
             <a:r>
-              <a:rPr lang="en-US" dirty="0" smtClean="0"/>
+              <a:rPr lang="en-US" dirty="0"/>
               <a:t>Probably the most complex aspect of MapReduce</a:t>
             </a:r>
           </a:p>
           <a:p>
             <a:r>
-              <a:rPr lang="en-US" dirty="0" smtClean="0"/>
+              <a:rPr lang="en-US" dirty="0"/>
               <a:t>Map side</a:t>
             </a:r>
           </a:p>
           <a:p>
             <a:pPr lvl="1"/>
             <a:r>
-              <a:rPr lang="en-US" dirty="0" smtClean="0"/>
+              <a:rPr lang="en-US" dirty="0"/>
               <a:t>Map outputs are buffered in memory in a circular buffer</a:t>
             </a:r>
           </a:p>
           <a:p>
             <a:pPr lvl="1"/>
             <a:r>
-              <a:rPr lang="en-US" dirty="0" smtClean="0"/>
+              <a:rPr lang="en-US" dirty="0"/>
               <a:t>When buffer reaches threshold, contents are “spilled” to disk</a:t>
             </a:r>
           </a:p>
           <a:p>
             <a:pPr lvl="1"/>
             <a:r>
-              <a:rPr lang="en-US" dirty="0" smtClean="0"/>
+              <a:rPr lang="en-US" dirty="0"/>
               <a:t>Spills merged in a single, partitioned file (sorted within each partition): combiner runs during the merges</a:t>
             </a:r>
           </a:p>
           <a:p>
             <a:r>
-              <a:rPr lang="en-US" dirty="0" smtClean="0"/>
+              <a:rPr lang="en-US" dirty="0"/>
               <a:t>Reduce side</a:t>
             </a:r>
           </a:p>
           <a:p>
             <a:pPr lvl="1"/>
             <a:r>
-              <a:rPr lang="en-US" dirty="0" smtClean="0"/>
+              <a:rPr lang="en-US" dirty="0"/>
               <a:t>First, map outputs are copied over to reducer machine</a:t>
             </a:r>
           </a:p>
           <a:p>
             <a:pPr lvl="1"/>
             <a:r>
-              <a:rPr lang="en-US" dirty="0" smtClean="0"/>
+              <a:rPr lang="en-US" dirty="0"/>
               <a:t>“Sort” is a multi-pass merge of map outputs (happens in memory and on disk): combiner runs during the merges</a:t>
             </a:r>
           </a:p>
           <a:p>
             <a:pPr lvl="1"/>
             <a:r>
-              <a:rPr lang="en-US" dirty="0" smtClean="0"/>
+              <a:rPr lang="en-US" dirty="0"/>
               <a:t>Final merge pass goes directly into reducer</a:t>
             </a:r>
-            <a:endParaRPr lang="en-US" dirty="0"/>
           </a:p>
         </p:txBody>
       </p:sp>
@@ -27956,21 +27141,6 @@
   <p:clrMapOvr>
     <a:masterClrMapping/>
   </p:clrMapOvr>
-  <mc:AlternateContent xmlns:mc="http://schemas.openxmlformats.org/markup-compatibility/2006" xmlns:p14="http://schemas.microsoft.com/office/powerpoint/2010/main">
-    <mc:Choice Requires="p14">
-      <p:transition spd="slow" p14:dur="2000"/>
-    </mc:Choice>
-    <mc:Fallback xmlns="">
-      <p:transition spd="slow"/>
-    </mc:Fallback>
-  </mc:AlternateContent>
-  <p:timing>
-    <p:tnLst>
-      <p:par>
-        <p:cTn id="1" dur="indefinite" restart="never" nodeType="tmRoot"/>
-      </p:par>
-    </p:tnLst>
-  </p:timing>
 </p:sld>
 </file>
 
@@ -28007,10 +27177,9 @@
           <a:lstStyle/>
           <a:p>
             <a:r>
-              <a:rPr lang="en-US" dirty="0" smtClean="0"/>
+              <a:rPr lang="en-US" dirty="0"/>
               <a:t>Shuffle and Sort</a:t>
             </a:r>
-            <a:endParaRPr lang="en-US" dirty="0"/>
           </a:p>
         </p:txBody>
       </p:sp>
@@ -28074,7 +27243,7 @@
               <a:tabLst/>
             </a:pPr>
             <a:r>
-              <a:rPr kumimoji="0" lang="en-US" sz="1400" i="0" u="none" strike="noStrike" cap="none" normalizeH="0" baseline="0" dirty="0" smtClean="0">
+              <a:rPr kumimoji="0" lang="en-US" sz="1400" i="0" u="none" strike="noStrike" cap="none" normalizeH="0" baseline="0" dirty="0">
                 <a:ln>
                   <a:noFill/>
                 </a:ln>
@@ -28150,7 +27319,7 @@
               <a:tabLst/>
             </a:pPr>
             <a:r>
-              <a:rPr kumimoji="0" lang="en-US" sz="1400" i="0" u="none" strike="noStrike" cap="none" normalizeH="0" baseline="0" dirty="0" smtClean="0">
+              <a:rPr kumimoji="0" lang="en-US" sz="1400" i="0" u="none" strike="noStrike" cap="none" normalizeH="0" baseline="0" dirty="0">
                 <a:ln>
                   <a:noFill/>
                 </a:ln>
@@ -28239,7 +27408,7 @@
                 <a:buNone/>
                 <a:tabLst/>
               </a:pPr>
-              <a:endParaRPr kumimoji="0" lang="en-US" sz="1800" b="1" i="0" u="none" strike="noStrike" cap="none" normalizeH="0" baseline="0" smtClean="0">
+              <a:endParaRPr kumimoji="0" lang="en-US" sz="1800" b="1" i="0" u="none" strike="noStrike" cap="none" normalizeH="0" baseline="0">
                 <a:ln>
                   <a:noFill/>
                 </a:ln>
@@ -28315,7 +27484,7 @@
                 <a:buNone/>
                 <a:tabLst/>
               </a:pPr>
-              <a:endParaRPr kumimoji="0" lang="en-US" sz="1800" b="1" i="0" u="none" strike="noStrike" cap="none" normalizeH="0" baseline="0" smtClean="0">
+              <a:endParaRPr kumimoji="0" lang="en-US" sz="1800" b="1" i="0" u="none" strike="noStrike" cap="none" normalizeH="0" baseline="0">
                 <a:ln>
                   <a:noFill/>
                 </a:ln>
@@ -28389,7 +27558,7 @@
               <a:buNone/>
               <a:tabLst/>
             </a:pPr>
-            <a:endParaRPr kumimoji="0" lang="en-US" sz="1800" b="1" i="0" u="none" strike="noStrike" cap="none" normalizeH="0" baseline="0" smtClean="0">
+            <a:endParaRPr kumimoji="0" lang="en-US" sz="1800" b="1" i="0" u="none" strike="noStrike" cap="none" normalizeH="0" baseline="0">
               <a:ln>
                 <a:noFill/>
               </a:ln>
@@ -28462,7 +27631,7 @@
               <a:buNone/>
               <a:tabLst/>
             </a:pPr>
-            <a:endParaRPr kumimoji="0" lang="en-US" sz="1800" b="1" i="0" u="none" strike="noStrike" cap="none" normalizeH="0" baseline="0" smtClean="0">
+            <a:endParaRPr kumimoji="0" lang="en-US" sz="1800" b="1" i="0" u="none" strike="noStrike" cap="none" normalizeH="0" baseline="0">
               <a:ln>
                 <a:noFill/>
               </a:ln>
@@ -28535,7 +27704,7 @@
               <a:buNone/>
               <a:tabLst/>
             </a:pPr>
-            <a:endParaRPr kumimoji="0" lang="en-US" sz="1800" b="1" i="0" u="none" strike="noStrike" cap="none" normalizeH="0" baseline="0" smtClean="0">
+            <a:endParaRPr kumimoji="0" lang="en-US" sz="1800" b="1" i="0" u="none" strike="noStrike" cap="none" normalizeH="0" baseline="0">
               <a:ln>
                 <a:noFill/>
               </a:ln>
@@ -28608,7 +27777,7 @@
               <a:buNone/>
               <a:tabLst/>
             </a:pPr>
-            <a:endParaRPr kumimoji="0" lang="en-US" sz="1800" b="1" i="0" u="none" strike="noStrike" cap="none" normalizeH="0" baseline="0" smtClean="0">
+            <a:endParaRPr kumimoji="0" lang="en-US" sz="1800" b="1" i="0" u="none" strike="noStrike" cap="none" normalizeH="0" baseline="0">
               <a:ln>
                 <a:noFill/>
               </a:ln>
@@ -28681,7 +27850,7 @@
               <a:buNone/>
               <a:tabLst/>
             </a:pPr>
-            <a:endParaRPr kumimoji="0" lang="en-US" sz="1800" b="1" i="0" u="none" strike="noStrike" cap="none" normalizeH="0" baseline="0" smtClean="0">
+            <a:endParaRPr kumimoji="0" lang="en-US" sz="1800" b="1" i="0" u="none" strike="noStrike" cap="none" normalizeH="0" baseline="0">
               <a:ln>
                 <a:noFill/>
               </a:ln>
@@ -28754,7 +27923,7 @@
               <a:buNone/>
               <a:tabLst/>
             </a:pPr>
-            <a:endParaRPr kumimoji="0" lang="en-US" sz="1800" b="1" i="0" u="none" strike="noStrike" cap="none" normalizeH="0" baseline="0" smtClean="0">
+            <a:endParaRPr kumimoji="0" lang="en-US" sz="1800" b="1" i="0" u="none" strike="noStrike" cap="none" normalizeH="0" baseline="0">
               <a:ln>
                 <a:noFill/>
               </a:ln>
@@ -28827,7 +27996,7 @@
               <a:buNone/>
               <a:tabLst/>
             </a:pPr>
-            <a:endParaRPr kumimoji="0" lang="en-US" sz="1800" b="1" i="0" u="none" strike="noStrike" cap="none" normalizeH="0" baseline="0" smtClean="0">
+            <a:endParaRPr kumimoji="0" lang="en-US" sz="1800" b="1" i="0" u="none" strike="noStrike" cap="none" normalizeH="0" baseline="0">
               <a:ln>
                 <a:noFill/>
               </a:ln>
@@ -28900,7 +28069,7 @@
               <a:buNone/>
               <a:tabLst/>
             </a:pPr>
-            <a:endParaRPr kumimoji="0" lang="en-US" sz="1800" b="1" i="0" u="none" strike="noStrike" cap="none" normalizeH="0" baseline="0" smtClean="0">
+            <a:endParaRPr kumimoji="0" lang="en-US" sz="1800" b="1" i="0" u="none" strike="noStrike" cap="none" normalizeH="0" baseline="0">
               <a:ln>
                 <a:noFill/>
               </a:ln>
@@ -28973,7 +28142,7 @@
               <a:buNone/>
               <a:tabLst/>
             </a:pPr>
-            <a:endParaRPr kumimoji="0" lang="en-US" sz="1800" b="1" i="0" u="none" strike="noStrike" cap="none" normalizeH="0" baseline="0" smtClean="0">
+            <a:endParaRPr kumimoji="0" lang="en-US" sz="1800" b="1" i="0" u="none" strike="noStrike" cap="none" normalizeH="0" baseline="0">
               <a:ln>
                 <a:noFill/>
               </a:ln>
@@ -29046,7 +28215,7 @@
               <a:buNone/>
               <a:tabLst/>
             </a:pPr>
-            <a:endParaRPr kumimoji="0" lang="en-US" sz="1800" b="1" i="0" u="none" strike="noStrike" cap="none" normalizeH="0" baseline="0" smtClean="0">
+            <a:endParaRPr kumimoji="0" lang="en-US" sz="1800" b="1" i="0" u="none" strike="noStrike" cap="none" normalizeH="0" baseline="0">
               <a:ln>
                 <a:noFill/>
               </a:ln>
@@ -29362,14 +28531,14 @@
           <a:lstStyle/>
           <a:p>
             <a:r>
-              <a:rPr lang="en-US" sz="1800" b="0" dirty="0" smtClean="0">
+              <a:rPr lang="en-US" sz="1800" b="0" dirty="0">
                 <a:latin typeface="Times New Roman" panose="02020603050405020304" pitchFamily="18" charset="0"/>
                 <a:cs typeface="Times New Roman" panose="02020603050405020304" pitchFamily="18" charset="0"/>
               </a:rPr>
               <a:t>other </a:t>
             </a:r>
             <a:r>
-              <a:rPr lang="en-US" sz="1800" b="0" dirty="0" err="1" smtClean="0">
+              <a:rPr lang="en-US" sz="1800" b="0" dirty="0" err="1">
                 <a:latin typeface="Times New Roman" panose="02020603050405020304" pitchFamily="18" charset="0"/>
                 <a:cs typeface="Times New Roman" panose="02020603050405020304" pitchFamily="18" charset="0"/>
               </a:rPr>
@@ -29513,16 +28682,12 @@
           <a:lstStyle/>
           <a:p>
             <a:r>
-              <a:rPr lang="en-US" sz="1800" b="0" dirty="0" smtClean="0">
+              <a:rPr lang="en-US" sz="1800" b="0" dirty="0">
                 <a:latin typeface="Times New Roman" panose="02020603050405020304" pitchFamily="18" charset="0"/>
                 <a:cs typeface="Times New Roman" panose="02020603050405020304" pitchFamily="18" charset="0"/>
               </a:rPr>
               <a:t>other reducers</a:t>
             </a:r>
-            <a:endParaRPr lang="en-US" sz="1800" b="0" dirty="0">
-              <a:latin typeface="Times New Roman" panose="02020603050405020304" pitchFamily="18" charset="0"/>
-              <a:cs typeface="Times New Roman" panose="02020603050405020304" pitchFamily="18" charset="0"/>
-            </a:endParaRPr>
           </a:p>
         </p:txBody>
       </p:sp>
@@ -29550,7 +28715,7 @@
           <a:p>
             <a:pPr algn="ctr"/>
             <a:r>
-              <a:rPr lang="en-US" sz="1400" b="0" dirty="0" smtClean="0">
+              <a:rPr lang="en-US" sz="1400" b="0" dirty="0">
                 <a:solidFill>
                   <a:schemeClr val="bg1"/>
                 </a:solidFill>
@@ -29560,7 +28725,7 @@
               <a:t>circular buffer </a:t>
             </a:r>
             <a:br>
-              <a:rPr lang="en-US" sz="1400" b="0" dirty="0" smtClean="0">
+              <a:rPr lang="en-US" sz="1400" b="0" dirty="0">
                 <a:solidFill>
                   <a:schemeClr val="bg1"/>
                 </a:solidFill>
@@ -29569,7 +28734,7 @@
               </a:rPr>
             </a:br>
             <a:r>
-              <a:rPr lang="en-US" sz="1400" b="0" dirty="0" smtClean="0">
+              <a:rPr lang="en-US" sz="1400" b="0" dirty="0">
                 <a:solidFill>
                   <a:schemeClr val="bg1"/>
                 </a:solidFill>
@@ -29578,13 +28743,6 @@
               </a:rPr>
               <a:t>(in memory)</a:t>
             </a:r>
-            <a:endParaRPr lang="en-US" sz="1400" b="0" dirty="0">
-              <a:solidFill>
-                <a:schemeClr val="bg1"/>
-              </a:solidFill>
-              <a:latin typeface="Times New Roman" panose="02020603050405020304" pitchFamily="18" charset="0"/>
-              <a:cs typeface="Times New Roman" panose="02020603050405020304" pitchFamily="18" charset="0"/>
-            </a:endParaRPr>
           </a:p>
         </p:txBody>
       </p:sp>
@@ -29612,16 +28770,12 @@
           <a:p>
             <a:pPr algn="ctr"/>
             <a:r>
-              <a:rPr lang="en-US" sz="1400" b="0" dirty="0" smtClean="0">
+              <a:rPr lang="en-US" sz="1400" b="0" dirty="0">
                 <a:latin typeface="Times New Roman" panose="02020603050405020304" pitchFamily="18" charset="0"/>
                 <a:cs typeface="Times New Roman" panose="02020603050405020304" pitchFamily="18" charset="0"/>
               </a:rPr>
               <a:t>spills (on disk)</a:t>
             </a:r>
-            <a:endParaRPr lang="en-US" sz="1400" b="0" dirty="0">
-              <a:latin typeface="Times New Roman" panose="02020603050405020304" pitchFamily="18" charset="0"/>
-              <a:cs typeface="Times New Roman" panose="02020603050405020304" pitchFamily="18" charset="0"/>
-            </a:endParaRPr>
           </a:p>
         </p:txBody>
       </p:sp>
@@ -29649,29 +28803,25 @@
           <a:p>
             <a:pPr algn="ctr"/>
             <a:r>
-              <a:rPr lang="en-US" sz="1400" b="0" dirty="0" smtClean="0">
+              <a:rPr lang="en-US" sz="1400" b="0" dirty="0">
                 <a:latin typeface="Times New Roman" panose="02020603050405020304" pitchFamily="18" charset="0"/>
                 <a:cs typeface="Times New Roman" panose="02020603050405020304" pitchFamily="18" charset="0"/>
               </a:rPr>
               <a:t>merged spills </a:t>
             </a:r>
             <a:br>
-              <a:rPr lang="en-US" sz="1400" b="0" dirty="0" smtClean="0">
+              <a:rPr lang="en-US" sz="1400" b="0" dirty="0">
                 <a:latin typeface="Times New Roman" panose="02020603050405020304" pitchFamily="18" charset="0"/>
                 <a:cs typeface="Times New Roman" panose="02020603050405020304" pitchFamily="18" charset="0"/>
               </a:rPr>
             </a:br>
             <a:r>
-              <a:rPr lang="en-US" sz="1400" b="0" dirty="0" smtClean="0">
+              <a:rPr lang="en-US" sz="1400" b="0" dirty="0">
                 <a:latin typeface="Times New Roman" panose="02020603050405020304" pitchFamily="18" charset="0"/>
                 <a:cs typeface="Times New Roman" panose="02020603050405020304" pitchFamily="18" charset="0"/>
               </a:rPr>
               <a:t>(on disk)</a:t>
             </a:r>
-            <a:endParaRPr lang="en-US" sz="1400" b="0" dirty="0">
-              <a:latin typeface="Times New Roman" panose="02020603050405020304" pitchFamily="18" charset="0"/>
-              <a:cs typeface="Times New Roman" panose="02020603050405020304" pitchFamily="18" charset="0"/>
-            </a:endParaRPr>
           </a:p>
         </p:txBody>
       </p:sp>
@@ -29699,29 +28849,25 @@
           <a:p>
             <a:pPr algn="ctr"/>
             <a:r>
-              <a:rPr lang="en-US" sz="1400" b="0" dirty="0" smtClean="0">
+              <a:rPr lang="en-US" sz="1400" b="0" dirty="0">
                 <a:latin typeface="Times New Roman" panose="02020603050405020304" pitchFamily="18" charset="0"/>
                 <a:cs typeface="Times New Roman" panose="02020603050405020304" pitchFamily="18" charset="0"/>
               </a:rPr>
               <a:t>intermediate files </a:t>
             </a:r>
             <a:br>
-              <a:rPr lang="en-US" sz="1400" b="0" dirty="0" smtClean="0">
+              <a:rPr lang="en-US" sz="1400" b="0" dirty="0">
                 <a:latin typeface="Times New Roman" panose="02020603050405020304" pitchFamily="18" charset="0"/>
                 <a:cs typeface="Times New Roman" panose="02020603050405020304" pitchFamily="18" charset="0"/>
               </a:rPr>
             </a:br>
             <a:r>
-              <a:rPr lang="en-US" sz="1400" b="0" dirty="0" smtClean="0">
+              <a:rPr lang="en-US" sz="1400" b="0" dirty="0">
                 <a:latin typeface="Times New Roman" panose="02020603050405020304" pitchFamily="18" charset="0"/>
                 <a:cs typeface="Times New Roman" panose="02020603050405020304" pitchFamily="18" charset="0"/>
               </a:rPr>
               <a:t>(on disk)</a:t>
             </a:r>
-            <a:endParaRPr lang="en-US" sz="1400" b="0" dirty="0">
-              <a:latin typeface="Times New Roman" panose="02020603050405020304" pitchFamily="18" charset="0"/>
-              <a:cs typeface="Times New Roman" panose="02020603050405020304" pitchFamily="18" charset="0"/>
-            </a:endParaRPr>
           </a:p>
         </p:txBody>
       </p:sp>
@@ -29894,7 +29040,7 @@
               <a:tabLst/>
             </a:pPr>
             <a:r>
-              <a:rPr lang="en-US" sz="1400" dirty="0" smtClean="0">
+              <a:rPr lang="en-US" sz="1400" dirty="0">
                 <a:solidFill>
                   <a:schemeClr val="bg2"/>
                 </a:solidFill>
@@ -29903,7 +29049,7 @@
               </a:rPr>
               <a:t>Combiner</a:t>
             </a:r>
-            <a:endParaRPr kumimoji="0" lang="en-US" sz="1400" i="0" u="none" strike="noStrike" cap="none" normalizeH="0" baseline="0" dirty="0" smtClean="0">
+            <a:endParaRPr kumimoji="0" lang="en-US" sz="1400" i="0" u="none" strike="noStrike" cap="none" normalizeH="0" baseline="0" dirty="0">
               <a:ln>
                 <a:noFill/>
               </a:ln>
@@ -29977,7 +29123,7 @@
               <a:tabLst/>
             </a:pPr>
             <a:r>
-              <a:rPr lang="en-US" sz="1400" dirty="0" smtClean="0">
+              <a:rPr lang="en-US" sz="1400" dirty="0">
                 <a:solidFill>
                   <a:schemeClr val="bg2"/>
                 </a:solidFill>
@@ -29986,7 +29132,7 @@
               </a:rPr>
               <a:t>Combiner</a:t>
             </a:r>
-            <a:endParaRPr kumimoji="0" lang="en-US" sz="1400" i="0" u="none" strike="noStrike" cap="none" normalizeH="0" baseline="0" dirty="0" smtClean="0">
+            <a:endParaRPr kumimoji="0" lang="en-US" sz="1400" i="0" u="none" strike="noStrike" cap="none" normalizeH="0" baseline="0" dirty="0">
               <a:ln>
                 <a:noFill/>
               </a:ln>
@@ -30010,14 +29156,6 @@
   <p:clrMapOvr>
     <a:masterClrMapping/>
   </p:clrMapOvr>
-  <mc:AlternateContent xmlns:mc="http://schemas.openxmlformats.org/markup-compatibility/2006" xmlns:p14="http://schemas.microsoft.com/office/powerpoint/2010/main">
-    <mc:Choice Requires="p14">
-      <p:transition spd="slow" p14:dur="2000"/>
-    </mc:Choice>
-    <mc:Fallback xmlns="">
-      <p:transition spd="slow"/>
-    </mc:Fallback>
-  </mc:AlternateContent>
   <p:timing>
     <p:tnLst>
       <p:par>
@@ -30160,10 +29298,9 @@
           <a:lstStyle/>
           <a:p>
             <a:r>
-              <a:rPr lang="en-US" dirty="0" smtClean="0"/>
+              <a:rPr lang="en-US" dirty="0"/>
               <a:t>Hadoop Workflow</a:t>
             </a:r>
-            <a:endParaRPr lang="en-US" dirty="0"/>
           </a:p>
         </p:txBody>
       </p:sp>
@@ -30359,7 +29496,7 @@
                 <a:defRPr/>
               </a:pPr>
               <a:r>
-                <a:rPr kumimoji="0" lang="en-US" sz="1800" i="0" u="none" strike="noStrike" kern="0" cap="none" spc="0" normalizeH="0" baseline="0" noProof="0" dirty="0" smtClean="0">
+                <a:rPr kumimoji="0" lang="en-US" sz="1800" i="0" u="none" strike="noStrike" kern="0" cap="none" spc="0" normalizeH="0" baseline="0" noProof="0" dirty="0">
                   <a:ln>
                     <a:noFill/>
                   </a:ln>
@@ -30554,7 +29691,7 @@
               <a:defRPr/>
             </a:pPr>
             <a:r>
-              <a:rPr kumimoji="0" lang="en-US" sz="1800" i="0" u="none" strike="noStrike" kern="0" cap="none" spc="0" normalizeH="0" baseline="0" noProof="0" dirty="0" smtClean="0">
+              <a:rPr kumimoji="0" lang="en-US" sz="1800" i="0" u="none" strike="noStrike" kern="0" cap="none" spc="0" normalizeH="0" baseline="0" noProof="0" dirty="0">
                 <a:ln>
                   <a:noFill/>
                 </a:ln>
@@ -30631,7 +29768,7 @@
               <a:tabLst/>
               <a:defRPr/>
             </a:pPr>
-            <a:endParaRPr kumimoji="0" lang="en-US" sz="1800" b="0" i="0" u="none" strike="noStrike" kern="0" cap="none" spc="0" normalizeH="0" baseline="0" noProof="0" smtClean="0">
+            <a:endParaRPr kumimoji="0" lang="en-US" sz="1800" b="0" i="0" u="none" strike="noStrike" kern="0" cap="none" spc="0" normalizeH="0" baseline="0" noProof="0">
               <a:ln>
                 <a:noFill/>
               </a:ln>
@@ -30709,7 +29846,7 @@
               <a:tabLst/>
               <a:defRPr/>
             </a:pPr>
-            <a:endParaRPr kumimoji="0" lang="en-US" sz="1800" b="0" i="0" u="none" strike="noStrike" kern="0" cap="none" spc="0" normalizeH="0" baseline="0" noProof="0" smtClean="0">
+            <a:endParaRPr kumimoji="0" lang="en-US" sz="1800" b="0" i="0" u="none" strike="noStrike" kern="0" cap="none" spc="0" normalizeH="0" baseline="0" noProof="0">
               <a:ln>
                 <a:noFill/>
               </a:ln>
@@ -30786,7 +29923,7 @@
               <a:tabLst/>
               <a:defRPr/>
             </a:pPr>
-            <a:endParaRPr kumimoji="0" lang="en-US" sz="1800" b="0" i="0" u="none" strike="noStrike" kern="0" cap="none" spc="0" normalizeH="0" baseline="0" noProof="0" smtClean="0">
+            <a:endParaRPr kumimoji="0" lang="en-US" sz="1800" b="0" i="0" u="none" strike="noStrike" kern="0" cap="none" spc="0" normalizeH="0" baseline="0" noProof="0">
               <a:ln>
                 <a:noFill/>
               </a:ln>
@@ -30850,7 +29987,7 @@
               <a:defRPr/>
             </a:pPr>
             <a:r>
-              <a:rPr kumimoji="0" lang="en-US" sz="1800" b="0" i="0" u="none" strike="noStrike" kern="0" cap="none" spc="0" normalizeH="0" baseline="0" noProof="0" dirty="0" smtClean="0">
+              <a:rPr kumimoji="0" lang="en-US" sz="1800" b="0" i="0" u="none" strike="noStrike" kern="0" cap="none" spc="0" normalizeH="0" baseline="0" noProof="0" dirty="0">
                 <a:ln>
                   <a:noFill/>
                 </a:ln>
@@ -30913,7 +30050,7 @@
               <a:defRPr/>
             </a:pPr>
             <a:r>
-              <a:rPr kumimoji="0" lang="en-US" sz="1800" b="0" i="0" u="none" strike="noStrike" kern="0" cap="none" spc="0" normalizeH="0" baseline="0" noProof="0" dirty="0" smtClean="0">
+              <a:rPr kumimoji="0" lang="en-US" sz="1800" b="0" i="0" u="none" strike="noStrike" kern="0" cap="none" spc="0" normalizeH="0" baseline="0" noProof="0" dirty="0">
                 <a:ln>
                   <a:noFill/>
                 </a:ln>
@@ -30976,7 +30113,7 @@
               <a:defRPr/>
             </a:pPr>
             <a:r>
-              <a:rPr kumimoji="0" lang="en-US" sz="1800" b="0" i="0" u="none" strike="noStrike" kern="0" cap="none" spc="0" normalizeH="0" baseline="0" noProof="0" dirty="0" smtClean="0">
+              <a:rPr kumimoji="0" lang="en-US" sz="1800" b="0" i="0" u="none" strike="noStrike" kern="0" cap="none" spc="0" normalizeH="0" baseline="0" noProof="0" dirty="0">
                 <a:ln>
                   <a:noFill/>
                 </a:ln>
@@ -31039,7 +30176,7 @@
               <a:defRPr/>
             </a:pPr>
             <a:r>
-              <a:rPr kumimoji="0" lang="en-US" sz="1800" b="0" i="0" u="none" strike="noStrike" kern="0" cap="none" spc="0" normalizeH="0" baseline="0" noProof="0" dirty="0" smtClean="0">
+              <a:rPr kumimoji="0" lang="en-US" sz="1800" b="0" i="0" u="none" strike="noStrike" kern="0" cap="none" spc="0" normalizeH="0" baseline="0" noProof="0" dirty="0">
                 <a:ln>
                   <a:noFill/>
                 </a:ln>
@@ -31102,7 +30239,7 @@
               <a:defRPr/>
             </a:pPr>
             <a:r>
-              <a:rPr lang="en-US" sz="1800" b="0" kern="0" dirty="0" smtClean="0">
+              <a:rPr lang="en-US" sz="1800" b="0" kern="0" dirty="0">
                 <a:solidFill>
                   <a:schemeClr val="bg1"/>
                 </a:solidFill>
@@ -31124,14 +30261,6 @@
   <p:clrMapOvr>
     <a:masterClrMapping/>
   </p:clrMapOvr>
-  <mc:AlternateContent xmlns:mc="http://schemas.openxmlformats.org/markup-compatibility/2006" xmlns:p14="http://schemas.microsoft.com/office/powerpoint/2010/main">
-    <mc:Choice Requires="p14">
-      <p:transition spd="slow" p14:dur="2000"/>
-    </mc:Choice>
-    <mc:Fallback xmlns="">
-      <p:transition spd="slow"/>
-    </mc:Fallback>
-  </mc:AlternateContent>
   <p:timing>
     <p:tnLst>
       <p:par>
@@ -31559,10 +30688,9 @@
           <a:lstStyle/>
           <a:p>
             <a:r>
-              <a:rPr lang="en-US" dirty="0" smtClean="0"/>
+              <a:rPr lang="en-US" dirty="0"/>
               <a:t>Recommended Workflow</a:t>
             </a:r>
-            <a:endParaRPr lang="en-US" dirty="0"/>
           </a:p>
         </p:txBody>
       </p:sp>
@@ -31584,102 +30712,101 @@
           <a:lstStyle/>
           <a:p>
             <a:r>
-              <a:rPr lang="en-US" dirty="0" smtClean="0"/>
+              <a:rPr lang="en-US" dirty="0"/>
               <a:t>Here’s how it works:</a:t>
             </a:r>
           </a:p>
           <a:p>
             <a:pPr lvl="1"/>
             <a:r>
-              <a:rPr lang="en-US" dirty="0" smtClean="0"/>
+              <a:rPr lang="en-US" dirty="0"/>
               <a:t>Develop code in local development environment on host machine</a:t>
             </a:r>
           </a:p>
           <a:p>
             <a:pPr lvl="1"/>
             <a:r>
-              <a:rPr lang="en-US" dirty="0" smtClean="0"/>
+              <a:rPr lang="en-US" dirty="0"/>
               <a:t>Build distribution on host machine</a:t>
             </a:r>
           </a:p>
           <a:p>
             <a:pPr lvl="1"/>
             <a:r>
-              <a:rPr lang="en-US" dirty="0" smtClean="0"/>
+              <a:rPr lang="en-US" dirty="0"/>
               <a:t>Check out copy of code on VM</a:t>
             </a:r>
           </a:p>
           <a:p>
             <a:pPr lvl="1"/>
             <a:r>
-              <a:rPr lang="en-US" dirty="0" smtClean="0"/>
+              <a:rPr lang="en-US" dirty="0"/>
               <a:t>Copy (i.e., </a:t>
             </a:r>
             <a:r>
-              <a:rPr lang="en-US" dirty="0" err="1" smtClean="0"/>
+              <a:rPr lang="en-US" dirty="0" err="1"/>
               <a:t>scp</a:t>
             </a:r>
             <a:r>
-              <a:rPr lang="en-US" dirty="0" smtClean="0"/>
+              <a:rPr lang="en-US" dirty="0"/>
               <a:t>) jars over to VM (in same directory structure)</a:t>
             </a:r>
           </a:p>
           <a:p>
             <a:pPr lvl="1"/>
             <a:r>
-              <a:rPr lang="en-US" dirty="0" smtClean="0"/>
+              <a:rPr lang="en-US" dirty="0"/>
               <a:t>Run job on VM</a:t>
             </a:r>
           </a:p>
           <a:p>
             <a:pPr lvl="1"/>
             <a:r>
-              <a:rPr lang="en-US" dirty="0" smtClean="0"/>
+              <a:rPr lang="en-US" dirty="0"/>
               <a:t>Iterate</a:t>
             </a:r>
           </a:p>
           <a:p>
             <a:pPr lvl="1"/>
             <a:r>
-              <a:rPr lang="en-US" dirty="0" smtClean="0"/>
+              <a:rPr lang="en-US" dirty="0"/>
               <a:t>…</a:t>
             </a:r>
           </a:p>
           <a:p>
             <a:pPr lvl="1"/>
             <a:r>
-              <a:rPr lang="en-US" dirty="0" smtClean="0"/>
+              <a:rPr lang="en-US" dirty="0"/>
               <a:t>Commit code on host machine and push</a:t>
             </a:r>
           </a:p>
           <a:p>
             <a:pPr lvl="1"/>
             <a:r>
-              <a:rPr lang="en-US" dirty="0" smtClean="0"/>
+              <a:rPr lang="en-US" dirty="0"/>
               <a:t>Pull from inside VM, verify</a:t>
             </a:r>
           </a:p>
           <a:p>
             <a:r>
-              <a:rPr lang="en-US" dirty="0" smtClean="0"/>
+              <a:rPr lang="en-US" dirty="0"/>
               <a:t>Avoid using the UI of the VM</a:t>
             </a:r>
           </a:p>
           <a:p>
             <a:pPr lvl="1"/>
             <a:r>
-              <a:rPr lang="en-US" dirty="0" smtClean="0"/>
+              <a:rPr lang="en-US" dirty="0"/>
               <a:t>Directly </a:t>
             </a:r>
             <a:r>
-              <a:rPr lang="en-US" dirty="0" err="1" smtClean="0"/>
+              <a:rPr lang="en-US" dirty="0" err="1"/>
               <a:t>ssh</a:t>
             </a:r>
             <a:r>
-              <a:rPr lang="en-US" dirty="0" smtClean="0"/>
+              <a:rPr lang="en-US" dirty="0"/>
               <a:t> into the VM</a:t>
             </a:r>
-            <a:endParaRPr lang="en-US" dirty="0"/>
           </a:p>
         </p:txBody>
       </p:sp>
@@ -31693,21 +30820,6 @@
   <p:clrMapOvr>
     <a:masterClrMapping/>
   </p:clrMapOvr>
-  <mc:AlternateContent xmlns:mc="http://schemas.openxmlformats.org/markup-compatibility/2006" xmlns:p14="http://schemas.microsoft.com/office/powerpoint/2010/main">
-    <mc:Choice Requires="p14">
-      <p:transition spd="slow" p14:dur="2000"/>
-    </mc:Choice>
-    <mc:Fallback xmlns="">
-      <p:transition spd="slow"/>
-    </mc:Fallback>
-  </mc:AlternateContent>
-  <p:timing>
-    <p:tnLst>
-      <p:par>
-        <p:cTn id="1" dur="indefinite" restart="never" nodeType="tmRoot"/>
-      </p:par>
-    </p:tnLst>
-  </p:timing>
 </p:sld>
 </file>
 
@@ -31744,7 +30856,7 @@
           <a:lstStyle/>
           <a:p>
             <a:r>
-              <a:rPr lang="en-US" altLang="zh-TW" smtClean="0"/>
+              <a:rPr lang="en-US" altLang="zh-TW"/>
               <a:t>References</a:t>
             </a:r>
             <a:endParaRPr lang="zh-TW" altLang="en-US" dirty="0"/>
@@ -31767,15 +30879,23 @@
           <a:lstStyle/>
           <a:p>
             <a:r>
-              <a:rPr lang="en-US" altLang="zh-TW" dirty="0" smtClean="0"/>
-              <a:t>Jimmy Lin and Chris Dyer, “Data-Intensive Text Processing with MapReduce”, Ch.1-3 </a:t>
+              <a:rPr lang="en-US" altLang="zh-TW" dirty="0"/>
+              <a:t>Ch.</a:t>
+            </a:r>
+            <a:r>
+              <a:rPr lang="en-US" altLang="zh-TW"/>
+              <a:t>1-3 from Jimmy </a:t>
+            </a:r>
+            <a:r>
+              <a:rPr lang="en-US" altLang="zh-TW" dirty="0"/>
+              <a:t>Lin and Chris Dyer, “Data-Intensive Text Processing with MapReduce”, 2010. </a:t>
             </a:r>
           </a:p>
           <a:p>
             <a:endParaRPr lang="en-US" altLang="zh-TW" dirty="0"/>
           </a:p>
           <a:p>
-            <a:endParaRPr lang="en-US" altLang="zh-TW" dirty="0" smtClean="0"/>
+            <a:endParaRPr lang="en-US" altLang="zh-TW" dirty="0"/>
           </a:p>
           <a:p>
             <a:endParaRPr lang="zh-TW" altLang="en-US" dirty="0"/>
@@ -31792,13 +30912,6 @@
   <p:clrMapOvr>
     <a:masterClrMapping/>
   </p:clrMapOvr>
-  <p:timing>
-    <p:tnLst>
-      <p:par>
-        <p:cTn id="1" dur="indefinite" restart="never" nodeType="tmRoot"/>
-      </p:par>
-    </p:tnLst>
-  </p:timing>
 </p:sld>
 </file>
 
@@ -31835,10 +30948,9 @@
           <a:lstStyle/>
           <a:p>
             <a:r>
-              <a:rPr lang="en-US" dirty="0" smtClean="0"/>
+              <a:rPr lang="en-US" dirty="0"/>
               <a:t>Debugging Hadoop</a:t>
             </a:r>
-            <a:endParaRPr lang="en-US" dirty="0"/>
           </a:p>
         </p:txBody>
       </p:sp>
@@ -31858,19 +30970,19 @@
           <a:lstStyle/>
           <a:p>
             <a:r>
-              <a:rPr lang="en-US" dirty="0" smtClean="0"/>
+              <a:rPr lang="en-US" dirty="0"/>
               <a:t>First, take a deep breath</a:t>
             </a:r>
           </a:p>
           <a:p>
             <a:r>
-              <a:rPr lang="en-US" dirty="0" smtClean="0"/>
+              <a:rPr lang="en-US" dirty="0"/>
               <a:t>Start small, start locally</a:t>
             </a:r>
           </a:p>
           <a:p>
             <a:r>
-              <a:rPr lang="en-US" dirty="0" smtClean="0"/>
+              <a:rPr lang="en-US" dirty="0"/>
               <a:t>Build incrementally</a:t>
             </a:r>
           </a:p>
@@ -31886,21 +30998,6 @@
   <p:clrMapOvr>
     <a:masterClrMapping/>
   </p:clrMapOvr>
-  <mc:AlternateContent xmlns:mc="http://schemas.openxmlformats.org/markup-compatibility/2006" xmlns:p14="http://schemas.microsoft.com/office/powerpoint/2010/main">
-    <mc:Choice Requires="p14">
-      <p:transition spd="slow" p14:dur="2000"/>
-    </mc:Choice>
-    <mc:Fallback xmlns="">
-      <p:transition spd="slow"/>
-    </mc:Fallback>
-  </mc:AlternateContent>
-  <p:timing>
-    <p:tnLst>
-      <p:par>
-        <p:cTn id="1" dur="indefinite" restart="never" nodeType="tmRoot"/>
-      </p:par>
-    </p:tnLst>
-  </p:timing>
 </p:sld>
 </file>
 
@@ -31937,10 +31034,9 @@
           <a:lstStyle/>
           <a:p>
             <a:r>
-              <a:rPr lang="en-US" dirty="0" smtClean="0"/>
+              <a:rPr lang="en-US" dirty="0"/>
               <a:t>Code Execution Environments</a:t>
             </a:r>
-            <a:endParaRPr lang="en-US" dirty="0"/>
           </a:p>
         </p:txBody>
       </p:sp>
@@ -31960,41 +31056,41 @@
           <a:lstStyle/>
           <a:p>
             <a:r>
-              <a:rPr lang="en-US" dirty="0" smtClean="0"/>
+              <a:rPr lang="en-US" dirty="0"/>
               <a:t>Different ways to run code:</a:t>
             </a:r>
           </a:p>
           <a:p>
             <a:pPr lvl="1"/>
             <a:r>
-              <a:rPr lang="en-US" dirty="0" smtClean="0"/>
+              <a:rPr lang="en-US" dirty="0"/>
               <a:t>Plain Java</a:t>
             </a:r>
           </a:p>
           <a:p>
             <a:pPr lvl="1"/>
             <a:r>
-              <a:rPr lang="en-US" dirty="0" smtClean="0"/>
+              <a:rPr lang="en-US" dirty="0"/>
               <a:t>Local (standalone) mode</a:t>
             </a:r>
           </a:p>
           <a:p>
             <a:pPr lvl="1"/>
             <a:r>
-              <a:rPr lang="en-US" dirty="0" smtClean="0"/>
+              <a:rPr lang="en-US" dirty="0"/>
               <a:t>Pseudo-distributed mode</a:t>
             </a:r>
           </a:p>
           <a:p>
             <a:pPr lvl="1"/>
             <a:r>
-              <a:rPr lang="en-US" dirty="0" smtClean="0"/>
+              <a:rPr lang="en-US" dirty="0"/>
               <a:t>Fully-distributed mode</a:t>
             </a:r>
           </a:p>
           <a:p>
             <a:r>
-              <a:rPr lang="en-US" dirty="0" smtClean="0"/>
+              <a:rPr lang="en-US" dirty="0"/>
               <a:t>Learn what’s good for what</a:t>
             </a:r>
           </a:p>
@@ -32013,21 +31109,6 @@
   <p:clrMapOvr>
     <a:masterClrMapping/>
   </p:clrMapOvr>
-  <mc:AlternateContent xmlns:mc="http://schemas.openxmlformats.org/markup-compatibility/2006" xmlns:p14="http://schemas.microsoft.com/office/powerpoint/2010/main">
-    <mc:Choice Requires="p14">
-      <p:transition spd="slow" p14:dur="2000"/>
-    </mc:Choice>
-    <mc:Fallback xmlns="">
-      <p:transition spd="slow"/>
-    </mc:Fallback>
-  </mc:AlternateContent>
-  <p:timing>
-    <p:tnLst>
-      <p:par>
-        <p:cTn id="1" dur="indefinite" restart="never" nodeType="tmRoot"/>
-      </p:par>
-    </p:tnLst>
-  </p:timing>
 </p:sld>
 </file>
 
@@ -32064,10 +31145,9 @@
           <a:lstStyle/>
           <a:p>
             <a:r>
-              <a:rPr lang="en-US" dirty="0" smtClean="0"/>
+              <a:rPr lang="en-US" dirty="0"/>
               <a:t>Hadoop Debugging Strategies</a:t>
             </a:r>
-            <a:endParaRPr lang="en-US" dirty="0"/>
           </a:p>
         </p:txBody>
       </p:sp>
@@ -32089,26 +31169,26 @@
           <a:lstStyle/>
           <a:p>
             <a:r>
-              <a:rPr lang="en-US" dirty="0" smtClean="0"/>
+              <a:rPr lang="en-US" dirty="0"/>
               <a:t>Good </a:t>
             </a:r>
             <a:r>
-              <a:rPr lang="en-US" dirty="0" err="1" smtClean="0"/>
+              <a:rPr lang="en-US" dirty="0" err="1"/>
               <a:t>ol</a:t>
             </a:r>
             <a:r>
-              <a:rPr lang="en-US" dirty="0" smtClean="0"/>
+              <a:rPr lang="en-US" dirty="0"/>
               <a:t>’ </a:t>
             </a:r>
             <a:r>
-              <a:rPr lang="en-US" dirty="0" err="1" smtClean="0">
+              <a:rPr lang="en-US" dirty="0" err="1">
                 <a:solidFill>
                   <a:srgbClr val="0000FF"/>
                 </a:solidFill>
               </a:rPr>
               <a:t>System.out.println</a:t>
             </a:r>
-            <a:endParaRPr lang="en-US" dirty="0" smtClean="0">
+            <a:endParaRPr lang="en-US" dirty="0">
               <a:solidFill>
                 <a:srgbClr val="0000FF"/>
               </a:solidFill>
@@ -32117,12 +31197,8 @@
           <a:p>
             <a:pPr lvl="1"/>
             <a:r>
-              <a:rPr lang="en-US" dirty="0" smtClean="0"/>
-              <a:t>Learn </a:t>
-            </a:r>
-            <a:r>
               <a:rPr lang="en-US" dirty="0"/>
-              <a:t>to use the </a:t>
+              <a:t>Learn to use the </a:t>
             </a:r>
             <a:r>
               <a:rPr lang="en-US" dirty="0" err="1"/>
@@ -32136,44 +31212,32 @@
           <a:p>
             <a:pPr lvl="1"/>
             <a:r>
-              <a:rPr lang="en-US" dirty="0" smtClean="0"/>
-              <a:t>Logging </a:t>
-            </a:r>
-            <a:r>
               <a:rPr lang="en-US" dirty="0"/>
-              <a:t>preferred over </a:t>
-            </a:r>
-            <a:r>
-              <a:rPr lang="en-US" dirty="0" err="1" smtClean="0"/>
+              <a:t>Logging preferred over </a:t>
+            </a:r>
+            <a:r>
+              <a:rPr lang="en-US" dirty="0" err="1"/>
               <a:t>System.out.println</a:t>
             </a:r>
-            <a:endParaRPr lang="en-US" dirty="0" smtClean="0"/>
+            <a:endParaRPr lang="en-US" dirty="0"/>
           </a:p>
           <a:p>
             <a:pPr lvl="1"/>
             <a:r>
-              <a:rPr lang="en-US" dirty="0" smtClean="0"/>
+              <a:rPr lang="en-US" dirty="0"/>
               <a:t>Be careful how much you log!</a:t>
             </a:r>
           </a:p>
           <a:p>
             <a:r>
-              <a:rPr lang="en-US" dirty="0" smtClean="0"/>
-              <a:t>Fail </a:t>
-            </a:r>
-            <a:r>
               <a:rPr lang="en-US" dirty="0"/>
-              <a:t>on </a:t>
-            </a:r>
-            <a:r>
-              <a:rPr lang="en-US" dirty="0" smtClean="0"/>
-              <a:t>success</a:t>
+              <a:t>Fail on success</a:t>
             </a:r>
           </a:p>
           <a:p>
             <a:pPr lvl="1"/>
             <a:r>
-              <a:rPr lang="en-US" dirty="0" smtClean="0"/>
+              <a:rPr lang="en-US" dirty="0"/>
               <a:t>Throw </a:t>
             </a:r>
             <a:r>
@@ -32187,47 +31251,37 @@
           </a:p>
           <a:p>
             <a:r>
-              <a:rPr lang="en-US" dirty="0" smtClean="0"/>
+              <a:rPr lang="en-US" dirty="0"/>
               <a:t>Programming is still programming</a:t>
             </a:r>
           </a:p>
           <a:p>
             <a:pPr lvl="1"/>
             <a:r>
-              <a:rPr lang="en-US" dirty="0" smtClean="0"/>
+              <a:rPr lang="en-US" dirty="0"/>
               <a:t>Use Hadoop as the “glue”</a:t>
             </a:r>
           </a:p>
           <a:p>
             <a:pPr lvl="1"/>
             <a:r>
-              <a:rPr lang="en-US" dirty="0" smtClean="0"/>
-              <a:t>Implement </a:t>
-            </a:r>
-            <a:r>
               <a:rPr lang="en-US" dirty="0"/>
-              <a:t>core functionality outside mappers and </a:t>
-            </a:r>
-            <a:r>
-              <a:rPr lang="en-US" dirty="0" smtClean="0"/>
-              <a:t>reducers</a:t>
-            </a:r>
-            <a:endParaRPr lang="en-US" dirty="0"/>
+              <a:t>Implement core functionality outside mappers and reducers</a:t>
+            </a:r>
           </a:p>
           <a:p>
             <a:pPr lvl="1"/>
             <a:r>
-              <a:rPr lang="en-US" dirty="0" smtClean="0"/>
+              <a:rPr lang="en-US" dirty="0"/>
               <a:t>Independently test (e.g., unit testing)</a:t>
             </a:r>
           </a:p>
           <a:p>
             <a:pPr lvl="1"/>
             <a:r>
-              <a:rPr lang="en-US" dirty="0" smtClean="0"/>
+              <a:rPr lang="en-US" dirty="0"/>
               <a:t>Compose (tested) components in mappers and reducers</a:t>
             </a:r>
-            <a:endParaRPr lang="en-US" dirty="0"/>
           </a:p>
           <a:p>
             <a:endParaRPr lang="en-US" dirty="0"/>
@@ -32244,14 +31298,6 @@
   <p:clrMapOvr>
     <a:masterClrMapping/>
   </p:clrMapOvr>
-  <mc:AlternateContent xmlns:mc="http://schemas.openxmlformats.org/markup-compatibility/2006" xmlns:p14="http://schemas.microsoft.com/office/powerpoint/2010/main">
-    <mc:Choice Requires="p14">
-      <p:transition spd="slow" p14:dur="2000"/>
-    </mc:Choice>
-    <mc:Fallback xmlns="">
-      <p:transition spd="slow"/>
-    </mc:Fallback>
-  </mc:AlternateContent>
   <p:timing>
     <p:tnLst>
       <p:par>
@@ -32716,7 +31762,7 @@
           <a:lstStyle/>
           <a:p>
             <a:r>
-              <a:rPr lang="en-US" altLang="zh-TW" dirty="0" smtClean="0"/>
+              <a:rPr lang="en-US" altLang="zh-TW" dirty="0"/>
               <a:t>Thanks for Your Attention!</a:t>
             </a:r>
             <a:endParaRPr lang="zh-TW" altLang="en-US" dirty="0"/>
@@ -32752,13 +31798,6 @@
   <p:clrMapOvr>
     <a:masterClrMapping/>
   </p:clrMapOvr>
-  <p:timing>
-    <p:tnLst>
-      <p:par>
-        <p:cTn id="1" dur="indefinite" restart="never" nodeType="tmRoot"/>
-      </p:par>
-    </p:tnLst>
-  </p:timing>
 </p:sld>
 </file>
 
@@ -32796,7 +31835,7 @@
           <a:p>
             <a:pPr eaLnBrk="1" hangingPunct="1"/>
             <a:r>
-              <a:rPr lang="en-US" dirty="0" smtClean="0"/>
+              <a:rPr lang="en-US" dirty="0"/>
               <a:t>Divide and Conquer</a:t>
             </a:r>
           </a:p>
@@ -33671,7 +32710,7 @@
           <a:p>
             <a:pPr algn="ctr"/>
             <a:r>
-              <a:rPr lang="en-US" b="0" dirty="0" smtClean="0">
+              <a:rPr lang="en-US" b="0" dirty="0">
                 <a:solidFill>
                   <a:schemeClr val="bg2"/>
                 </a:solidFill>
@@ -33680,13 +32719,6 @@
               </a:rPr>
               <a:t>worker</a:t>
             </a:r>
-            <a:endParaRPr lang="en-US" b="0" dirty="0">
-              <a:solidFill>
-                <a:schemeClr val="bg2"/>
-              </a:solidFill>
-              <a:latin typeface="Times New Roman" panose="02020603050405020304" pitchFamily="18" charset="0"/>
-              <a:cs typeface="Times New Roman" panose="02020603050405020304" pitchFamily="18" charset="0"/>
-            </a:endParaRPr>
           </a:p>
         </p:txBody>
       </p:sp>
@@ -33735,7 +32767,7 @@
           <a:p>
             <a:pPr algn="ctr"/>
             <a:r>
-              <a:rPr lang="en-US" b="0" dirty="0" smtClean="0">
+              <a:rPr lang="en-US" b="0" dirty="0">
                 <a:solidFill>
                   <a:schemeClr val="bg2"/>
                 </a:solidFill>
@@ -33744,13 +32776,6 @@
               </a:rPr>
               <a:t>worker</a:t>
             </a:r>
-            <a:endParaRPr lang="en-US" b="0" dirty="0">
-              <a:solidFill>
-                <a:schemeClr val="bg2"/>
-              </a:solidFill>
-              <a:latin typeface="Times New Roman" panose="02020603050405020304" pitchFamily="18" charset="0"/>
-              <a:cs typeface="Times New Roman" panose="02020603050405020304" pitchFamily="18" charset="0"/>
-            </a:endParaRPr>
           </a:p>
         </p:txBody>
       </p:sp>
@@ -33799,7 +32824,7 @@
           <a:p>
             <a:pPr algn="ctr"/>
             <a:r>
-              <a:rPr lang="en-US" b="0" dirty="0" smtClean="0">
+              <a:rPr lang="en-US" b="0" dirty="0">
                 <a:solidFill>
                   <a:schemeClr val="bg2"/>
                 </a:solidFill>
@@ -33808,13 +32833,6 @@
               </a:rPr>
               <a:t>worker</a:t>
             </a:r>
-            <a:endParaRPr lang="en-US" b="0" dirty="0">
-              <a:solidFill>
-                <a:schemeClr val="bg2"/>
-              </a:solidFill>
-              <a:latin typeface="Times New Roman" panose="02020603050405020304" pitchFamily="18" charset="0"/>
-              <a:cs typeface="Times New Roman" panose="02020603050405020304" pitchFamily="18" charset="0"/>
-            </a:endParaRPr>
           </a:p>
         </p:txBody>
       </p:sp>
@@ -33968,14 +32986,6 @@
   <p:clrMapOvr>
     <a:masterClrMapping/>
   </p:clrMapOvr>
-  <mc:AlternateContent xmlns:mc="http://schemas.openxmlformats.org/markup-compatibility/2006" xmlns:p14="http://schemas.microsoft.com/office/powerpoint/2010/main">
-    <mc:Choice Requires="p14">
-      <p:transition p14:dur="0"/>
-    </mc:Choice>
-    <mc:Fallback xmlns="">
-      <p:transition xmlns:p14="http://schemas.microsoft.com/office/powerpoint/2010/main"/>
-    </mc:Fallback>
-  </mc:AlternateContent>
   <p:timing>
     <p:tnLst>
       <p:par>
@@ -34863,7 +33873,7 @@
           <a:lstStyle/>
           <a:p>
             <a:r>
-              <a:rPr lang="en-US" altLang="zh-TW" dirty="0" smtClean="0"/>
+              <a:rPr lang="en-US" altLang="zh-TW" dirty="0"/>
               <a:t>MapReduce Programming Model</a:t>
             </a:r>
             <a:endParaRPr lang="zh-TW" altLang="en-US" dirty="0"/>
@@ -34886,48 +33896,48 @@
           <a:lstStyle/>
           <a:p>
             <a:r>
-              <a:rPr lang="en-US" altLang="zh-TW" dirty="0" smtClean="0"/>
+              <a:rPr lang="en-US" altLang="zh-TW" dirty="0"/>
               <a:t>Functional programming roots</a:t>
             </a:r>
           </a:p>
           <a:p>
             <a:pPr lvl="1"/>
             <a:r>
-              <a:rPr lang="en-US" altLang="zh-TW" dirty="0" smtClean="0"/>
+              <a:rPr lang="en-US" altLang="zh-TW" dirty="0"/>
               <a:t>Map and fold</a:t>
             </a:r>
           </a:p>
           <a:p>
             <a:r>
-              <a:rPr lang="en-US" altLang="zh-TW" dirty="0" smtClean="0"/>
+              <a:rPr lang="en-US" altLang="zh-TW" dirty="0"/>
               <a:t>Mappers and reducers</a:t>
             </a:r>
           </a:p>
           <a:p>
             <a:r>
-              <a:rPr lang="en-US" altLang="zh-TW" dirty="0" smtClean="0"/>
+              <a:rPr lang="en-US" altLang="zh-TW" dirty="0"/>
               <a:t>Execution framework</a:t>
             </a:r>
           </a:p>
           <a:p>
             <a:r>
-              <a:rPr lang="en-US" altLang="zh-TW" dirty="0" smtClean="0"/>
+              <a:rPr lang="en-US" altLang="zh-TW" dirty="0"/>
               <a:t>Combiners and </a:t>
             </a:r>
             <a:r>
-              <a:rPr lang="en-US" altLang="zh-TW" dirty="0" err="1" smtClean="0"/>
+              <a:rPr lang="en-US" altLang="zh-TW" dirty="0" err="1"/>
               <a:t>partitioners</a:t>
             </a:r>
-            <a:endParaRPr lang="en-US" altLang="zh-TW" dirty="0" smtClean="0"/>
-          </a:p>
-          <a:p>
-            <a:r>
-              <a:rPr lang="en-US" altLang="zh-TW" dirty="0" smtClean="0"/>
+            <a:endParaRPr lang="en-US" altLang="zh-TW" dirty="0"/>
+          </a:p>
+          <a:p>
+            <a:r>
+              <a:rPr lang="en-US" altLang="zh-TW" dirty="0"/>
               <a:t>Distributed file system</a:t>
             </a:r>
           </a:p>
           <a:p>
-            <a:endParaRPr lang="en-US" altLang="zh-TW" dirty="0" smtClean="0"/>
+            <a:endParaRPr lang="en-US" altLang="zh-TW" dirty="0"/>
           </a:p>
           <a:p>
             <a:endParaRPr lang="zh-TW" altLang="en-US" dirty="0"/>
@@ -34944,13 +33954,6 @@
   <p:clrMapOvr>
     <a:masterClrMapping/>
   </p:clrMapOvr>
-  <p:timing>
-    <p:tnLst>
-      <p:par>
-        <p:cTn id="1" dur="indefinite" restart="never" nodeType="tmRoot"/>
-      </p:par>
-    </p:tnLst>
-  </p:timing>
 </p:sld>
 </file>
 
@@ -35331,10 +34334,9 @@
           <a:lstStyle/>
           <a:p>
             <a:r>
-              <a:rPr lang="en-US" dirty="0" smtClean="0"/>
+              <a:rPr lang="en-US" dirty="0"/>
               <a:t>g</a:t>
             </a:r>
-            <a:endParaRPr lang="en-US" dirty="0"/>
           </a:p>
         </p:txBody>
       </p:sp>
@@ -35530,10 +34532,9 @@
           <a:lstStyle/>
           <a:p>
             <a:r>
-              <a:rPr lang="en-US" dirty="0" smtClean="0"/>
+              <a:rPr lang="en-US" dirty="0"/>
               <a:t>g</a:t>
             </a:r>
-            <a:endParaRPr lang="en-US" dirty="0"/>
           </a:p>
         </p:txBody>
       </p:sp>
@@ -35729,10 +34730,9 @@
           <a:lstStyle/>
           <a:p>
             <a:r>
-              <a:rPr lang="en-US" dirty="0" smtClean="0"/>
+              <a:rPr lang="en-US" dirty="0"/>
               <a:t>g</a:t>
             </a:r>
-            <a:endParaRPr lang="en-US" dirty="0"/>
           </a:p>
         </p:txBody>
       </p:sp>
@@ -35928,10 +34928,9 @@
           <a:lstStyle/>
           <a:p>
             <a:r>
-              <a:rPr lang="en-US" dirty="0" smtClean="0"/>
+              <a:rPr lang="en-US" dirty="0"/>
               <a:t>g</a:t>
             </a:r>
-            <a:endParaRPr lang="en-US" dirty="0"/>
           </a:p>
         </p:txBody>
       </p:sp>
@@ -36127,10 +35126,9 @@
           <a:lstStyle/>
           <a:p>
             <a:r>
-              <a:rPr lang="en-US" dirty="0" smtClean="0"/>
+              <a:rPr lang="en-US" dirty="0"/>
               <a:t>g</a:t>
             </a:r>
-            <a:endParaRPr lang="en-US" dirty="0"/>
           </a:p>
         </p:txBody>
       </p:sp>
@@ -36514,10 +35512,9 @@
           <a:lstStyle/>
           <a:p>
             <a:r>
-              <a:rPr lang="en-US" dirty="0" smtClean="0"/>
+              <a:rPr lang="en-US" dirty="0"/>
               <a:t>f</a:t>
             </a:r>
-            <a:endParaRPr lang="en-US" dirty="0"/>
           </a:p>
         </p:txBody>
       </p:sp>
@@ -36628,10 +35625,9 @@
           <a:lstStyle/>
           <a:p>
             <a:r>
-              <a:rPr lang="en-US" dirty="0" smtClean="0"/>
+              <a:rPr lang="en-US" dirty="0"/>
               <a:t>f</a:t>
             </a:r>
-            <a:endParaRPr lang="en-US" dirty="0"/>
           </a:p>
         </p:txBody>
       </p:sp>
@@ -36742,10 +35738,9 @@
           <a:lstStyle/>
           <a:p>
             <a:r>
-              <a:rPr lang="en-US" dirty="0" smtClean="0"/>
+              <a:rPr lang="en-US" dirty="0"/>
               <a:t>f</a:t>
             </a:r>
-            <a:endParaRPr lang="en-US" dirty="0"/>
           </a:p>
         </p:txBody>
       </p:sp>
@@ -36856,10 +35851,9 @@
           <a:lstStyle/>
           <a:p>
             <a:r>
-              <a:rPr lang="en-US" dirty="0" smtClean="0"/>
+              <a:rPr lang="en-US" dirty="0"/>
               <a:t>f</a:t>
             </a:r>
-            <a:endParaRPr lang="en-US" dirty="0"/>
           </a:p>
         </p:txBody>
       </p:sp>
@@ -36970,10 +35964,9 @@
           <a:lstStyle/>
           <a:p>
             <a:r>
-              <a:rPr lang="en-US" dirty="0" smtClean="0"/>
+              <a:rPr lang="en-US" dirty="0"/>
               <a:t>f</a:t>
             </a:r>
-            <a:endParaRPr lang="en-US" dirty="0"/>
           </a:p>
         </p:txBody>
       </p:sp>
@@ -37076,16 +36069,12 @@
           <a:lstStyle/>
           <a:p>
             <a:r>
-              <a:rPr lang="en-US" sz="2800" dirty="0" smtClean="0">
+              <a:rPr lang="en-US" sz="2800" dirty="0">
                 <a:latin typeface="Gill Sans"/>
                 <a:cs typeface="Gill Sans"/>
               </a:rPr>
               <a:t>Map</a:t>
             </a:r>
-            <a:endParaRPr lang="en-US" sz="2800" dirty="0">
-              <a:latin typeface="Gill Sans"/>
-              <a:cs typeface="Gill Sans"/>
-            </a:endParaRPr>
           </a:p>
         </p:txBody>
       </p:sp>
@@ -37112,16 +36101,12 @@
           <a:lstStyle/>
           <a:p>
             <a:r>
-              <a:rPr lang="en-US" sz="2800" dirty="0" smtClean="0">
+              <a:rPr lang="en-US" sz="2800" dirty="0">
                 <a:latin typeface="Gill Sans"/>
                 <a:cs typeface="Gill Sans"/>
               </a:rPr>
               <a:t>Fold</a:t>
             </a:r>
-            <a:endParaRPr lang="en-US" sz="2800" dirty="0">
-              <a:latin typeface="Gill Sans"/>
-              <a:cs typeface="Gill Sans"/>
-            </a:endParaRPr>
           </a:p>
         </p:txBody>
       </p:sp>
@@ -37141,10 +36126,9 @@
           <a:lstStyle/>
           <a:p>
             <a:r>
-              <a:rPr lang="en-US" dirty="0" smtClean="0"/>
+              <a:rPr lang="en-US" dirty="0"/>
               <a:t>Roots in Functional Programming</a:t>
             </a:r>
-            <a:endParaRPr lang="en-US" dirty="0"/>
           </a:p>
         </p:txBody>
       </p:sp>
@@ -37158,14 +36142,6 @@
   <p:clrMapOvr>
     <a:masterClrMapping/>
   </p:clrMapOvr>
-  <mc:AlternateContent xmlns:mc="http://schemas.openxmlformats.org/markup-compatibility/2006" xmlns:p14="http://schemas.microsoft.com/office/powerpoint/2010/main">
-    <mc:Choice Requires="p14">
-      <p:transition p14:dur="0"/>
-    </mc:Choice>
-    <mc:Fallback xmlns="">
-      <p:transition xmlns:p14="http://schemas.microsoft.com/office/powerpoint/2010/main"/>
-    </mc:Fallback>
-  </mc:AlternateContent>
   <p:timing>
     <p:tnLst>
       <p:par>
@@ -39015,7 +37991,7 @@
           <a:lstStyle/>
           <a:p>
             <a:r>
-              <a:rPr lang="en-US" smtClean="0"/>
+              <a:rPr lang="en-US"/>
               <a:t>MapReduce</a:t>
             </a:r>
           </a:p>
@@ -39042,7 +38018,7 @@
               </a:lnSpc>
             </a:pPr>
             <a:r>
-              <a:rPr lang="en-US" dirty="0" smtClean="0"/>
+              <a:rPr lang="en-US" dirty="0"/>
               <a:t>Programmers specify two functions:</a:t>
             </a:r>
           </a:p>
@@ -39055,7 +38031,7 @@
               <a:buNone/>
             </a:pPr>
             <a:r>
-              <a:rPr lang="en-US" b="1" dirty="0" smtClean="0">
+              <a:rPr lang="en-US" b="1" dirty="0">
                 <a:solidFill>
                   <a:srgbClr val="FF0000"/>
                 </a:solidFill>
@@ -39063,47 +38039,47 @@
               <a:t>map</a:t>
             </a:r>
             <a:r>
-              <a:rPr lang="en-US" dirty="0" smtClean="0"/>
+              <a:rPr lang="en-US" dirty="0"/>
               <a:t> (k</a:t>
-            </a:r>
-            <a:r>
-              <a:rPr lang="en-US" baseline="-25000" dirty="0" smtClean="0"/>
-              <a:t>1</a:t>
-            </a:r>
-            <a:r>
-              <a:rPr lang="en-US" dirty="0" smtClean="0"/>
-              <a:t>, v</a:t>
             </a:r>
             <a:r>
               <a:rPr lang="en-US" baseline="-25000" dirty="0"/>
               <a:t>1</a:t>
             </a:r>
             <a:r>
-              <a:rPr lang="en-US" dirty="0" smtClean="0"/>
+              <a:rPr lang="en-US" dirty="0"/>
+              <a:t>, v</a:t>
+            </a:r>
+            <a:r>
+              <a:rPr lang="en-US" baseline="-25000" dirty="0"/>
+              <a:t>1</a:t>
+            </a:r>
+            <a:r>
+              <a:rPr lang="en-US" dirty="0"/>
               <a:t>) </a:t>
             </a:r>
             <a:r>
-              <a:rPr lang="en-US" dirty="0" smtClean="0">
+              <a:rPr lang="en-US" dirty="0">
                 <a:cs typeface="Arial" charset="0"/>
               </a:rPr>
               <a:t>→ [&lt;k</a:t>
             </a:r>
             <a:r>
-              <a:rPr lang="en-US" baseline="-25000" dirty="0" smtClean="0"/>
+              <a:rPr lang="en-US" baseline="-25000" dirty="0"/>
               <a:t>2</a:t>
             </a:r>
             <a:r>
-              <a:rPr lang="en-US" dirty="0" smtClean="0">
+              <a:rPr lang="en-US" dirty="0">
                 <a:cs typeface="Arial" charset="0"/>
               </a:rPr>
               <a:t>, v</a:t>
             </a:r>
             <a:r>
-              <a:rPr lang="en-US" baseline="-25000" dirty="0" smtClean="0"/>
+              <a:rPr lang="en-US" baseline="-25000" dirty="0"/>
               <a:t>2</a:t>
             </a:r>
             <a:r>
-              <a:rPr lang="en-US" dirty="0" smtClean="0">
+              <a:rPr lang="en-US" dirty="0">
                 <a:cs typeface="Arial" charset="0"/>
               </a:rPr>
               <a:t>&gt;]</a:t>
@@ -39118,7 +38094,7 @@
               <a:buNone/>
             </a:pPr>
             <a:r>
-              <a:rPr lang="en-US" b="1" dirty="0" smtClean="0">
+              <a:rPr lang="en-US" b="1" dirty="0">
                 <a:solidFill>
                   <a:srgbClr val="FF0000"/>
                 </a:solidFill>
@@ -39127,47 +38103,47 @@
               <a:t>reduce</a:t>
             </a:r>
             <a:r>
-              <a:rPr lang="en-US" dirty="0" smtClean="0">
+              <a:rPr lang="en-US" dirty="0">
                 <a:cs typeface="Arial" charset="0"/>
               </a:rPr>
               <a:t> (k</a:t>
             </a:r>
             <a:r>
-              <a:rPr lang="en-US" baseline="-25000" dirty="0" smtClean="0"/>
+              <a:rPr lang="en-US" baseline="-25000" dirty="0"/>
               <a:t>2</a:t>
             </a:r>
             <a:r>
-              <a:rPr lang="en-US" dirty="0" smtClean="0">
+              <a:rPr lang="en-US" dirty="0">
                 <a:cs typeface="Arial" charset="0"/>
               </a:rPr>
               <a:t>, [v</a:t>
             </a:r>
             <a:r>
-              <a:rPr lang="en-US" baseline="-25000" dirty="0" smtClean="0"/>
+              <a:rPr lang="en-US" baseline="-25000" dirty="0"/>
               <a:t>2</a:t>
             </a:r>
             <a:r>
-              <a:rPr lang="en-US" dirty="0" smtClean="0">
+              <a:rPr lang="en-US" dirty="0">
                 <a:cs typeface="Arial" charset="0"/>
               </a:rPr>
               <a:t>]) → [&lt;k</a:t>
             </a:r>
             <a:r>
-              <a:rPr lang="en-US" baseline="-25000" dirty="0" smtClean="0"/>
+              <a:rPr lang="en-US" baseline="-25000" dirty="0"/>
               <a:t>3</a:t>
             </a:r>
             <a:r>
-              <a:rPr lang="en-US" dirty="0" smtClean="0">
+              <a:rPr lang="en-US" dirty="0">
                 <a:cs typeface="Arial" charset="0"/>
               </a:rPr>
               <a:t>, v</a:t>
             </a:r>
             <a:r>
-              <a:rPr lang="en-US" baseline="-25000" dirty="0" smtClean="0"/>
+              <a:rPr lang="en-US" baseline="-25000" dirty="0"/>
               <a:t>3</a:t>
             </a:r>
             <a:r>
-              <a:rPr lang="en-US" dirty="0" smtClean="0">
+              <a:rPr lang="en-US" dirty="0">
                 <a:cs typeface="Arial" charset="0"/>
               </a:rPr>
               <a:t>&gt;]</a:t>
@@ -39180,7 +38156,7 @@
               </a:lnSpc>
             </a:pPr>
             <a:r>
-              <a:rPr lang="en-US" dirty="0" smtClean="0">
+              <a:rPr lang="en-US" dirty="0">
                 <a:cs typeface="Arial" charset="0"/>
               </a:rPr>
               <a:t>All values with the same key are sent to the same reducer</a:t>
@@ -39193,7 +38169,7 @@
               </a:lnSpc>
             </a:pPr>
             <a:r>
-              <a:rPr lang="en-US" dirty="0" smtClean="0">
+              <a:rPr lang="en-US" dirty="0">
                 <a:cs typeface="Arial" charset="0"/>
               </a:rPr>
               <a:t>The execution framework handles everything else…</a:t>
@@ -39211,21 +38187,6 @@
   <p:clrMapOvr>
     <a:masterClrMapping/>
   </p:clrMapOvr>
-  <mc:AlternateContent xmlns:mc="http://schemas.openxmlformats.org/markup-compatibility/2006" xmlns:p14="http://schemas.microsoft.com/office/powerpoint/2010/main">
-    <mc:Choice Requires="p14">
-      <p:transition p14:dur="0"/>
-    </mc:Choice>
-    <mc:Fallback xmlns="">
-      <p:transition xmlns:p14="http://schemas.microsoft.com/office/powerpoint/2010/main"/>
-    </mc:Fallback>
-  </mc:AlternateContent>
-  <p:timing>
-    <p:tnLst>
-      <p:par>
-        <p:cTn id="1" dur="indefinite" restart="never" nodeType="tmRoot"/>
-      </p:par>
-    </p:tnLst>
-  </p:timing>
 </p:sld>
 </file>
 
@@ -42349,7 +41310,7 @@
             <a:lstStyle/>
             <a:p>
               <a:r>
-                <a:rPr lang="en-US" sz="1200" b="0" dirty="0" smtClean="0"/>
+                <a:rPr lang="en-US" sz="1200" b="0" dirty="0"/>
                 <a:t>8</a:t>
               </a:r>
               <a:endParaRPr lang="en-US" b="0" baseline="-25000" dirty="0"/>
@@ -43195,7 +42156,7 @@
             <a:lstStyle/>
             <a:p>
               <a:r>
-                <a:rPr lang="en-US" sz="1200" b="0" dirty="0" smtClean="0"/>
+                <a:rPr lang="en-US" sz="1200" b="0" dirty="0"/>
                 <a:t>8</a:t>
               </a:r>
               <a:endParaRPr lang="en-US" b="0" baseline="-25000" dirty="0"/>
@@ -43720,14 +42681,6 @@
   <p:clrMapOvr>
     <a:masterClrMapping/>
   </p:clrMapOvr>
-  <mc:AlternateContent xmlns:mc="http://schemas.openxmlformats.org/markup-compatibility/2006" xmlns:p14="http://schemas.microsoft.com/office/powerpoint/2010/main">
-    <mc:Choice Requires="p14">
-      <p:transition p14:dur="0"/>
-    </mc:Choice>
-    <mc:Fallback xmlns="">
-      <p:transition xmlns:p14="http://schemas.microsoft.com/office/powerpoint/2010/main"/>
-    </mc:Fallback>
-  </mc:AlternateContent>
   <p:timing>
     <p:tnLst>
       <p:par>
@@ -44838,7 +43791,7 @@
           <a:lstStyle/>
           <a:p>
             <a:r>
-              <a:rPr lang="en-US" smtClean="0"/>
+              <a:rPr lang="en-US"/>
               <a:t>MapReduce</a:t>
             </a:r>
           </a:p>
@@ -44865,7 +43818,7 @@
               </a:lnSpc>
             </a:pPr>
             <a:r>
-              <a:rPr lang="en-US" dirty="0" smtClean="0"/>
+              <a:rPr lang="en-US" dirty="0"/>
               <a:t>Programmers specify two functions:</a:t>
             </a:r>
           </a:p>
@@ -44878,7 +43831,7 @@
               <a:buNone/>
             </a:pPr>
             <a:r>
-              <a:rPr lang="en-US" b="1" dirty="0" smtClean="0">
+              <a:rPr lang="en-US" b="1" dirty="0">
                 <a:solidFill>
                   <a:srgbClr val="FF0000"/>
                 </a:solidFill>
@@ -44886,11 +43839,11 @@
               <a:t>map</a:t>
             </a:r>
             <a:r>
-              <a:rPr lang="en-US" dirty="0" smtClean="0"/>
+              <a:rPr lang="en-US" dirty="0"/>
               <a:t> (k, v) </a:t>
             </a:r>
             <a:r>
-              <a:rPr lang="en-US" dirty="0" smtClean="0">
+              <a:rPr lang="en-US" dirty="0">
                 <a:cs typeface="Arial" charset="0"/>
               </a:rPr>
               <a:t>→ &lt;k’, v’&gt;*</a:t>
@@ -44905,7 +43858,7 @@
               <a:buNone/>
             </a:pPr>
             <a:r>
-              <a:rPr lang="en-US" b="1" dirty="0" smtClean="0">
+              <a:rPr lang="en-US" b="1" dirty="0">
                 <a:solidFill>
                   <a:srgbClr val="FF0000"/>
                 </a:solidFill>
@@ -44914,7 +43867,7 @@
               <a:t>reduce</a:t>
             </a:r>
             <a:r>
-              <a:rPr lang="en-US" dirty="0" smtClean="0">
+              <a:rPr lang="en-US" dirty="0">
                 <a:cs typeface="Arial" charset="0"/>
               </a:rPr>
               <a:t> (k’, v’) → &lt;k’, v’&gt;*</a:t>
@@ -44927,7 +43880,7 @@
               </a:lnSpc>
             </a:pPr>
             <a:r>
-              <a:rPr lang="en-US" dirty="0" smtClean="0">
+              <a:rPr lang="en-US" dirty="0">
                 <a:cs typeface="Arial" charset="0"/>
               </a:rPr>
               <a:t>All values with the same key are sent to the same reducer</a:t>
@@ -44940,7 +43893,7 @@
               </a:lnSpc>
             </a:pPr>
             <a:r>
-              <a:rPr lang="en-US" dirty="0" smtClean="0">
+              <a:rPr lang="en-US" dirty="0">
                 <a:cs typeface="Arial" charset="0"/>
               </a:rPr>
               <a:t>The execution framework handles everything else…</a:t>
@@ -44979,7 +43932,7 @@
           <a:lstStyle/>
           <a:p>
             <a:r>
-              <a:rPr lang="en-US" sz="2400" dirty="0" smtClean="0">
+              <a:rPr lang="en-US" sz="2400" dirty="0">
                 <a:solidFill>
                   <a:srgbClr val="FF0000"/>
                 </a:solidFill>
@@ -44987,12 +43940,6 @@
               </a:rPr>
               <a:t>What’s “everything else”?</a:t>
             </a:r>
-            <a:endParaRPr lang="en-US" sz="2400" dirty="0">
-              <a:solidFill>
-                <a:srgbClr val="FF0000"/>
-              </a:solidFill>
-              <a:cs typeface="Gill Sans"/>
-            </a:endParaRPr>
           </a:p>
         </p:txBody>
       </p:sp>
@@ -45006,14 +43953,6 @@
   <p:clrMapOvr>
     <a:masterClrMapping/>
   </p:clrMapOvr>
-  <mc:AlternateContent xmlns:mc="http://schemas.openxmlformats.org/markup-compatibility/2006" xmlns:p14="http://schemas.microsoft.com/office/powerpoint/2010/main">
-    <mc:Choice Requires="p14">
-      <p:transition p14:dur="0"/>
-    </mc:Choice>
-    <mc:Fallback xmlns="">
-      <p:transition xmlns:p14="http://schemas.microsoft.com/office/powerpoint/2010/main"/>
-    </mc:Fallback>
-  </mc:AlternateContent>
   <p:timing>
     <p:tnLst>
       <p:par>

--- a/BDM/MapReduce_Basics.pptx
+++ b/BDM/MapReduce_Basics.pptx
@@ -240,7 +240,7 @@
           <a:p>
             <a:fld id="{DF0B669B-B66F-400C-B090-F76AD6B13D3B}" type="datetimeFigureOut">
               <a:rPr lang="zh-TW" altLang="en-US" smtClean="0"/>
-              <a:t>2024/9/20</a:t>
+              <a:t>2025/9/15</a:t>
             </a:fld>
             <a:endParaRPr lang="zh-TW" altLang="en-US"/>
           </a:p>
@@ -940,7 +940,7 @@
           <a:p>
             <a:fld id="{2F4D524B-7B34-4234-8034-DF4A15522CAE}" type="datetimeFigureOut">
               <a:rPr lang="zh-TW" altLang="en-US" smtClean="0"/>
-              <a:t>2024/9/20</a:t>
+              <a:t>2025/9/15</a:t>
             </a:fld>
             <a:endParaRPr lang="zh-TW" altLang="en-US"/>
           </a:p>
@@ -1108,7 +1108,7 @@
           <a:p>
             <a:fld id="{2F4D524B-7B34-4234-8034-DF4A15522CAE}" type="datetimeFigureOut">
               <a:rPr lang="zh-TW" altLang="en-US" smtClean="0"/>
-              <a:t>2024/9/20</a:t>
+              <a:t>2025/9/15</a:t>
             </a:fld>
             <a:endParaRPr lang="zh-TW" altLang="en-US"/>
           </a:p>
@@ -1286,7 +1286,7 @@
           <a:p>
             <a:fld id="{2F4D524B-7B34-4234-8034-DF4A15522CAE}" type="datetimeFigureOut">
               <a:rPr lang="zh-TW" altLang="en-US" smtClean="0"/>
-              <a:t>2024/9/20</a:t>
+              <a:t>2025/9/15</a:t>
             </a:fld>
             <a:endParaRPr lang="zh-TW" altLang="en-US"/>
           </a:p>
@@ -1454,7 +1454,7 @@
           <a:p>
             <a:fld id="{2F4D524B-7B34-4234-8034-DF4A15522CAE}" type="datetimeFigureOut">
               <a:rPr lang="zh-TW" altLang="en-US" smtClean="0"/>
-              <a:t>2024/9/20</a:t>
+              <a:t>2025/9/15</a:t>
             </a:fld>
             <a:endParaRPr lang="zh-TW" altLang="en-US"/>
           </a:p>
@@ -1699,7 +1699,7 @@
           <a:p>
             <a:fld id="{2F4D524B-7B34-4234-8034-DF4A15522CAE}" type="datetimeFigureOut">
               <a:rPr lang="zh-TW" altLang="en-US" smtClean="0"/>
-              <a:t>2024/9/20</a:t>
+              <a:t>2025/9/15</a:t>
             </a:fld>
             <a:endParaRPr lang="zh-TW" altLang="en-US"/>
           </a:p>
@@ -1984,7 +1984,7 @@
           <a:p>
             <a:fld id="{2F4D524B-7B34-4234-8034-DF4A15522CAE}" type="datetimeFigureOut">
               <a:rPr lang="zh-TW" altLang="en-US" smtClean="0"/>
-              <a:t>2024/9/20</a:t>
+              <a:t>2025/9/15</a:t>
             </a:fld>
             <a:endParaRPr lang="zh-TW" altLang="en-US"/>
           </a:p>
@@ -2403,7 +2403,7 @@
           <a:p>
             <a:fld id="{2F4D524B-7B34-4234-8034-DF4A15522CAE}" type="datetimeFigureOut">
               <a:rPr lang="zh-TW" altLang="en-US" smtClean="0"/>
-              <a:t>2024/9/20</a:t>
+              <a:t>2025/9/15</a:t>
             </a:fld>
             <a:endParaRPr lang="zh-TW" altLang="en-US"/>
           </a:p>
@@ -2520,7 +2520,7 @@
           <a:p>
             <a:fld id="{2F4D524B-7B34-4234-8034-DF4A15522CAE}" type="datetimeFigureOut">
               <a:rPr lang="zh-TW" altLang="en-US" smtClean="0"/>
-              <a:t>2024/9/20</a:t>
+              <a:t>2025/9/15</a:t>
             </a:fld>
             <a:endParaRPr lang="zh-TW" altLang="en-US"/>
           </a:p>
@@ -2615,7 +2615,7 @@
           <a:p>
             <a:fld id="{2F4D524B-7B34-4234-8034-DF4A15522CAE}" type="datetimeFigureOut">
               <a:rPr lang="zh-TW" altLang="en-US" smtClean="0"/>
-              <a:t>2024/9/20</a:t>
+              <a:t>2025/9/15</a:t>
             </a:fld>
             <a:endParaRPr lang="zh-TW" altLang="en-US"/>
           </a:p>
@@ -2890,7 +2890,7 @@
           <a:p>
             <a:fld id="{2F4D524B-7B34-4234-8034-DF4A15522CAE}" type="datetimeFigureOut">
               <a:rPr lang="zh-TW" altLang="en-US" smtClean="0"/>
-              <a:t>2024/9/20</a:t>
+              <a:t>2025/9/15</a:t>
             </a:fld>
             <a:endParaRPr lang="zh-TW" altLang="en-US"/>
           </a:p>
@@ -3142,7 +3142,7 @@
           <a:p>
             <a:fld id="{2F4D524B-7B34-4234-8034-DF4A15522CAE}" type="datetimeFigureOut">
               <a:rPr lang="zh-TW" altLang="en-US" smtClean="0"/>
-              <a:t>2024/9/20</a:t>
+              <a:t>2025/9/15</a:t>
             </a:fld>
             <a:endParaRPr lang="zh-TW" altLang="en-US"/>
           </a:p>
@@ -3353,7 +3353,7 @@
           <a:p>
             <a:fld id="{2F4D524B-7B34-4234-8034-DF4A15522CAE}" type="datetimeFigureOut">
               <a:rPr lang="zh-TW" altLang="en-US" smtClean="0"/>
-              <a:t>2024/9/20</a:t>
+              <a:t>2025/9/15</a:t>
             </a:fld>
             <a:endParaRPr lang="zh-TW" altLang="en-US"/>
           </a:p>
@@ -3782,7 +3782,7 @@
           <a:p>
             <a:r>
               <a:rPr lang="en-US" altLang="zh-TW" dirty="0"/>
-              <a:t>Sep. 20, 2024</a:t>
+              <a:t>Sep. 22, 2025</a:t>
             </a:r>
             <a:endParaRPr lang="zh-TW" altLang="en-US" dirty="0"/>
           </a:p>
@@ -4907,10 +4907,10 @@
         </p:nvGrpSpPr>
         <p:grpSpPr>
           <a:xfrm>
-            <a:off x="2291678" y="3381375"/>
-            <a:ext cx="991272" cy="276999"/>
-            <a:chOff x="2291678" y="3381375"/>
-            <a:chExt cx="991272" cy="276999"/>
+            <a:off x="2279656" y="3381375"/>
+            <a:ext cx="1022395" cy="338554"/>
+            <a:chOff x="2279656" y="3381375"/>
+            <a:chExt cx="1022395" cy="338554"/>
           </a:xfrm>
         </p:grpSpPr>
         <p:sp>
@@ -4945,7 +4945,7 @@
             <a:bodyPr/>
             <a:lstStyle/>
             <a:p>
-              <a:endParaRPr lang="en-US"/>
+              <a:endParaRPr lang="en-US" sz="2400"/>
             </a:p>
           </p:txBody>
         </p:sp>
@@ -4959,8 +4959,8 @@
           </p:nvSpPr>
           <p:spPr bwMode="auto">
             <a:xfrm>
-              <a:off x="2784475" y="3381375"/>
-              <a:ext cx="269761" cy="276225"/>
+              <a:off x="2773322" y="3381375"/>
+              <a:ext cx="292068" cy="338554"/>
             </a:xfrm>
             <a:prstGeom prst="rect">
               <a:avLst/>
@@ -4981,10 +4981,10 @@
             <a:p>
               <a:pPr algn="ctr"/>
               <a:r>
-                <a:rPr lang="en-US" sz="1200" b="0" dirty="0"/>
+                <a:rPr lang="en-US" sz="1600" b="0" dirty="0"/>
                 <a:t>b</a:t>
               </a:r>
-              <a:endParaRPr lang="en-US" b="0" baseline="-25000" dirty="0"/>
+              <a:endParaRPr lang="en-US" sz="2400" b="0" baseline="-25000" dirty="0"/>
             </a:p>
           </p:txBody>
         </p:sp>
@@ -5020,7 +5020,7 @@
             <a:bodyPr/>
             <a:lstStyle/>
             <a:p>
-              <a:endParaRPr lang="en-US"/>
+              <a:endParaRPr lang="en-US" sz="2400"/>
             </a:p>
           </p:txBody>
         </p:sp>
@@ -5034,8 +5034,8 @@
           </p:nvSpPr>
           <p:spPr bwMode="auto">
             <a:xfrm>
-              <a:off x="2291678" y="3381375"/>
-              <a:ext cx="258404" cy="276999"/>
+              <a:off x="2279656" y="3381375"/>
+              <a:ext cx="282450" cy="338554"/>
             </a:xfrm>
             <a:prstGeom prst="rect">
               <a:avLst/>
@@ -5056,10 +5056,10 @@
             <a:p>
               <a:pPr algn="ctr"/>
               <a:r>
-                <a:rPr lang="en-US" sz="1200" b="0" dirty="0"/>
+                <a:rPr lang="en-US" sz="1600" b="0" dirty="0"/>
                 <a:t>a</a:t>
               </a:r>
-              <a:endParaRPr lang="en-US" b="0" baseline="-25000" dirty="0"/>
+              <a:endParaRPr lang="en-US" sz="2400" b="0" baseline="-25000" dirty="0"/>
             </a:p>
           </p:txBody>
         </p:sp>
@@ -5093,7 +5093,7 @@
             <a:bodyPr/>
             <a:lstStyle/>
             <a:p>
-              <a:endParaRPr lang="en-US"/>
+              <a:endParaRPr lang="en-US" sz="2400"/>
             </a:p>
           </p:txBody>
         </p:sp>
@@ -5108,7 +5108,7 @@
           <p:spPr bwMode="auto">
             <a:xfrm>
               <a:off x="2514714" y="3381375"/>
-              <a:ext cx="269761" cy="276225"/>
+              <a:ext cx="288862" cy="338554"/>
             </a:xfrm>
             <a:prstGeom prst="rect">
               <a:avLst/>
@@ -5128,10 +5128,10 @@
             <a:lstStyle/>
             <a:p>
               <a:r>
-                <a:rPr lang="en-US" sz="1200" b="0"/>
+                <a:rPr lang="en-US" sz="1600" b="0" dirty="0"/>
                 <a:t>1</a:t>
               </a:r>
-              <a:endParaRPr lang="en-US" b="0" baseline="-25000"/>
+              <a:endParaRPr lang="en-US" sz="2400" b="0" baseline="-25000" dirty="0"/>
             </a:p>
           </p:txBody>
         </p:sp>
@@ -5165,7 +5165,7 @@
             <a:bodyPr/>
             <a:lstStyle/>
             <a:p>
-              <a:endParaRPr lang="en-US"/>
+              <a:endParaRPr lang="en-US" sz="2400"/>
             </a:p>
           </p:txBody>
         </p:sp>
@@ -5180,7 +5180,7 @@
           <p:spPr bwMode="auto">
             <a:xfrm>
               <a:off x="3013189" y="3381375"/>
-              <a:ext cx="269761" cy="276225"/>
+              <a:ext cx="288862" cy="338554"/>
             </a:xfrm>
             <a:prstGeom prst="rect">
               <a:avLst/>
@@ -5200,10 +5200,10 @@
             <a:lstStyle/>
             <a:p>
               <a:r>
-                <a:rPr lang="en-US" sz="1200" b="0"/>
+                <a:rPr lang="en-US" sz="1600" b="0"/>
                 <a:t>2</a:t>
               </a:r>
-              <a:endParaRPr lang="en-US" b="0" baseline="-25000"/>
+              <a:endParaRPr lang="en-US" sz="2400" b="0" baseline="-25000"/>
             </a:p>
           </p:txBody>
         </p:sp>
@@ -5216,10 +5216,10 @@
         </p:nvGrpSpPr>
         <p:grpSpPr>
           <a:xfrm>
-            <a:off x="3854610" y="3381375"/>
-            <a:ext cx="488790" cy="276999"/>
-            <a:chOff x="3854610" y="3381375"/>
-            <a:chExt cx="488790" cy="276999"/>
+            <a:off x="3844191" y="3381375"/>
+            <a:ext cx="518310" cy="338554"/>
+            <a:chOff x="3844191" y="3381375"/>
+            <a:chExt cx="518310" cy="338554"/>
           </a:xfrm>
         </p:grpSpPr>
         <p:sp>
@@ -5254,7 +5254,7 @@
             <a:bodyPr/>
             <a:lstStyle/>
             <a:p>
-              <a:endParaRPr lang="en-US"/>
+              <a:endParaRPr lang="en-US" sz="2400"/>
             </a:p>
           </p:txBody>
         </p:sp>
@@ -5268,8 +5268,8 @@
           </p:nvSpPr>
           <p:spPr bwMode="auto">
             <a:xfrm>
-              <a:off x="3854610" y="3381375"/>
-              <a:ext cx="250390" cy="276999"/>
+              <a:off x="3844191" y="3381375"/>
+              <a:ext cx="271229" cy="338554"/>
             </a:xfrm>
             <a:prstGeom prst="rect">
               <a:avLst/>
@@ -5290,10 +5290,10 @@
             <a:p>
               <a:pPr algn="ctr"/>
               <a:r>
-                <a:rPr lang="en-US" sz="1200" b="0"/>
+                <a:rPr lang="en-US" sz="1600" b="0"/>
                 <a:t>c</a:t>
               </a:r>
-              <a:endParaRPr lang="en-US" b="0" baseline="-25000"/>
+              <a:endParaRPr lang="en-US" sz="2400" b="0" baseline="-25000"/>
             </a:p>
           </p:txBody>
         </p:sp>
@@ -5327,7 +5327,7 @@
             <a:bodyPr/>
             <a:lstStyle/>
             <a:p>
-              <a:endParaRPr lang="en-US"/>
+              <a:endParaRPr lang="en-US" sz="2400"/>
             </a:p>
           </p:txBody>
         </p:sp>
@@ -5342,7 +5342,7 @@
           <p:spPr bwMode="auto">
             <a:xfrm>
               <a:off x="4073639" y="3381375"/>
-              <a:ext cx="269761" cy="276225"/>
+              <a:ext cx="288862" cy="338554"/>
             </a:xfrm>
             <a:prstGeom prst="rect">
               <a:avLst/>
@@ -5362,10 +5362,10 @@
             <a:lstStyle/>
             <a:p>
               <a:r>
-                <a:rPr lang="en-US" sz="1200" b="0" dirty="0"/>
+                <a:rPr lang="en-US" sz="1600" b="0" dirty="0"/>
                 <a:t>9</a:t>
               </a:r>
-              <a:endParaRPr lang="en-US" b="0" baseline="-25000" dirty="0"/>
+              <a:endParaRPr lang="en-US" sz="2400" b="0" baseline="-25000" dirty="0"/>
             </a:p>
           </p:txBody>
         </p:sp>
@@ -5378,10 +5378,10 @@
         </p:nvGrpSpPr>
         <p:grpSpPr>
           <a:xfrm>
-            <a:off x="4882411" y="3381375"/>
-            <a:ext cx="984989" cy="276999"/>
-            <a:chOff x="4882411" y="3381375"/>
-            <a:chExt cx="984989" cy="276999"/>
+            <a:off x="4870389" y="3381375"/>
+            <a:ext cx="1016247" cy="338554"/>
+            <a:chOff x="4870389" y="3381375"/>
+            <a:chExt cx="1016247" cy="338554"/>
           </a:xfrm>
         </p:grpSpPr>
         <p:sp>
@@ -5416,7 +5416,7 @@
             <a:bodyPr/>
             <a:lstStyle/>
             <a:p>
-              <a:endParaRPr lang="en-US"/>
+              <a:endParaRPr lang="en-US" sz="2400"/>
             </a:p>
           </p:txBody>
         </p:sp>
@@ -5452,7 +5452,7 @@
             <a:bodyPr/>
             <a:lstStyle/>
             <a:p>
-              <a:endParaRPr lang="en-US"/>
+              <a:endParaRPr lang="en-US" sz="2400"/>
             </a:p>
           </p:txBody>
         </p:sp>
@@ -5466,8 +5466,8 @@
           </p:nvSpPr>
           <p:spPr bwMode="auto">
             <a:xfrm>
-              <a:off x="4882411" y="3381375"/>
-              <a:ext cx="258404" cy="276999"/>
+              <a:off x="4870389" y="3381375"/>
+              <a:ext cx="282450" cy="338554"/>
             </a:xfrm>
             <a:prstGeom prst="rect">
               <a:avLst/>
@@ -5488,10 +5488,10 @@
             <a:p>
               <a:pPr algn="ctr"/>
               <a:r>
-                <a:rPr lang="en-US" sz="1200" b="0"/>
+                <a:rPr lang="en-US" sz="1600" b="0"/>
                 <a:t>a</a:t>
               </a:r>
-              <a:endParaRPr lang="en-US" b="0" baseline="-25000"/>
+              <a:endParaRPr lang="en-US" sz="2400" b="0" baseline="-25000"/>
             </a:p>
           </p:txBody>
         </p:sp>
@@ -5505,8 +5505,8 @@
           </p:nvSpPr>
           <p:spPr bwMode="auto">
             <a:xfrm>
-              <a:off x="5374784" y="3381375"/>
-              <a:ext cx="250390" cy="276999"/>
+              <a:off x="5364365" y="3381375"/>
+              <a:ext cx="271229" cy="338554"/>
             </a:xfrm>
             <a:prstGeom prst="rect">
               <a:avLst/>
@@ -5527,10 +5527,10 @@
             <a:p>
               <a:pPr algn="ctr"/>
               <a:r>
-                <a:rPr lang="en-US" sz="1200" b="0"/>
+                <a:rPr lang="en-US" sz="1600" b="0"/>
                 <a:t>c</a:t>
               </a:r>
-              <a:endParaRPr lang="en-US" b="0" baseline="-25000"/>
+              <a:endParaRPr lang="en-US" sz="2400" b="0" baseline="-25000"/>
             </a:p>
           </p:txBody>
         </p:sp>
@@ -5564,7 +5564,7 @@
             <a:bodyPr/>
             <a:lstStyle/>
             <a:p>
-              <a:endParaRPr lang="en-US"/>
+              <a:endParaRPr lang="en-US" sz="2400"/>
             </a:p>
           </p:txBody>
         </p:sp>
@@ -5579,7 +5579,7 @@
           <p:spPr bwMode="auto">
             <a:xfrm>
               <a:off x="5105400" y="3381375"/>
-              <a:ext cx="269626" cy="276225"/>
+              <a:ext cx="288862" cy="338554"/>
             </a:xfrm>
             <a:prstGeom prst="rect">
               <a:avLst/>
@@ -5599,10 +5599,10 @@
             <a:lstStyle/>
             <a:p>
               <a:r>
-                <a:rPr lang="en-US" sz="1200" b="0"/>
+                <a:rPr lang="en-US" sz="1600" b="0"/>
                 <a:t>5</a:t>
               </a:r>
-              <a:endParaRPr lang="en-US" b="0" baseline="-25000"/>
+              <a:endParaRPr lang="en-US" sz="2400" b="0" baseline="-25000"/>
             </a:p>
           </p:txBody>
         </p:sp>
@@ -5636,7 +5636,7 @@
             <a:bodyPr/>
             <a:lstStyle/>
             <a:p>
-              <a:endParaRPr lang="en-US"/>
+              <a:endParaRPr lang="en-US" sz="2400"/>
             </a:p>
           </p:txBody>
         </p:sp>
@@ -5651,7 +5651,7 @@
           <p:spPr bwMode="auto">
             <a:xfrm>
               <a:off x="5597774" y="3381375"/>
-              <a:ext cx="269626" cy="276225"/>
+              <a:ext cx="288862" cy="338554"/>
             </a:xfrm>
             <a:prstGeom prst="rect">
               <a:avLst/>
@@ -5671,10 +5671,10 @@
             <a:lstStyle/>
             <a:p>
               <a:r>
-                <a:rPr lang="en-US" sz="1200" b="0"/>
+                <a:rPr lang="en-US" sz="1600" b="0"/>
                 <a:t>2</a:t>
               </a:r>
-              <a:endParaRPr lang="en-US" b="0" baseline="-25000"/>
+              <a:endParaRPr lang="en-US" sz="2400" b="0" baseline="-25000"/>
             </a:p>
           </p:txBody>
         </p:sp>
@@ -5687,10 +5687,10 @@
         </p:nvGrpSpPr>
         <p:grpSpPr>
           <a:xfrm>
-            <a:off x="6248400" y="3381375"/>
-            <a:ext cx="990600" cy="276999"/>
-            <a:chOff x="6248400" y="3381375"/>
-            <a:chExt cx="990600" cy="276999"/>
+            <a:off x="6237179" y="3381375"/>
+            <a:ext cx="1021057" cy="338554"/>
+            <a:chOff x="6237179" y="3381375"/>
+            <a:chExt cx="1021057" cy="338554"/>
           </a:xfrm>
         </p:grpSpPr>
         <p:sp>
@@ -5725,7 +5725,7 @@
             <a:bodyPr/>
             <a:lstStyle/>
             <a:p>
-              <a:endParaRPr lang="en-US"/>
+              <a:endParaRPr lang="en-US" sz="2400"/>
             </a:p>
           </p:txBody>
         </p:sp>
@@ -5761,7 +5761,7 @@
             <a:bodyPr/>
             <a:lstStyle/>
             <a:p>
-              <a:endParaRPr lang="en-US"/>
+              <a:endParaRPr lang="en-US" sz="2400"/>
             </a:p>
           </p:txBody>
         </p:sp>
@@ -5775,8 +5775,8 @@
           </p:nvSpPr>
           <p:spPr bwMode="auto">
             <a:xfrm>
-              <a:off x="6248400" y="3381375"/>
-              <a:ext cx="269626" cy="276225"/>
+              <a:off x="6237179" y="3381375"/>
+              <a:ext cx="292068" cy="338554"/>
             </a:xfrm>
             <a:prstGeom prst="rect">
               <a:avLst/>
@@ -5797,10 +5797,10 @@
             <a:p>
               <a:pPr algn="ctr"/>
               <a:r>
-                <a:rPr lang="en-US" sz="1200" b="0"/>
+                <a:rPr lang="en-US" sz="1600" b="0"/>
                 <a:t>b</a:t>
               </a:r>
-              <a:endParaRPr lang="en-US" b="0" baseline="-25000"/>
+              <a:endParaRPr lang="en-US" sz="2400" b="0" baseline="-25000"/>
             </a:p>
           </p:txBody>
         </p:sp>
@@ -5814,8 +5814,8 @@
           </p:nvSpPr>
           <p:spPr bwMode="auto">
             <a:xfrm>
-              <a:off x="6746384" y="3381375"/>
-              <a:ext cx="250390" cy="276999"/>
+              <a:off x="6735965" y="3381375"/>
+              <a:ext cx="271229" cy="338554"/>
             </a:xfrm>
             <a:prstGeom prst="rect">
               <a:avLst/>
@@ -5836,10 +5836,10 @@
             <a:p>
               <a:pPr algn="ctr"/>
               <a:r>
-                <a:rPr lang="en-US" sz="1200" b="0"/>
+                <a:rPr lang="en-US" sz="1600" b="0"/>
                 <a:t>c</a:t>
               </a:r>
-              <a:endParaRPr lang="en-US" b="0" baseline="-25000"/>
+              <a:endParaRPr lang="en-US" sz="2400" b="0" baseline="-25000"/>
             </a:p>
           </p:txBody>
         </p:sp>
@@ -5873,7 +5873,7 @@
             <a:bodyPr/>
             <a:lstStyle/>
             <a:p>
-              <a:endParaRPr lang="en-US"/>
+              <a:endParaRPr lang="en-US" sz="2400"/>
             </a:p>
           </p:txBody>
         </p:sp>
@@ -5888,7 +5888,7 @@
           <p:spPr bwMode="auto">
             <a:xfrm>
               <a:off x="6477000" y="3381375"/>
-              <a:ext cx="269626" cy="276225"/>
+              <a:ext cx="288862" cy="338554"/>
             </a:xfrm>
             <a:prstGeom prst="rect">
               <a:avLst/>
@@ -5908,10 +5908,10 @@
             <a:lstStyle/>
             <a:p>
               <a:r>
-                <a:rPr lang="en-US" sz="1200" b="0"/>
+                <a:rPr lang="en-US" sz="1600" b="0"/>
                 <a:t>7</a:t>
               </a:r>
-              <a:endParaRPr lang="en-US" b="0" baseline="-25000"/>
+              <a:endParaRPr lang="en-US" sz="2400" b="0" baseline="-25000"/>
             </a:p>
           </p:txBody>
         </p:sp>
@@ -5945,7 +5945,7 @@
             <a:bodyPr/>
             <a:lstStyle/>
             <a:p>
-              <a:endParaRPr lang="en-US"/>
+              <a:endParaRPr lang="en-US" sz="2400"/>
             </a:p>
           </p:txBody>
         </p:sp>
@@ -5960,7 +5960,7 @@
           <p:spPr bwMode="auto">
             <a:xfrm>
               <a:off x="6969374" y="3381375"/>
-              <a:ext cx="269626" cy="276225"/>
+              <a:ext cx="288862" cy="338554"/>
             </a:xfrm>
             <a:prstGeom prst="rect">
               <a:avLst/>
@@ -5980,10 +5980,10 @@
             <a:lstStyle/>
             <a:p>
               <a:r>
-                <a:rPr lang="en-US" sz="1200" b="0" dirty="0"/>
+                <a:rPr lang="en-US" sz="1600" b="0" dirty="0"/>
                 <a:t>8</a:t>
               </a:r>
-              <a:endParaRPr lang="en-US" b="0" baseline="-25000" dirty="0"/>
+              <a:endParaRPr lang="en-US" sz="2400" b="0" baseline="-25000" dirty="0"/>
             </a:p>
           </p:txBody>
         </p:sp>
@@ -6709,9 +6709,9 @@
         <p:grpSpPr>
           <a:xfrm>
             <a:off x="3033713" y="333375"/>
-            <a:ext cx="3200284" cy="276999"/>
+            <a:ext cx="3241962" cy="338554"/>
             <a:chOff x="3033713" y="333375"/>
-            <a:chExt cx="3200284" cy="276999"/>
+            <a:chExt cx="3241962" cy="338554"/>
           </a:xfrm>
         </p:grpSpPr>
         <p:sp>
@@ -6746,7 +6746,7 @@
             <a:bodyPr/>
             <a:lstStyle/>
             <a:p>
-              <a:endParaRPr lang="en-US"/>
+              <a:endParaRPr lang="en-US" sz="2400"/>
             </a:p>
           </p:txBody>
         </p:sp>
@@ -6782,7 +6782,7 @@
             <a:bodyPr/>
             <a:lstStyle/>
             <a:p>
-              <a:endParaRPr lang="en-US"/>
+              <a:endParaRPr lang="en-US" sz="2400"/>
             </a:p>
           </p:txBody>
         </p:sp>
@@ -6818,7 +6818,7 @@
             <a:bodyPr/>
             <a:lstStyle/>
             <a:p>
-              <a:endParaRPr lang="en-US"/>
+              <a:endParaRPr lang="en-US" sz="2400"/>
             </a:p>
           </p:txBody>
         </p:sp>
@@ -6854,7 +6854,7 @@
             <a:bodyPr/>
             <a:lstStyle/>
             <a:p>
-              <a:endParaRPr lang="en-US"/>
+              <a:endParaRPr lang="en-US" sz="2400"/>
             </a:p>
           </p:txBody>
         </p:sp>
@@ -6890,7 +6890,7 @@
             <a:bodyPr/>
             <a:lstStyle/>
             <a:p>
-              <a:endParaRPr lang="en-US"/>
+              <a:endParaRPr lang="en-US" sz="2400"/>
             </a:p>
           </p:txBody>
         </p:sp>
@@ -6926,7 +6926,7 @@
             <a:bodyPr/>
             <a:lstStyle/>
             <a:p>
-              <a:endParaRPr lang="en-US"/>
+              <a:endParaRPr lang="en-US" sz="2400"/>
             </a:p>
           </p:txBody>
         </p:sp>
@@ -6941,7 +6941,7 @@
           <p:spPr bwMode="auto">
             <a:xfrm>
               <a:off x="3033713" y="333375"/>
-              <a:ext cx="306494" cy="276999"/>
+              <a:ext cx="346570" cy="338554"/>
             </a:xfrm>
             <a:prstGeom prst="rect">
               <a:avLst/>
@@ -6961,14 +6961,14 @@
             <a:lstStyle/>
             <a:p>
               <a:r>
-                <a:rPr lang="en-US" sz="1200" b="0" dirty="0"/>
+                <a:rPr lang="en-US" sz="1600" b="0" dirty="0"/>
                 <a:t>k</a:t>
               </a:r>
               <a:r>
-                <a:rPr lang="en-US" sz="1200" b="0" baseline="-25000" dirty="0"/>
+                <a:rPr lang="en-US" sz="1600" b="0" baseline="-25000" dirty="0"/>
                 <a:t>1</a:t>
               </a:r>
-              <a:endParaRPr lang="en-US" b="0" baseline="-25000" dirty="0"/>
+              <a:endParaRPr lang="en-US" sz="2400" b="0" baseline="-25000" dirty="0"/>
             </a:p>
           </p:txBody>
         </p:sp>
@@ -6983,7 +6983,7 @@
           <p:spPr bwMode="auto">
             <a:xfrm>
               <a:off x="3567075" y="333375"/>
-              <a:ext cx="306494" cy="276999"/>
+              <a:ext cx="346570" cy="338554"/>
             </a:xfrm>
             <a:prstGeom prst="rect">
               <a:avLst/>
@@ -7003,14 +7003,14 @@
             <a:lstStyle/>
             <a:p>
               <a:r>
-                <a:rPr lang="en-US" sz="1200" b="0" dirty="0"/>
+                <a:rPr lang="en-US" sz="1600" b="0" dirty="0"/>
                 <a:t>k</a:t>
               </a:r>
               <a:r>
-                <a:rPr lang="en-US" sz="1200" b="0" baseline="-25000" dirty="0"/>
+                <a:rPr lang="en-US" sz="1600" b="0" baseline="-25000" dirty="0"/>
                 <a:t>2</a:t>
               </a:r>
-              <a:endParaRPr lang="en-US" b="0" baseline="-25000" dirty="0"/>
+              <a:endParaRPr lang="en-US" sz="2400" b="0" baseline="-25000" dirty="0"/>
             </a:p>
           </p:txBody>
         </p:sp>
@@ -7025,7 +7025,7 @@
           <p:spPr bwMode="auto">
             <a:xfrm>
               <a:off x="4100436" y="333375"/>
-              <a:ext cx="306494" cy="276999"/>
+              <a:ext cx="346570" cy="338554"/>
             </a:xfrm>
             <a:prstGeom prst="rect">
               <a:avLst/>
@@ -7045,14 +7045,14 @@
             <a:lstStyle/>
             <a:p>
               <a:r>
-                <a:rPr lang="en-US" sz="1200" b="0"/>
+                <a:rPr lang="en-US" sz="1600" b="0"/>
                 <a:t>k</a:t>
               </a:r>
               <a:r>
-                <a:rPr lang="en-US" sz="1200" b="0" baseline="-25000"/>
+                <a:rPr lang="en-US" sz="1600" b="0" baseline="-25000"/>
                 <a:t>3</a:t>
               </a:r>
-              <a:endParaRPr lang="en-US" b="0" baseline="-25000"/>
+              <a:endParaRPr lang="en-US" sz="2400" b="0" baseline="-25000"/>
             </a:p>
           </p:txBody>
         </p:sp>
@@ -7067,7 +7067,7 @@
           <p:spPr bwMode="auto">
             <a:xfrm>
               <a:off x="4633798" y="333375"/>
-              <a:ext cx="306494" cy="276999"/>
+              <a:ext cx="346570" cy="338554"/>
             </a:xfrm>
             <a:prstGeom prst="rect">
               <a:avLst/>
@@ -7087,14 +7087,14 @@
             <a:lstStyle/>
             <a:p>
               <a:r>
-                <a:rPr lang="en-US" sz="1200" b="0"/>
+                <a:rPr lang="en-US" sz="1600" b="0"/>
                 <a:t>k</a:t>
               </a:r>
               <a:r>
-                <a:rPr lang="en-US" sz="1200" b="0" baseline="-25000"/>
+                <a:rPr lang="en-US" sz="1600" b="0" baseline="-25000"/>
                 <a:t>4</a:t>
               </a:r>
-              <a:endParaRPr lang="en-US" b="0" baseline="-25000"/>
+              <a:endParaRPr lang="en-US" sz="2400" b="0" baseline="-25000"/>
             </a:p>
           </p:txBody>
         </p:sp>
@@ -7109,7 +7109,7 @@
           <p:spPr bwMode="auto">
             <a:xfrm>
               <a:off x="5167160" y="333375"/>
-              <a:ext cx="306494" cy="276999"/>
+              <a:ext cx="346570" cy="338554"/>
             </a:xfrm>
             <a:prstGeom prst="rect">
               <a:avLst/>
@@ -7129,14 +7129,14 @@
             <a:lstStyle/>
             <a:p>
               <a:r>
-                <a:rPr lang="en-US" sz="1200" b="0"/>
+                <a:rPr lang="en-US" sz="1600" b="0"/>
                 <a:t>k</a:t>
               </a:r>
               <a:r>
-                <a:rPr lang="en-US" sz="1200" b="0" baseline="-25000"/>
+                <a:rPr lang="en-US" sz="1600" b="0" baseline="-25000"/>
                 <a:t>5</a:t>
               </a:r>
-              <a:endParaRPr lang="en-US" b="0" baseline="-25000"/>
+              <a:endParaRPr lang="en-US" sz="2400" b="0" baseline="-25000"/>
             </a:p>
           </p:txBody>
         </p:sp>
@@ -7151,7 +7151,7 @@
           <p:spPr bwMode="auto">
             <a:xfrm>
               <a:off x="5700521" y="333375"/>
-              <a:ext cx="306494" cy="276999"/>
+              <a:ext cx="346570" cy="338554"/>
             </a:xfrm>
             <a:prstGeom prst="rect">
               <a:avLst/>
@@ -7171,14 +7171,14 @@
             <a:lstStyle/>
             <a:p>
               <a:r>
-                <a:rPr lang="en-US" sz="1200" b="0"/>
+                <a:rPr lang="en-US" sz="1600" b="0"/>
                 <a:t>k</a:t>
               </a:r>
               <a:r>
-                <a:rPr lang="en-US" sz="1200" b="0" baseline="-25000"/>
+                <a:rPr lang="en-US" sz="1600" b="0" baseline="-25000"/>
                 <a:t>6</a:t>
               </a:r>
-              <a:endParaRPr lang="en-US" b="0" baseline="-25000"/>
+              <a:endParaRPr lang="en-US" sz="2400" b="0" baseline="-25000"/>
             </a:p>
           </p:txBody>
         </p:sp>
@@ -7212,7 +7212,7 @@
             <a:bodyPr/>
             <a:lstStyle/>
             <a:p>
-              <a:endParaRPr lang="en-US"/>
+              <a:endParaRPr lang="en-US" sz="2400"/>
             </a:p>
           </p:txBody>
         </p:sp>
@@ -7227,7 +7227,7 @@
           <p:spPr bwMode="auto">
             <a:xfrm>
               <a:off x="3262297" y="333375"/>
-              <a:ext cx="304892" cy="276999"/>
+              <a:ext cx="346570" cy="338554"/>
             </a:xfrm>
             <a:prstGeom prst="rect">
               <a:avLst/>
@@ -7247,14 +7247,14 @@
             <a:lstStyle/>
             <a:p>
               <a:r>
-                <a:rPr lang="en-US" sz="1200" b="0" dirty="0"/>
+                <a:rPr lang="en-US" sz="1600" b="0" dirty="0"/>
                 <a:t>v</a:t>
               </a:r>
               <a:r>
-                <a:rPr lang="en-US" sz="1200" b="0" baseline="-25000" dirty="0"/>
+                <a:rPr lang="en-US" sz="1600" b="0" baseline="-25000" dirty="0"/>
                 <a:t>1</a:t>
               </a:r>
-              <a:endParaRPr lang="en-US" b="0" baseline="-25000" dirty="0"/>
+              <a:endParaRPr lang="en-US" sz="2400" b="0" baseline="-25000" dirty="0"/>
             </a:p>
           </p:txBody>
         </p:sp>
@@ -7288,7 +7288,7 @@
             <a:bodyPr/>
             <a:lstStyle/>
             <a:p>
-              <a:endParaRPr lang="en-US"/>
+              <a:endParaRPr lang="en-US" sz="2400"/>
             </a:p>
           </p:txBody>
         </p:sp>
@@ -7303,7 +7303,7 @@
           <p:spPr bwMode="auto">
             <a:xfrm>
               <a:off x="3795658" y="333375"/>
-              <a:ext cx="304892" cy="276999"/>
+              <a:ext cx="346570" cy="338554"/>
             </a:xfrm>
             <a:prstGeom prst="rect">
               <a:avLst/>
@@ -7323,14 +7323,14 @@
             <a:lstStyle/>
             <a:p>
               <a:r>
-                <a:rPr lang="en-US" sz="1200" b="0"/>
+                <a:rPr lang="en-US" sz="1600" b="0"/>
                 <a:t>v</a:t>
               </a:r>
               <a:r>
-                <a:rPr lang="en-US" sz="1200" b="0" baseline="-25000"/>
+                <a:rPr lang="en-US" sz="1600" b="0" baseline="-25000"/>
                 <a:t>2</a:t>
               </a:r>
-              <a:endParaRPr lang="en-US" b="0" baseline="-25000"/>
+              <a:endParaRPr lang="en-US" sz="2400" b="0" baseline="-25000"/>
             </a:p>
           </p:txBody>
         </p:sp>
@@ -7364,7 +7364,7 @@
             <a:bodyPr/>
             <a:lstStyle/>
             <a:p>
-              <a:endParaRPr lang="en-US"/>
+              <a:endParaRPr lang="en-US" sz="2400"/>
             </a:p>
           </p:txBody>
         </p:sp>
@@ -7379,7 +7379,7 @@
           <p:spPr bwMode="auto">
             <a:xfrm>
               <a:off x="4329020" y="333375"/>
-              <a:ext cx="304892" cy="276999"/>
+              <a:ext cx="346570" cy="338554"/>
             </a:xfrm>
             <a:prstGeom prst="rect">
               <a:avLst/>
@@ -7399,14 +7399,14 @@
             <a:lstStyle/>
             <a:p>
               <a:r>
-                <a:rPr lang="en-US" sz="1200" b="0"/>
+                <a:rPr lang="en-US" sz="1600" b="0"/>
                 <a:t>v</a:t>
               </a:r>
               <a:r>
-                <a:rPr lang="en-US" sz="1200" b="0" baseline="-25000"/>
+                <a:rPr lang="en-US" sz="1600" b="0" baseline="-25000"/>
                 <a:t>3</a:t>
               </a:r>
-              <a:endParaRPr lang="en-US" b="0" baseline="-25000"/>
+              <a:endParaRPr lang="en-US" sz="2400" b="0" baseline="-25000"/>
             </a:p>
           </p:txBody>
         </p:sp>
@@ -7440,7 +7440,7 @@
             <a:bodyPr/>
             <a:lstStyle/>
             <a:p>
-              <a:endParaRPr lang="en-US"/>
+              <a:endParaRPr lang="en-US" sz="2400"/>
             </a:p>
           </p:txBody>
         </p:sp>
@@ -7455,7 +7455,7 @@
           <p:spPr bwMode="auto">
             <a:xfrm>
               <a:off x="4862382" y="333375"/>
-              <a:ext cx="304892" cy="276999"/>
+              <a:ext cx="346570" cy="338554"/>
             </a:xfrm>
             <a:prstGeom prst="rect">
               <a:avLst/>
@@ -7475,14 +7475,14 @@
             <a:lstStyle/>
             <a:p>
               <a:r>
-                <a:rPr lang="en-US" sz="1200" b="0"/>
+                <a:rPr lang="en-US" sz="1600" b="0"/>
                 <a:t>v</a:t>
               </a:r>
               <a:r>
-                <a:rPr lang="en-US" sz="1200" b="0" baseline="-25000"/>
+                <a:rPr lang="en-US" sz="1600" b="0" baseline="-25000"/>
                 <a:t>4</a:t>
               </a:r>
-              <a:endParaRPr lang="en-US" b="0" baseline="-25000"/>
+              <a:endParaRPr lang="en-US" sz="2400" b="0" baseline="-25000"/>
             </a:p>
           </p:txBody>
         </p:sp>
@@ -7516,7 +7516,7 @@
             <a:bodyPr/>
             <a:lstStyle/>
             <a:p>
-              <a:endParaRPr lang="en-US"/>
+              <a:endParaRPr lang="en-US" sz="2400"/>
             </a:p>
           </p:txBody>
         </p:sp>
@@ -7531,7 +7531,7 @@
           <p:spPr bwMode="auto">
             <a:xfrm>
               <a:off x="5395743" y="333375"/>
-              <a:ext cx="304892" cy="276999"/>
+              <a:ext cx="346570" cy="338554"/>
             </a:xfrm>
             <a:prstGeom prst="rect">
               <a:avLst/>
@@ -7551,14 +7551,14 @@
             <a:lstStyle/>
             <a:p>
               <a:r>
-                <a:rPr lang="en-US" sz="1200" b="0"/>
+                <a:rPr lang="en-US" sz="1600" b="0"/>
                 <a:t>v</a:t>
               </a:r>
               <a:r>
-                <a:rPr lang="en-US" sz="1200" b="0" baseline="-25000"/>
+                <a:rPr lang="en-US" sz="1600" b="0" baseline="-25000"/>
                 <a:t>5</a:t>
               </a:r>
-              <a:endParaRPr lang="en-US" b="0" baseline="-25000"/>
+              <a:endParaRPr lang="en-US" sz="2400" b="0" baseline="-25000"/>
             </a:p>
           </p:txBody>
         </p:sp>
@@ -7592,7 +7592,7 @@
             <a:bodyPr/>
             <a:lstStyle/>
             <a:p>
-              <a:endParaRPr lang="en-US"/>
+              <a:endParaRPr lang="en-US" sz="2400"/>
             </a:p>
           </p:txBody>
         </p:sp>
@@ -7607,7 +7607,7 @@
           <p:spPr bwMode="auto">
             <a:xfrm>
               <a:off x="5929105" y="333375"/>
-              <a:ext cx="304892" cy="276999"/>
+              <a:ext cx="346570" cy="338554"/>
             </a:xfrm>
             <a:prstGeom prst="rect">
               <a:avLst/>
@@ -7627,14 +7627,14 @@
             <a:lstStyle/>
             <a:p>
               <a:r>
-                <a:rPr lang="en-US" sz="1200" b="0"/>
+                <a:rPr lang="en-US" sz="1600" b="0"/>
                 <a:t>v</a:t>
               </a:r>
               <a:r>
-                <a:rPr lang="en-US" sz="1200" b="0" baseline="-25000"/>
+                <a:rPr lang="en-US" sz="1600" b="0" baseline="-25000"/>
                 <a:t>6</a:t>
               </a:r>
-              <a:endParaRPr lang="en-US" b="0" baseline="-25000"/>
+              <a:endParaRPr lang="en-US" sz="2400" b="0" baseline="-25000"/>
             </a:p>
           </p:txBody>
         </p:sp>
@@ -7647,10 +7647,10 @@
         </p:nvGrpSpPr>
         <p:grpSpPr>
           <a:xfrm>
-            <a:off x="2291678" y="2314575"/>
-            <a:ext cx="991272" cy="276999"/>
-            <a:chOff x="2291678" y="2314575"/>
-            <a:chExt cx="991272" cy="276999"/>
+            <a:off x="2279656" y="2314575"/>
+            <a:ext cx="1022395" cy="338554"/>
+            <a:chOff x="2279656" y="2314575"/>
+            <a:chExt cx="1022395" cy="338554"/>
           </a:xfrm>
         </p:grpSpPr>
         <p:sp>
@@ -7685,7 +7685,7 @@
             <a:bodyPr/>
             <a:lstStyle/>
             <a:p>
-              <a:endParaRPr lang="en-US"/>
+              <a:endParaRPr lang="en-US" sz="2400"/>
             </a:p>
           </p:txBody>
         </p:sp>
@@ -7699,8 +7699,8 @@
           </p:nvSpPr>
           <p:spPr bwMode="auto">
             <a:xfrm>
-              <a:off x="2784475" y="2314575"/>
-              <a:ext cx="269761" cy="276225"/>
+              <a:off x="2773322" y="2314575"/>
+              <a:ext cx="292068" cy="338554"/>
             </a:xfrm>
             <a:prstGeom prst="rect">
               <a:avLst/>
@@ -7721,10 +7721,10 @@
             <a:p>
               <a:pPr algn="ctr"/>
               <a:r>
-                <a:rPr lang="en-US" sz="1200" b="0" dirty="0"/>
+                <a:rPr lang="en-US" sz="1600" b="0" dirty="0"/>
                 <a:t>b</a:t>
               </a:r>
-              <a:endParaRPr lang="en-US" b="0" baseline="-25000" dirty="0"/>
+              <a:endParaRPr lang="en-US" sz="2400" b="0" baseline="-25000" dirty="0"/>
             </a:p>
           </p:txBody>
         </p:sp>
@@ -7760,7 +7760,7 @@
             <a:bodyPr/>
             <a:lstStyle/>
             <a:p>
-              <a:endParaRPr lang="en-US"/>
+              <a:endParaRPr lang="en-US" sz="2400"/>
             </a:p>
           </p:txBody>
         </p:sp>
@@ -7774,8 +7774,8 @@
           </p:nvSpPr>
           <p:spPr bwMode="auto">
             <a:xfrm>
-              <a:off x="2291678" y="2314575"/>
-              <a:ext cx="258404" cy="276999"/>
+              <a:off x="2279656" y="2314575"/>
+              <a:ext cx="282450" cy="338554"/>
             </a:xfrm>
             <a:prstGeom prst="rect">
               <a:avLst/>
@@ -7796,10 +7796,10 @@
             <a:p>
               <a:pPr algn="ctr"/>
               <a:r>
-                <a:rPr lang="en-US" sz="1200" b="0" dirty="0"/>
+                <a:rPr lang="en-US" sz="1600" b="0" dirty="0"/>
                 <a:t>a</a:t>
               </a:r>
-              <a:endParaRPr lang="en-US" b="0" baseline="-25000" dirty="0"/>
+              <a:endParaRPr lang="en-US" sz="2400" b="0" baseline="-25000" dirty="0"/>
             </a:p>
           </p:txBody>
         </p:sp>
@@ -7833,7 +7833,7 @@
             <a:bodyPr/>
             <a:lstStyle/>
             <a:p>
-              <a:endParaRPr lang="en-US"/>
+              <a:endParaRPr lang="en-US" sz="2400"/>
             </a:p>
           </p:txBody>
         </p:sp>
@@ -7848,7 +7848,7 @@
           <p:spPr bwMode="auto">
             <a:xfrm>
               <a:off x="2514714" y="2314575"/>
-              <a:ext cx="269761" cy="276225"/>
+              <a:ext cx="288862" cy="338554"/>
             </a:xfrm>
             <a:prstGeom prst="rect">
               <a:avLst/>
@@ -7868,10 +7868,10 @@
             <a:lstStyle/>
             <a:p>
               <a:r>
-                <a:rPr lang="en-US" sz="1200" b="0" dirty="0"/>
+                <a:rPr lang="en-US" sz="1600" b="0" dirty="0"/>
                 <a:t>1</a:t>
               </a:r>
-              <a:endParaRPr lang="en-US" b="0" baseline="-25000" dirty="0"/>
+              <a:endParaRPr lang="en-US" sz="2400" b="0" baseline="-25000" dirty="0"/>
             </a:p>
           </p:txBody>
         </p:sp>
@@ -7905,7 +7905,7 @@
             <a:bodyPr/>
             <a:lstStyle/>
             <a:p>
-              <a:endParaRPr lang="en-US"/>
+              <a:endParaRPr lang="en-US" sz="2400"/>
             </a:p>
           </p:txBody>
         </p:sp>
@@ -7920,7 +7920,7 @@
           <p:spPr bwMode="auto">
             <a:xfrm>
               <a:off x="3013189" y="2314575"/>
-              <a:ext cx="269761" cy="276225"/>
+              <a:ext cx="288862" cy="338554"/>
             </a:xfrm>
             <a:prstGeom prst="rect">
               <a:avLst/>
@@ -7940,10 +7940,10 @@
             <a:lstStyle/>
             <a:p>
               <a:r>
-                <a:rPr lang="en-US" sz="1200" b="0"/>
+                <a:rPr lang="en-US" sz="1600" b="0"/>
                 <a:t>2</a:t>
               </a:r>
-              <a:endParaRPr lang="en-US" b="0" baseline="-25000"/>
+              <a:endParaRPr lang="en-US" sz="2400" b="0" baseline="-25000"/>
             </a:p>
           </p:txBody>
         </p:sp>
@@ -7956,10 +7956,10 @@
         </p:nvGrpSpPr>
         <p:grpSpPr>
           <a:xfrm>
-            <a:off x="3591085" y="2314575"/>
-            <a:ext cx="987265" cy="276999"/>
-            <a:chOff x="3591085" y="2314575"/>
-            <a:chExt cx="987265" cy="276999"/>
+            <a:off x="3580666" y="2314575"/>
+            <a:ext cx="1016785" cy="338554"/>
+            <a:chOff x="3580666" y="2314575"/>
+            <a:chExt cx="1016785" cy="338554"/>
           </a:xfrm>
         </p:grpSpPr>
         <p:sp>
@@ -7994,7 +7994,7 @@
             <a:bodyPr/>
             <a:lstStyle/>
             <a:p>
-              <a:endParaRPr lang="en-US"/>
+              <a:endParaRPr lang="en-US" sz="2400"/>
             </a:p>
           </p:txBody>
         </p:sp>
@@ -8030,7 +8030,7 @@
             <a:bodyPr/>
             <a:lstStyle/>
             <a:p>
-              <a:endParaRPr lang="en-US"/>
+              <a:endParaRPr lang="en-US" sz="2400"/>
             </a:p>
           </p:txBody>
         </p:sp>
@@ -8044,8 +8044,8 @@
           </p:nvSpPr>
           <p:spPr bwMode="auto">
             <a:xfrm>
-              <a:off x="3591085" y="2314575"/>
-              <a:ext cx="250390" cy="276999"/>
+              <a:off x="3580666" y="2314575"/>
+              <a:ext cx="271229" cy="338554"/>
             </a:xfrm>
             <a:prstGeom prst="rect">
               <a:avLst/>
@@ -8066,10 +8066,10 @@
             <a:p>
               <a:pPr algn="ctr"/>
               <a:r>
-                <a:rPr lang="en-US" sz="1200" b="0"/>
+                <a:rPr lang="en-US" sz="1600" b="0"/>
                 <a:t>c</a:t>
               </a:r>
-              <a:endParaRPr lang="en-US" b="0" baseline="-25000"/>
+              <a:endParaRPr lang="en-US" sz="2400" b="0" baseline="-25000"/>
             </a:p>
           </p:txBody>
         </p:sp>
@@ -8083,8 +8083,8 @@
           </p:nvSpPr>
           <p:spPr bwMode="auto">
             <a:xfrm>
-              <a:off x="4089560" y="2314575"/>
-              <a:ext cx="250390" cy="276999"/>
+              <a:off x="4079141" y="2314575"/>
+              <a:ext cx="271229" cy="338554"/>
             </a:xfrm>
             <a:prstGeom prst="rect">
               <a:avLst/>
@@ -8105,10 +8105,10 @@
             <a:p>
               <a:pPr algn="ctr"/>
               <a:r>
-                <a:rPr lang="en-US" sz="1200" b="0"/>
+                <a:rPr lang="en-US" sz="1600" b="0"/>
                 <a:t>c</a:t>
               </a:r>
-              <a:endParaRPr lang="en-US" b="0" baseline="-25000"/>
+              <a:endParaRPr lang="en-US" sz="2400" b="0" baseline="-25000"/>
             </a:p>
           </p:txBody>
         </p:sp>
@@ -8142,7 +8142,7 @@
             <a:bodyPr/>
             <a:lstStyle/>
             <a:p>
-              <a:endParaRPr lang="en-US"/>
+              <a:endParaRPr lang="en-US" sz="2400"/>
             </a:p>
           </p:txBody>
         </p:sp>
@@ -8157,7 +8157,7 @@
           <p:spPr bwMode="auto">
             <a:xfrm>
               <a:off x="3810114" y="2314575"/>
-              <a:ext cx="269761" cy="276225"/>
+              <a:ext cx="288862" cy="338554"/>
             </a:xfrm>
             <a:prstGeom prst="rect">
               <a:avLst/>
@@ -8177,10 +8177,10 @@
             <a:lstStyle/>
             <a:p>
               <a:r>
-                <a:rPr lang="en-US" sz="1200" b="0"/>
+                <a:rPr lang="en-US" sz="1600" b="0"/>
                 <a:t>3</a:t>
               </a:r>
-              <a:endParaRPr lang="en-US" b="0" baseline="-25000"/>
+              <a:endParaRPr lang="en-US" sz="2400" b="0" baseline="-25000"/>
             </a:p>
           </p:txBody>
         </p:sp>
@@ -8214,7 +8214,7 @@
             <a:bodyPr/>
             <a:lstStyle/>
             <a:p>
-              <a:endParaRPr lang="en-US"/>
+              <a:endParaRPr lang="en-US" sz="2400"/>
             </a:p>
           </p:txBody>
         </p:sp>
@@ -8229,7 +8229,7 @@
           <p:spPr bwMode="auto">
             <a:xfrm>
               <a:off x="4308589" y="2314575"/>
-              <a:ext cx="269761" cy="276225"/>
+              <a:ext cx="288862" cy="338554"/>
             </a:xfrm>
             <a:prstGeom prst="rect">
               <a:avLst/>
@@ -8249,10 +8249,10 @@
             <a:lstStyle/>
             <a:p>
               <a:r>
-                <a:rPr lang="en-US" sz="1200" b="0"/>
+                <a:rPr lang="en-US" sz="1600" b="0"/>
                 <a:t>6</a:t>
               </a:r>
-              <a:endParaRPr lang="en-US" b="0" baseline="-25000"/>
+              <a:endParaRPr lang="en-US" sz="2400" b="0" baseline="-25000"/>
             </a:p>
           </p:txBody>
         </p:sp>
@@ -8265,10 +8265,10 @@
         </p:nvGrpSpPr>
         <p:grpSpPr>
           <a:xfrm>
-            <a:off x="4882411" y="2314575"/>
-            <a:ext cx="984989" cy="276999"/>
-            <a:chOff x="4882411" y="2314575"/>
-            <a:chExt cx="984989" cy="276999"/>
+            <a:off x="4870389" y="2314575"/>
+            <a:ext cx="1016247" cy="338554"/>
+            <a:chOff x="4870389" y="2314575"/>
+            <a:chExt cx="1016247" cy="338554"/>
           </a:xfrm>
         </p:grpSpPr>
         <p:sp>
@@ -8303,7 +8303,7 @@
             <a:bodyPr/>
             <a:lstStyle/>
             <a:p>
-              <a:endParaRPr lang="en-US"/>
+              <a:endParaRPr lang="en-US" sz="2400"/>
             </a:p>
           </p:txBody>
         </p:sp>
@@ -8339,7 +8339,7 @@
             <a:bodyPr/>
             <a:lstStyle/>
             <a:p>
-              <a:endParaRPr lang="en-US"/>
+              <a:endParaRPr lang="en-US" sz="2400"/>
             </a:p>
           </p:txBody>
         </p:sp>
@@ -8353,8 +8353,8 @@
           </p:nvSpPr>
           <p:spPr bwMode="auto">
             <a:xfrm>
-              <a:off x="4882411" y="2314575"/>
-              <a:ext cx="258404" cy="276999"/>
+              <a:off x="4870389" y="2314575"/>
+              <a:ext cx="282450" cy="338554"/>
             </a:xfrm>
             <a:prstGeom prst="rect">
               <a:avLst/>
@@ -8375,10 +8375,10 @@
             <a:p>
               <a:pPr algn="ctr"/>
               <a:r>
-                <a:rPr lang="en-US" sz="1200" b="0"/>
+                <a:rPr lang="en-US" sz="1600" b="0"/>
                 <a:t>a</a:t>
               </a:r>
-              <a:endParaRPr lang="en-US" b="0" baseline="-25000"/>
+              <a:endParaRPr lang="en-US" sz="2400" b="0" baseline="-25000"/>
             </a:p>
           </p:txBody>
         </p:sp>
@@ -8392,8 +8392,8 @@
           </p:nvSpPr>
           <p:spPr bwMode="auto">
             <a:xfrm>
-              <a:off x="5374784" y="2314575"/>
-              <a:ext cx="250390" cy="276999"/>
+              <a:off x="5364365" y="2314575"/>
+              <a:ext cx="271229" cy="338554"/>
             </a:xfrm>
             <a:prstGeom prst="rect">
               <a:avLst/>
@@ -8414,10 +8414,10 @@
             <a:p>
               <a:pPr algn="ctr"/>
               <a:r>
-                <a:rPr lang="en-US" sz="1200" b="0"/>
+                <a:rPr lang="en-US" sz="1600" b="0"/>
                 <a:t>c</a:t>
               </a:r>
-              <a:endParaRPr lang="en-US" b="0" baseline="-25000"/>
+              <a:endParaRPr lang="en-US" sz="2400" b="0" baseline="-25000"/>
             </a:p>
           </p:txBody>
         </p:sp>
@@ -8451,7 +8451,7 @@
             <a:bodyPr/>
             <a:lstStyle/>
             <a:p>
-              <a:endParaRPr lang="en-US"/>
+              <a:endParaRPr lang="en-US" sz="2400"/>
             </a:p>
           </p:txBody>
         </p:sp>
@@ -8466,7 +8466,7 @@
           <p:spPr bwMode="auto">
             <a:xfrm>
               <a:off x="5105400" y="2314575"/>
-              <a:ext cx="269626" cy="276225"/>
+              <a:ext cx="288862" cy="338554"/>
             </a:xfrm>
             <a:prstGeom prst="rect">
               <a:avLst/>
@@ -8486,10 +8486,10 @@
             <a:lstStyle/>
             <a:p>
               <a:r>
-                <a:rPr lang="en-US" sz="1200" b="0"/>
+                <a:rPr lang="en-US" sz="1600" b="0"/>
                 <a:t>5</a:t>
               </a:r>
-              <a:endParaRPr lang="en-US" b="0" baseline="-25000"/>
+              <a:endParaRPr lang="en-US" sz="2400" b="0" baseline="-25000"/>
             </a:p>
           </p:txBody>
         </p:sp>
@@ -8523,7 +8523,7 @@
             <a:bodyPr/>
             <a:lstStyle/>
             <a:p>
-              <a:endParaRPr lang="en-US"/>
+              <a:endParaRPr lang="en-US" sz="2400"/>
             </a:p>
           </p:txBody>
         </p:sp>
@@ -8538,7 +8538,7 @@
           <p:spPr bwMode="auto">
             <a:xfrm>
               <a:off x="5597774" y="2314575"/>
-              <a:ext cx="269626" cy="276225"/>
+              <a:ext cx="288862" cy="338554"/>
             </a:xfrm>
             <a:prstGeom prst="rect">
               <a:avLst/>
@@ -8558,10 +8558,10 @@
             <a:lstStyle/>
             <a:p>
               <a:r>
-                <a:rPr lang="en-US" sz="1200" b="0"/>
+                <a:rPr lang="en-US" sz="1600" b="0"/>
                 <a:t>2</a:t>
               </a:r>
-              <a:endParaRPr lang="en-US" b="0" baseline="-25000"/>
+              <a:endParaRPr lang="en-US" sz="2400" b="0" baseline="-25000"/>
             </a:p>
           </p:txBody>
         </p:sp>
@@ -8574,10 +8574,10 @@
         </p:nvGrpSpPr>
         <p:grpSpPr>
           <a:xfrm>
-            <a:off x="6248400" y="2314575"/>
-            <a:ext cx="990600" cy="276999"/>
-            <a:chOff x="6248400" y="2314575"/>
-            <a:chExt cx="990600" cy="276999"/>
+            <a:off x="6237179" y="2314575"/>
+            <a:ext cx="1021057" cy="338554"/>
+            <a:chOff x="6237179" y="2314575"/>
+            <a:chExt cx="1021057" cy="338554"/>
           </a:xfrm>
         </p:grpSpPr>
         <p:sp>
@@ -8612,7 +8612,7 @@
             <a:bodyPr/>
             <a:lstStyle/>
             <a:p>
-              <a:endParaRPr lang="en-US"/>
+              <a:endParaRPr lang="en-US" sz="2400"/>
             </a:p>
           </p:txBody>
         </p:sp>
@@ -8648,7 +8648,7 @@
             <a:bodyPr/>
             <a:lstStyle/>
             <a:p>
-              <a:endParaRPr lang="en-US"/>
+              <a:endParaRPr lang="en-US" sz="2400"/>
             </a:p>
           </p:txBody>
         </p:sp>
@@ -8662,8 +8662,8 @@
           </p:nvSpPr>
           <p:spPr bwMode="auto">
             <a:xfrm>
-              <a:off x="6248400" y="2314575"/>
-              <a:ext cx="269626" cy="276225"/>
+              <a:off x="6237179" y="2314575"/>
+              <a:ext cx="292068" cy="338554"/>
             </a:xfrm>
             <a:prstGeom prst="rect">
               <a:avLst/>
@@ -8684,10 +8684,10 @@
             <a:p>
               <a:pPr algn="ctr"/>
               <a:r>
-                <a:rPr lang="en-US" sz="1200" b="0"/>
+                <a:rPr lang="en-US" sz="1600" b="0"/>
                 <a:t>b</a:t>
               </a:r>
-              <a:endParaRPr lang="en-US" b="0" baseline="-25000"/>
+              <a:endParaRPr lang="en-US" sz="2400" b="0" baseline="-25000"/>
             </a:p>
           </p:txBody>
         </p:sp>
@@ -8701,8 +8701,8 @@
           </p:nvSpPr>
           <p:spPr bwMode="auto">
             <a:xfrm>
-              <a:off x="6746384" y="2314575"/>
-              <a:ext cx="250390" cy="276999"/>
+              <a:off x="6735965" y="2314575"/>
+              <a:ext cx="271229" cy="338554"/>
             </a:xfrm>
             <a:prstGeom prst="rect">
               <a:avLst/>
@@ -8723,10 +8723,10 @@
             <a:p>
               <a:pPr algn="ctr"/>
               <a:r>
-                <a:rPr lang="en-US" sz="1200" b="0"/>
+                <a:rPr lang="en-US" sz="1600" b="0"/>
                 <a:t>c</a:t>
               </a:r>
-              <a:endParaRPr lang="en-US" b="0" baseline="-25000"/>
+              <a:endParaRPr lang="en-US" sz="2400" b="0" baseline="-25000"/>
             </a:p>
           </p:txBody>
         </p:sp>
@@ -8760,7 +8760,7 @@
             <a:bodyPr/>
             <a:lstStyle/>
             <a:p>
-              <a:endParaRPr lang="en-US"/>
+              <a:endParaRPr lang="en-US" sz="2400"/>
             </a:p>
           </p:txBody>
         </p:sp>
@@ -8775,7 +8775,7 @@
           <p:spPr bwMode="auto">
             <a:xfrm>
               <a:off x="6477000" y="2314575"/>
-              <a:ext cx="269626" cy="276225"/>
+              <a:ext cx="288862" cy="338554"/>
             </a:xfrm>
             <a:prstGeom prst="rect">
               <a:avLst/>
@@ -8795,10 +8795,10 @@
             <a:lstStyle/>
             <a:p>
               <a:r>
-                <a:rPr lang="en-US" sz="1200" b="0"/>
+                <a:rPr lang="en-US" sz="1600" b="0"/>
                 <a:t>7</a:t>
               </a:r>
-              <a:endParaRPr lang="en-US" b="0" baseline="-25000"/>
+              <a:endParaRPr lang="en-US" sz="2400" b="0" baseline="-25000"/>
             </a:p>
           </p:txBody>
         </p:sp>
@@ -8832,7 +8832,7 @@
             <a:bodyPr/>
             <a:lstStyle/>
             <a:p>
-              <a:endParaRPr lang="en-US"/>
+              <a:endParaRPr lang="en-US" sz="2400"/>
             </a:p>
           </p:txBody>
         </p:sp>
@@ -8847,7 +8847,7 @@
           <p:spPr bwMode="auto">
             <a:xfrm>
               <a:off x="6969374" y="2314575"/>
-              <a:ext cx="269626" cy="276225"/>
+              <a:ext cx="288862" cy="338554"/>
             </a:xfrm>
             <a:prstGeom prst="rect">
               <a:avLst/>
@@ -8867,10 +8867,10 @@
             <a:lstStyle/>
             <a:p>
               <a:r>
-                <a:rPr lang="en-US" sz="1200" b="0" dirty="0"/>
+                <a:rPr lang="en-US" sz="1600" b="0" dirty="0"/>
                 <a:t>8</a:t>
               </a:r>
-              <a:endParaRPr lang="en-US" b="0" baseline="-25000" dirty="0"/>
+              <a:endParaRPr lang="en-US" sz="2400" b="0" baseline="-25000" dirty="0"/>
             </a:p>
           </p:txBody>
         </p:sp>
@@ -9319,10 +9319,10 @@
         </p:nvGrpSpPr>
         <p:grpSpPr>
           <a:xfrm>
-            <a:off x="3206053" y="4448175"/>
-            <a:ext cx="797622" cy="276999"/>
-            <a:chOff x="3206053" y="4448175"/>
-            <a:chExt cx="797622" cy="276999"/>
+            <a:off x="3187619" y="4448175"/>
+            <a:ext cx="848032" cy="369332"/>
+            <a:chOff x="3187619" y="4448175"/>
+            <a:chExt cx="848032" cy="369332"/>
           </a:xfrm>
         </p:grpSpPr>
         <p:sp>
@@ -9357,7 +9357,7 @@
             <a:bodyPr/>
             <a:lstStyle/>
             <a:p>
-              <a:endParaRPr lang="en-US"/>
+              <a:endParaRPr lang="en-US" sz="2800"/>
             </a:p>
           </p:txBody>
         </p:sp>
@@ -9371,8 +9371,8 @@
           </p:nvSpPr>
           <p:spPr bwMode="auto">
             <a:xfrm>
-              <a:off x="3206053" y="4448175"/>
-              <a:ext cx="258404" cy="276999"/>
+              <a:off x="3187619" y="4448175"/>
+              <a:ext cx="295274" cy="369332"/>
             </a:xfrm>
             <a:prstGeom prst="rect">
               <a:avLst/>
@@ -9393,10 +9393,10 @@
             <a:p>
               <a:pPr algn="ctr"/>
               <a:r>
-                <a:rPr lang="en-US" sz="1200" b="0"/>
+                <a:rPr lang="en-US" b="0"/>
                 <a:t>a</a:t>
               </a:r>
-              <a:endParaRPr lang="en-US" b="0" baseline="-25000"/>
+              <a:endParaRPr lang="en-US" sz="2800" b="0" baseline="-25000"/>
             </a:p>
           </p:txBody>
         </p:sp>
@@ -9430,7 +9430,7 @@
             <a:bodyPr/>
             <a:lstStyle/>
             <a:p>
-              <a:endParaRPr lang="en-US"/>
+              <a:endParaRPr lang="en-US" sz="2800"/>
             </a:p>
           </p:txBody>
         </p:sp>
@@ -9445,7 +9445,7 @@
           <p:spPr bwMode="auto">
             <a:xfrm>
               <a:off x="3505295" y="4448175"/>
-              <a:ext cx="269710" cy="276225"/>
+              <a:ext cx="301686" cy="369332"/>
             </a:xfrm>
             <a:prstGeom prst="rect">
               <a:avLst/>
@@ -9465,10 +9465,10 @@
             <a:lstStyle/>
             <a:p>
               <a:r>
-                <a:rPr lang="en-US" sz="1200" b="0"/>
+                <a:rPr lang="en-US" b="0"/>
                 <a:t>1</a:t>
               </a:r>
-              <a:endParaRPr lang="en-US" b="0" baseline="-25000"/>
+              <a:endParaRPr lang="en-US" sz="2800" b="0" baseline="-25000"/>
             </a:p>
           </p:txBody>
         </p:sp>
@@ -9502,7 +9502,7 @@
             <a:bodyPr/>
             <a:lstStyle/>
             <a:p>
-              <a:endParaRPr lang="en-US"/>
+              <a:endParaRPr lang="en-US" sz="2800"/>
             </a:p>
           </p:txBody>
         </p:sp>
@@ -9517,7 +9517,7 @@
           <p:spPr bwMode="auto">
             <a:xfrm>
               <a:off x="3733965" y="4448175"/>
-              <a:ext cx="269710" cy="276225"/>
+              <a:ext cx="301686" cy="369332"/>
             </a:xfrm>
             <a:prstGeom prst="rect">
               <a:avLst/>
@@ -9537,10 +9537,10 @@
             <a:lstStyle/>
             <a:p>
               <a:r>
-                <a:rPr lang="en-US" sz="1200" b="0"/>
+                <a:rPr lang="en-US" b="0"/>
                 <a:t>5</a:t>
               </a:r>
-              <a:endParaRPr lang="en-US" b="0" baseline="-25000"/>
+              <a:endParaRPr lang="en-US" sz="2800" b="0" baseline="-25000"/>
             </a:p>
           </p:txBody>
         </p:sp>
@@ -9553,10 +9553,10 @@
         </p:nvGrpSpPr>
         <p:grpSpPr>
           <a:xfrm>
-            <a:off x="4572000" y="4448175"/>
-            <a:ext cx="803275" cy="276225"/>
-            <a:chOff x="4572000" y="4448175"/>
-            <a:chExt cx="803275" cy="276225"/>
+            <a:off x="4553608" y="4448175"/>
+            <a:ext cx="853643" cy="369332"/>
+            <a:chOff x="4553608" y="4448175"/>
+            <a:chExt cx="853643" cy="369332"/>
           </a:xfrm>
         </p:grpSpPr>
         <p:sp>
@@ -9591,7 +9591,7 @@
             <a:bodyPr/>
             <a:lstStyle/>
             <a:p>
-              <a:endParaRPr lang="en-US"/>
+              <a:endParaRPr lang="en-US" sz="2800"/>
             </a:p>
           </p:txBody>
         </p:sp>
@@ -9605,8 +9605,8 @@
           </p:nvSpPr>
           <p:spPr bwMode="auto">
             <a:xfrm>
-              <a:off x="4572000" y="4448175"/>
-              <a:ext cx="269710" cy="276225"/>
+              <a:off x="4553608" y="4448175"/>
+              <a:ext cx="306494" cy="369332"/>
             </a:xfrm>
             <a:prstGeom prst="rect">
               <a:avLst/>
@@ -9627,10 +9627,10 @@
             <a:p>
               <a:pPr algn="ctr"/>
               <a:r>
-                <a:rPr lang="en-US" sz="1200" b="0"/>
+                <a:rPr lang="en-US" b="0"/>
                 <a:t>b</a:t>
               </a:r>
-              <a:endParaRPr lang="en-US" b="0" baseline="-25000"/>
+              <a:endParaRPr lang="en-US" sz="2800" b="0" baseline="-25000"/>
             </a:p>
           </p:txBody>
         </p:sp>
@@ -9664,7 +9664,7 @@
             <a:bodyPr/>
             <a:lstStyle/>
             <a:p>
-              <a:endParaRPr lang="en-US"/>
+              <a:endParaRPr lang="en-US" sz="2800"/>
             </a:p>
           </p:txBody>
         </p:sp>
@@ -9679,7 +9679,7 @@
           <p:spPr bwMode="auto">
             <a:xfrm>
               <a:off x="4876895" y="4448175"/>
-              <a:ext cx="269710" cy="276225"/>
+              <a:ext cx="301686" cy="369332"/>
             </a:xfrm>
             <a:prstGeom prst="rect">
               <a:avLst/>
@@ -9699,10 +9699,10 @@
             <a:lstStyle/>
             <a:p>
               <a:r>
-                <a:rPr lang="en-US" sz="1200" b="0"/>
+                <a:rPr lang="en-US" b="0"/>
                 <a:t>2</a:t>
               </a:r>
-              <a:endParaRPr lang="en-US" b="0" baseline="-25000"/>
+              <a:endParaRPr lang="en-US" sz="2800" b="0" baseline="-25000"/>
             </a:p>
           </p:txBody>
         </p:sp>
@@ -9736,7 +9736,7 @@
             <a:bodyPr/>
             <a:lstStyle/>
             <a:p>
-              <a:endParaRPr lang="en-US"/>
+              <a:endParaRPr lang="en-US" sz="2800"/>
             </a:p>
           </p:txBody>
         </p:sp>
@@ -9751,7 +9751,7 @@
           <p:spPr bwMode="auto">
             <a:xfrm>
               <a:off x="5105565" y="4448175"/>
-              <a:ext cx="269710" cy="276225"/>
+              <a:ext cx="301686" cy="369332"/>
             </a:xfrm>
             <a:prstGeom prst="rect">
               <a:avLst/>
@@ -9771,10 +9771,10 @@
             <a:lstStyle/>
             <a:p>
               <a:r>
-                <a:rPr lang="en-US" sz="1200" b="0"/>
+                <a:rPr lang="en-US" b="0"/>
                 <a:t>7</a:t>
               </a:r>
-              <a:endParaRPr lang="en-US" b="0" baseline="-25000"/>
+              <a:endParaRPr lang="en-US" sz="2800" b="0" baseline="-25000"/>
             </a:p>
           </p:txBody>
         </p:sp>
@@ -9788,9 +9788,9 @@
         <p:grpSpPr>
           <a:xfrm>
             <a:off x="5877044" y="4448175"/>
-            <a:ext cx="1022186" cy="276999"/>
+            <a:ext cx="1041369" cy="338554"/>
             <a:chOff x="5877044" y="4448175"/>
-            <a:chExt cx="1022186" cy="276999"/>
+            <a:chExt cx="1041369" cy="338554"/>
           </a:xfrm>
         </p:grpSpPr>
         <p:sp>
@@ -9913,7 +9913,7 @@
           <p:spPr bwMode="auto">
             <a:xfrm>
               <a:off x="6172260" y="4448175"/>
-              <a:ext cx="269679" cy="276225"/>
+              <a:ext cx="288862" cy="338554"/>
             </a:xfrm>
             <a:prstGeom prst="rect">
               <a:avLst/>
@@ -9933,10 +9933,10 @@
             <a:lstStyle/>
             <a:p>
               <a:r>
-                <a:rPr lang="en-US" sz="1200" b="0"/>
+                <a:rPr lang="en-US" sz="1600" b="0"/>
                 <a:t>2</a:t>
               </a:r>
-              <a:endParaRPr lang="en-US" b="0" baseline="-25000"/>
+              <a:endParaRPr lang="en-US" sz="2400" b="0" baseline="-25000"/>
             </a:p>
           </p:txBody>
         </p:sp>
@@ -9985,7 +9985,7 @@
           <p:spPr bwMode="auto">
             <a:xfrm>
               <a:off x="6400905" y="4448175"/>
-              <a:ext cx="269679" cy="276225"/>
+              <a:ext cx="288862" cy="338554"/>
             </a:xfrm>
             <a:prstGeom prst="rect">
               <a:avLst/>
@@ -10005,10 +10005,10 @@
             <a:lstStyle/>
             <a:p>
               <a:r>
-                <a:rPr lang="en-US" sz="1200" b="0" dirty="0"/>
+                <a:rPr lang="en-US" sz="1600" b="0" dirty="0"/>
                 <a:t>9</a:t>
               </a:r>
-              <a:endParaRPr lang="en-US" b="0" baseline="-25000" dirty="0"/>
+              <a:endParaRPr lang="en-US" sz="2400" b="0" baseline="-25000" dirty="0"/>
             </a:p>
           </p:txBody>
         </p:sp>
@@ -10057,7 +10057,7 @@
           <p:spPr bwMode="auto">
             <a:xfrm>
               <a:off x="6629551" y="4448175"/>
-              <a:ext cx="269679" cy="276225"/>
+              <a:ext cx="288862" cy="338554"/>
             </a:xfrm>
             <a:prstGeom prst="rect">
               <a:avLst/>
@@ -10077,7 +10077,7 @@
             <a:lstStyle/>
             <a:p>
               <a:r>
-                <a:rPr lang="en-US" sz="1200" b="0" dirty="0"/>
+                <a:rPr lang="en-US" sz="1600" b="0" dirty="0"/>
                 <a:t>8</a:t>
               </a:r>
               <a:endParaRPr lang="en-US" b="0" baseline="-25000" dirty="0"/>
@@ -10094,9 +10094,9 @@
         <p:grpSpPr>
           <a:xfrm>
             <a:off x="3048000" y="6276975"/>
-            <a:ext cx="525380" cy="276999"/>
+            <a:ext cx="581486" cy="369332"/>
             <a:chOff x="3048000" y="6276975"/>
-            <a:chExt cx="525380" cy="276999"/>
+            <a:chExt cx="581486" cy="369332"/>
           </a:xfrm>
         </p:grpSpPr>
         <p:sp>
@@ -10131,7 +10131,7 @@
             <a:bodyPr/>
             <a:lstStyle/>
             <a:p>
-              <a:endParaRPr lang="en-US"/>
+              <a:endParaRPr lang="en-US" sz="2800"/>
             </a:p>
           </p:txBody>
         </p:sp>
@@ -10146,7 +10146,7 @@
           <p:spPr bwMode="auto">
             <a:xfrm>
               <a:off x="3048000" y="6276975"/>
-              <a:ext cx="293547" cy="276225"/>
+              <a:ext cx="343364" cy="369332"/>
             </a:xfrm>
             <a:prstGeom prst="rect">
               <a:avLst/>
@@ -10166,14 +10166,14 @@
             <a:lstStyle/>
             <a:p>
               <a:r>
-                <a:rPr lang="en-US" sz="1200" b="0"/>
+                <a:rPr lang="en-US" b="0" dirty="0"/>
                 <a:t>r</a:t>
               </a:r>
               <a:r>
-                <a:rPr lang="en-US" sz="1200" b="0" baseline="-25000"/>
+                <a:rPr lang="en-US" b="0" baseline="-25000" dirty="0"/>
                 <a:t>1</a:t>
               </a:r>
-              <a:endParaRPr lang="en-US" b="0" baseline="-25000"/>
+              <a:endParaRPr lang="en-US" sz="2800" b="0" baseline="-25000" dirty="0"/>
             </a:p>
           </p:txBody>
         </p:sp>
@@ -10207,7 +10207,7 @@
             <a:bodyPr/>
             <a:lstStyle/>
             <a:p>
-              <a:endParaRPr lang="en-US"/>
+              <a:endParaRPr lang="en-US" sz="2800"/>
             </a:p>
           </p:txBody>
         </p:sp>
@@ -10222,7 +10222,7 @@
           <p:spPr bwMode="auto">
             <a:xfrm>
               <a:off x="3276504" y="6276975"/>
-              <a:ext cx="296876" cy="276999"/>
+              <a:ext cx="352982" cy="369332"/>
             </a:xfrm>
             <a:prstGeom prst="rect">
               <a:avLst/>
@@ -10242,14 +10242,14 @@
             <a:lstStyle/>
             <a:p>
               <a:r>
-                <a:rPr lang="en-US" sz="1200" b="0"/>
+                <a:rPr lang="en-US" b="0"/>
                 <a:t>s</a:t>
               </a:r>
               <a:r>
-                <a:rPr lang="en-US" sz="1200" b="0" baseline="-25000"/>
+                <a:rPr lang="en-US" b="0" baseline="-25000"/>
                 <a:t>1</a:t>
               </a:r>
-              <a:endParaRPr lang="en-US" b="0" baseline="-25000"/>
+              <a:endParaRPr lang="en-US" sz="2800" b="0" baseline="-25000"/>
             </a:p>
           </p:txBody>
         </p:sp>
@@ -10263,9 +10263,9 @@
         <p:grpSpPr>
           <a:xfrm>
             <a:off x="4405313" y="6276975"/>
-            <a:ext cx="525380" cy="276999"/>
+            <a:ext cx="581486" cy="369332"/>
             <a:chOff x="4405313" y="6276975"/>
-            <a:chExt cx="525380" cy="276999"/>
+            <a:chExt cx="581486" cy="369332"/>
           </a:xfrm>
         </p:grpSpPr>
         <p:sp>
@@ -10300,7 +10300,7 @@
             <a:bodyPr/>
             <a:lstStyle/>
             <a:p>
-              <a:endParaRPr lang="en-US"/>
+              <a:endParaRPr lang="en-US" sz="2800"/>
             </a:p>
           </p:txBody>
         </p:sp>
@@ -10315,7 +10315,7 @@
           <p:spPr bwMode="auto">
             <a:xfrm>
               <a:off x="4405313" y="6276975"/>
-              <a:ext cx="293546" cy="276225"/>
+              <a:ext cx="343364" cy="369332"/>
             </a:xfrm>
             <a:prstGeom prst="rect">
               <a:avLst/>
@@ -10335,14 +10335,14 @@
             <a:lstStyle/>
             <a:p>
               <a:r>
-                <a:rPr lang="en-US" sz="1200" b="0"/>
+                <a:rPr lang="en-US" b="0"/>
                 <a:t>r</a:t>
               </a:r>
               <a:r>
-                <a:rPr lang="en-US" sz="1200" b="0" baseline="-25000"/>
+                <a:rPr lang="en-US" b="0" baseline="-25000"/>
                 <a:t>2</a:t>
               </a:r>
-              <a:endParaRPr lang="en-US" b="0" baseline="-25000"/>
+              <a:endParaRPr lang="en-US" sz="2800" b="0" baseline="-25000"/>
             </a:p>
           </p:txBody>
         </p:sp>
@@ -10376,7 +10376,7 @@
             <a:bodyPr/>
             <a:lstStyle/>
             <a:p>
-              <a:endParaRPr lang="en-US"/>
+              <a:endParaRPr lang="en-US" sz="2800"/>
             </a:p>
           </p:txBody>
         </p:sp>
@@ -10391,7 +10391,7 @@
           <p:spPr bwMode="auto">
             <a:xfrm>
               <a:off x="4633817" y="6276975"/>
-              <a:ext cx="296876" cy="276999"/>
+              <a:ext cx="352982" cy="369332"/>
             </a:xfrm>
             <a:prstGeom prst="rect">
               <a:avLst/>
@@ -10411,14 +10411,14 @@
             <a:lstStyle/>
             <a:p>
               <a:r>
-                <a:rPr lang="en-US" sz="1200" b="0"/>
+                <a:rPr lang="en-US" b="0"/>
                 <a:t>s</a:t>
               </a:r>
               <a:r>
-                <a:rPr lang="en-US" sz="1200" b="0" baseline="-25000"/>
+                <a:rPr lang="en-US" b="0" baseline="-25000"/>
                 <a:t>2</a:t>
               </a:r>
-              <a:endParaRPr lang="en-US" b="0" baseline="-25000"/>
+              <a:endParaRPr lang="en-US" sz="2800" b="0" baseline="-25000"/>
             </a:p>
           </p:txBody>
         </p:sp>
@@ -10432,9 +10432,9 @@
         <p:grpSpPr>
           <a:xfrm>
             <a:off x="5715000" y="6276975"/>
-            <a:ext cx="525380" cy="276999"/>
+            <a:ext cx="581486" cy="369332"/>
             <a:chOff x="5715000" y="6276975"/>
-            <a:chExt cx="525380" cy="276999"/>
+            <a:chExt cx="581486" cy="369332"/>
           </a:xfrm>
         </p:grpSpPr>
         <p:sp>
@@ -10469,7 +10469,7 @@
             <a:bodyPr/>
             <a:lstStyle/>
             <a:p>
-              <a:endParaRPr lang="en-US"/>
+              <a:endParaRPr lang="en-US" sz="2800"/>
             </a:p>
           </p:txBody>
         </p:sp>
@@ -10484,7 +10484,7 @@
           <p:spPr bwMode="auto">
             <a:xfrm>
               <a:off x="5715000" y="6276975"/>
-              <a:ext cx="293547" cy="276225"/>
+              <a:ext cx="343364" cy="369332"/>
             </a:xfrm>
             <a:prstGeom prst="rect">
               <a:avLst/>
@@ -10504,14 +10504,14 @@
             <a:lstStyle/>
             <a:p>
               <a:r>
-                <a:rPr lang="en-US" sz="1200" b="0"/>
+                <a:rPr lang="en-US" b="0"/>
                 <a:t>r</a:t>
               </a:r>
               <a:r>
-                <a:rPr lang="en-US" sz="1200" b="0" baseline="-25000"/>
+                <a:rPr lang="en-US" b="0" baseline="-25000"/>
                 <a:t>3</a:t>
               </a:r>
-              <a:endParaRPr lang="en-US" b="0" baseline="-25000"/>
+              <a:endParaRPr lang="en-US" sz="2800" b="0" baseline="-25000"/>
             </a:p>
           </p:txBody>
         </p:sp>
@@ -10545,7 +10545,7 @@
             <a:bodyPr/>
             <a:lstStyle/>
             <a:p>
-              <a:endParaRPr lang="en-US"/>
+              <a:endParaRPr lang="en-US" sz="2800"/>
             </a:p>
           </p:txBody>
         </p:sp>
@@ -10560,7 +10560,7 @@
           <p:spPr bwMode="auto">
             <a:xfrm>
               <a:off x="5943504" y="6276975"/>
-              <a:ext cx="296876" cy="276999"/>
+              <a:ext cx="352982" cy="369332"/>
             </a:xfrm>
             <a:prstGeom prst="rect">
               <a:avLst/>
@@ -10580,14 +10580,14 @@
             <a:lstStyle/>
             <a:p>
               <a:r>
-                <a:rPr lang="en-US" sz="1200" b="0"/>
+                <a:rPr lang="en-US" b="0"/>
                 <a:t>s</a:t>
               </a:r>
               <a:r>
-                <a:rPr lang="en-US" sz="1200" b="0" baseline="-25000"/>
+                <a:rPr lang="en-US" b="0" baseline="-25000"/>
                 <a:t>3</a:t>
               </a:r>
-              <a:endParaRPr lang="en-US" b="0" baseline="-25000"/>
+              <a:endParaRPr lang="en-US" sz="2800" b="0" baseline="-25000"/>
             </a:p>
           </p:txBody>
         </p:sp>
@@ -10600,10 +10600,10 @@
         </p:nvGrpSpPr>
         <p:grpSpPr>
           <a:xfrm>
-            <a:off x="5877044" y="4448175"/>
-            <a:ext cx="1219984" cy="276999"/>
-            <a:chOff x="5877044" y="4448175"/>
-            <a:chExt cx="1219984" cy="276999"/>
+            <a:off x="5861015" y="4448175"/>
+            <a:ext cx="1236013" cy="369332"/>
+            <a:chOff x="5861015" y="4448175"/>
+            <a:chExt cx="1236013" cy="369332"/>
           </a:xfrm>
         </p:grpSpPr>
         <p:sp>
@@ -10638,7 +10638,7 @@
             <a:bodyPr/>
             <a:lstStyle/>
             <a:p>
-              <a:endParaRPr lang="en-US"/>
+              <a:endParaRPr lang="en-US" sz="2800"/>
             </a:p>
           </p:txBody>
         </p:sp>
@@ -10652,8 +10652,8 @@
           </p:nvSpPr>
           <p:spPr bwMode="auto">
             <a:xfrm>
-              <a:off x="5877044" y="4448175"/>
-              <a:ext cx="250390" cy="276999"/>
+              <a:off x="5861015" y="4448175"/>
+              <a:ext cx="282450" cy="369332"/>
             </a:xfrm>
             <a:prstGeom prst="rect">
               <a:avLst/>
@@ -10674,10 +10674,10 @@
             <a:p>
               <a:pPr algn="ctr"/>
               <a:r>
-                <a:rPr lang="en-US" sz="1200" b="0"/>
+                <a:rPr lang="en-US" b="0"/>
                 <a:t>c</a:t>
               </a:r>
-              <a:endParaRPr lang="en-US" b="0" baseline="-25000"/>
+              <a:endParaRPr lang="en-US" sz="2800" b="0" baseline="-25000"/>
             </a:p>
           </p:txBody>
         </p:sp>
@@ -10711,45 +10711,7 @@
             <a:bodyPr/>
             <a:lstStyle/>
             <a:p>
-              <a:endParaRPr lang="en-US"/>
-            </a:p>
-          </p:txBody>
-        </p:sp>
-        <p:sp>
-          <p:nvSpPr>
-            <p:cNvPr id="338" name="TextBox 212"/>
-            <p:cNvSpPr txBox="1">
-              <a:spLocks noChangeArrowheads="1"/>
-            </p:cNvSpPr>
-            <p:nvPr/>
-          </p:nvSpPr>
-          <p:spPr bwMode="auto">
-            <a:xfrm>
-              <a:off x="6172260" y="4448175"/>
-              <a:ext cx="269679" cy="276225"/>
-            </a:xfrm>
-            <a:prstGeom prst="rect">
-              <a:avLst/>
-            </a:prstGeom>
-            <a:noFill/>
-            <a:ln w="9525">
-              <a:noFill/>
-              <a:miter lim="800000"/>
-              <a:headEnd/>
-              <a:tailEnd/>
-            </a:ln>
-          </p:spPr>
-          <p:txBody>
-            <a:bodyPr wrap="none">
-              <a:spAutoFit/>
-            </a:bodyPr>
-            <a:lstStyle/>
-            <a:p>
-              <a:r>
-                <a:rPr lang="en-US" sz="1200" b="0"/>
-                <a:t>2</a:t>
-              </a:r>
-              <a:endParaRPr lang="en-US" b="0" baseline="-25000"/>
+              <a:endParaRPr lang="en-US" sz="2800"/>
             </a:p>
           </p:txBody>
         </p:sp>
@@ -10783,45 +10745,7 @@
             <a:bodyPr/>
             <a:lstStyle/>
             <a:p>
-              <a:endParaRPr lang="en-US"/>
-            </a:p>
-          </p:txBody>
-        </p:sp>
-        <p:sp>
-          <p:nvSpPr>
-            <p:cNvPr id="340" name="TextBox 215"/>
-            <p:cNvSpPr txBox="1">
-              <a:spLocks noChangeArrowheads="1"/>
-            </p:cNvSpPr>
-            <p:nvPr/>
-          </p:nvSpPr>
-          <p:spPr bwMode="auto">
-            <a:xfrm>
-              <a:off x="6400905" y="4448175"/>
-              <a:ext cx="269679" cy="276225"/>
-            </a:xfrm>
-            <a:prstGeom prst="rect">
-              <a:avLst/>
-            </a:prstGeom>
-            <a:noFill/>
-            <a:ln w="9525">
-              <a:noFill/>
-              <a:miter lim="800000"/>
-              <a:headEnd/>
-              <a:tailEnd/>
-            </a:ln>
-          </p:spPr>
-          <p:txBody>
-            <a:bodyPr wrap="none">
-              <a:spAutoFit/>
-            </a:bodyPr>
-            <a:lstStyle/>
-            <a:p>
-              <a:r>
-                <a:rPr lang="en-US" sz="1200" b="0" dirty="0"/>
-                <a:t>3</a:t>
-              </a:r>
-              <a:endParaRPr lang="en-US" b="0" baseline="-25000" dirty="0"/>
+              <a:endParaRPr lang="en-US" sz="2800"/>
             </a:p>
           </p:txBody>
         </p:sp>
@@ -10855,45 +10779,7 @@
             <a:bodyPr/>
             <a:lstStyle/>
             <a:p>
-              <a:endParaRPr lang="en-US"/>
-            </a:p>
-          </p:txBody>
-        </p:sp>
-        <p:sp>
-          <p:nvSpPr>
-            <p:cNvPr id="342" name="TextBox 218"/>
-            <p:cNvSpPr txBox="1">
-              <a:spLocks noChangeArrowheads="1"/>
-            </p:cNvSpPr>
-            <p:nvPr/>
-          </p:nvSpPr>
-          <p:spPr bwMode="auto">
-            <a:xfrm>
-              <a:off x="6629551" y="4448175"/>
-              <a:ext cx="269679" cy="276225"/>
-            </a:xfrm>
-            <a:prstGeom prst="rect">
-              <a:avLst/>
-            </a:prstGeom>
-            <a:noFill/>
-            <a:ln w="9525">
-              <a:noFill/>
-              <a:miter lim="800000"/>
-              <a:headEnd/>
-              <a:tailEnd/>
-            </a:ln>
-          </p:spPr>
-          <p:txBody>
-            <a:bodyPr wrap="none">
-              <a:spAutoFit/>
-            </a:bodyPr>
-            <a:lstStyle/>
-            <a:p>
-              <a:r>
-                <a:rPr lang="en-US" sz="1200" b="0" dirty="0"/>
-                <a:t>6</a:t>
-              </a:r>
-              <a:endParaRPr lang="en-US" b="0" baseline="-25000" dirty="0"/>
+              <a:endParaRPr lang="en-US" sz="2800"/>
             </a:p>
           </p:txBody>
         </p:sp>
@@ -10927,7 +10813,7 @@
             <a:bodyPr/>
             <a:lstStyle/>
             <a:p>
-              <a:endParaRPr lang="en-US"/>
+              <a:endParaRPr lang="en-US" sz="2800"/>
             </a:p>
           </p:txBody>
         </p:sp>
@@ -12766,7 +12652,7 @@
         <p:spPr bwMode="auto">
           <a:xfrm>
             <a:off x="1660525" y="1905000"/>
-            <a:ext cx="6111875" cy="2862322"/>
+            <a:ext cx="6111875" cy="3139321"/>
           </a:xfrm>
           <a:prstGeom prst="rect">
             <a:avLst/>
@@ -12786,21 +12672,21 @@
           <a:lstStyle/>
           <a:p>
             <a:r>
-              <a:rPr lang="en-US" sz="1800" dirty="0">
+              <a:rPr lang="en-US" sz="2000" dirty="0">
                 <a:latin typeface="Gill Sans"/>
                 <a:cs typeface="Gill Sans"/>
               </a:rPr>
               <a:t>Map(String </a:t>
             </a:r>
             <a:r>
-              <a:rPr lang="en-US" sz="1800" dirty="0" err="1">
+              <a:rPr lang="en-US" sz="2000" dirty="0" err="1">
                 <a:latin typeface="Gill Sans"/>
                 <a:cs typeface="Gill Sans"/>
               </a:rPr>
               <a:t>docid</a:t>
             </a:r>
             <a:r>
-              <a:rPr lang="en-US" sz="1800" dirty="0">
+              <a:rPr lang="en-US" sz="2000" dirty="0">
                 <a:latin typeface="Gill Sans"/>
                 <a:cs typeface="Gill Sans"/>
               </a:rPr>
@@ -12809,14 +12695,14 @@
           </a:p>
           <a:p>
             <a:r>
-              <a:rPr lang="en-US" sz="1800" b="0" i="1" dirty="0">
+              <a:rPr lang="en-US" sz="2000" b="0" i="1" dirty="0">
                 <a:latin typeface="Gill Sans"/>
                 <a:cs typeface="Gill Sans"/>
               </a:rPr>
               <a:t>     </a:t>
             </a:r>
             <a:r>
-              <a:rPr lang="en-US" sz="1800" b="0" dirty="0">
+              <a:rPr lang="en-US" sz="2000" b="0" dirty="0">
                 <a:latin typeface="Gill Sans"/>
                 <a:cs typeface="Gill Sans"/>
               </a:rPr>
@@ -12825,7 +12711,7 @@
           </a:p>
           <a:p>
             <a:r>
-              <a:rPr lang="en-US" sz="1800" b="0" dirty="0">
+              <a:rPr lang="en-US" sz="2000" b="0" dirty="0">
                 <a:latin typeface="Gill Sans"/>
                 <a:cs typeface="Gill Sans"/>
               </a:rPr>
@@ -12833,42 +12719,42 @@
             </a:r>
           </a:p>
           <a:p>
-            <a:endParaRPr lang="en-US" sz="1800" b="0" dirty="0">
+            <a:endParaRPr lang="en-US" sz="2000" b="0" dirty="0">
               <a:latin typeface="Gill Sans"/>
               <a:cs typeface="Gill Sans"/>
             </a:endParaRPr>
           </a:p>
           <a:p>
             <a:r>
-              <a:rPr lang="en-US" sz="1800" dirty="0">
+              <a:rPr lang="en-US" sz="2000" dirty="0">
                 <a:latin typeface="Gill Sans"/>
                 <a:cs typeface="Gill Sans"/>
               </a:rPr>
               <a:t>Reduce(String term, </a:t>
             </a:r>
             <a:r>
-              <a:rPr lang="en-US" sz="1800" dirty="0" err="1">
+              <a:rPr lang="en-US" sz="2000" dirty="0" err="1">
                 <a:latin typeface="Gill Sans"/>
                 <a:cs typeface="Gill Sans"/>
               </a:rPr>
               <a:t>Iterator</a:t>
             </a:r>
             <a:r>
-              <a:rPr lang="en-US" sz="1800" dirty="0">
+              <a:rPr lang="en-US" sz="2000" dirty="0">
                 <a:latin typeface="Gill Sans"/>
                 <a:cs typeface="Gill Sans"/>
               </a:rPr>
               <a:t>&lt;</a:t>
             </a:r>
             <a:r>
-              <a:rPr lang="en-US" sz="1800" dirty="0" err="1">
+              <a:rPr lang="en-US" sz="2000" dirty="0" err="1">
                 <a:latin typeface="Gill Sans"/>
                 <a:cs typeface="Gill Sans"/>
               </a:rPr>
               <a:t>Int</a:t>
             </a:r>
             <a:r>
-              <a:rPr lang="en-US" sz="1800" dirty="0">
+              <a:rPr lang="en-US" sz="2000" dirty="0">
                 <a:latin typeface="Gill Sans"/>
                 <a:cs typeface="Gill Sans"/>
               </a:rPr>
@@ -12877,21 +12763,21 @@
           </a:p>
           <a:p>
             <a:r>
-              <a:rPr lang="en-US" sz="1800" b="0" i="1" dirty="0">
+              <a:rPr lang="en-US" sz="2000" b="0" i="1" dirty="0">
                 <a:latin typeface="Gill Sans"/>
                 <a:cs typeface="Gill Sans"/>
               </a:rPr>
               <a:t>     </a:t>
             </a:r>
             <a:r>
-              <a:rPr lang="en-US" sz="1800" b="0" dirty="0" err="1">
+              <a:rPr lang="en-US" sz="2000" b="0" dirty="0" err="1">
                 <a:latin typeface="Gill Sans"/>
                 <a:cs typeface="Gill Sans"/>
               </a:rPr>
               <a:t>int</a:t>
             </a:r>
             <a:r>
-              <a:rPr lang="en-US" sz="1800" b="0" dirty="0">
+              <a:rPr lang="en-US" sz="2000" b="0" dirty="0">
                 <a:latin typeface="Gill Sans"/>
                 <a:cs typeface="Gill Sans"/>
               </a:rPr>
@@ -12900,7 +12786,7 @@
           </a:p>
           <a:p>
             <a:r>
-              <a:rPr lang="en-US" sz="1800" b="0" dirty="0">
+              <a:rPr lang="en-US" sz="2000" b="0" dirty="0">
                 <a:latin typeface="Gill Sans"/>
                 <a:cs typeface="Gill Sans"/>
               </a:rPr>
@@ -12909,7 +12795,7 @@
           </a:p>
           <a:p>
             <a:r>
-              <a:rPr lang="en-US" sz="1800" b="0" dirty="0">
+              <a:rPr lang="en-US" sz="2000" b="0" dirty="0">
                 <a:latin typeface="Gill Sans"/>
                 <a:cs typeface="Gill Sans"/>
               </a:rPr>
@@ -12918,7 +12804,7 @@
           </a:p>
           <a:p>
             <a:r>
-              <a:rPr lang="en-US" sz="1800" b="0" dirty="0">
+              <a:rPr lang="en-US" sz="2000" b="0" dirty="0">
                 <a:latin typeface="Gill Sans"/>
                 <a:cs typeface="Gill Sans"/>
               </a:rPr>
